--- a/diapositivas taller 3.pptx
+++ b/diapositivas taller 3.pptx
@@ -1,36 +1,43 @@
 
 <file path=ppt/presentation.xml><?xml version="1.0" encoding="utf-8"?>
-<p:presentation xmlns:a="http://schemas.openxmlformats.org/drawingml/2006/main" xmlns:r="http://schemas.openxmlformats.org/officeDocument/2006/relationships" xmlns:mc="http://schemas.openxmlformats.org/markup-compatibility/2006" xmlns:mv="urn:schemas-microsoft-com:mac:vml" xmlns:p="http://schemas.openxmlformats.org/presentationml/2006/main" xmlns:c="http://schemas.openxmlformats.org/drawingml/2006/chart" xmlns:dgm="http://schemas.openxmlformats.org/drawingml/2006/diagram" xmlns:o="urn:schemas-microsoft-com:office:office" xmlns:v="urn:schemas-microsoft-com:vml" xmlns:pvml="urn:schemas-microsoft-com:office:powerpoint" xmlns:com="http://schemas.openxmlformats.org/drawingml/2006/compatibility" xmlns:p14="http://schemas.microsoft.com/office/powerpoint/2010/main" xmlns:p15="http://schemas.microsoft.com/office/powerpoint/2012/main" autoCompressPictures="0" embedTrueTypeFonts="1" strictFirstAndLastChars="0" saveSubsetFonts="1">
+<p:presentation xmlns:a="http://schemas.openxmlformats.org/drawingml/2006/main" xmlns:r="http://schemas.openxmlformats.org/officeDocument/2006/relationships" xmlns:p="http://schemas.openxmlformats.org/presentationml/2006/main" strictFirstAndLastChars="0" embedTrueTypeFonts="1" saveSubsetFonts="1" autoCompressPictures="0">
   <p:sldMasterIdLst>
-    <p:sldMasterId id="2147483659" r:id="rId4"/>
+    <p:sldMasterId id="2147483659" r:id="rId1"/>
   </p:sldMasterIdLst>
   <p:notesMasterIdLst>
-    <p:notesMasterId r:id="rId5"/>
+    <p:notesMasterId r:id="rId11"/>
   </p:notesMasterIdLst>
   <p:sldIdLst>
-    <p:sldId id="256" r:id="rId6"/>
-    <p:sldId id="257" r:id="rId7"/>
-    <p:sldId id="258" r:id="rId8"/>
-    <p:sldId id="259" r:id="rId9"/>
-    <p:sldId id="260" r:id="rId10"/>
-    <p:sldId id="261" r:id="rId11"/>
-    <p:sldId id="262" r:id="rId12"/>
-    <p:sldId id="263" r:id="rId13"/>
-    <p:sldId id="264" r:id="rId14"/>
+    <p:sldId id="256" r:id="rId2"/>
+    <p:sldId id="257" r:id="rId3"/>
+    <p:sldId id="258" r:id="rId4"/>
+    <p:sldId id="259" r:id="rId5"/>
+    <p:sldId id="260" r:id="rId6"/>
+    <p:sldId id="261" r:id="rId7"/>
+    <p:sldId id="262" r:id="rId8"/>
+    <p:sldId id="263" r:id="rId9"/>
+    <p:sldId id="264" r:id="rId10"/>
   </p:sldIdLst>
-  <p:sldSz cy="5143500" cx="9144000"/>
+  <p:sldSz cx="9144000" cy="5143500" type="screen16x9"/>
   <p:notesSz cx="6858000" cy="9144000"/>
   <p:embeddedFontLst>
     <p:embeddedFont>
-      <p:font typeface="Nunito"/>
-      <p:regular r:id="rId15"/>
-      <p:bold r:id="rId16"/>
-      <p:italic r:id="rId17"/>
-      <p:boldItalic r:id="rId18"/>
+      <p:font typeface="Nunito" panose="020B0604020202020204" charset="0"/>
+      <p:regular r:id="rId12"/>
+      <p:bold r:id="rId13"/>
+      <p:italic r:id="rId14"/>
+      <p:boldItalic r:id="rId15"/>
+    </p:embeddedFont>
+    <p:embeddedFont>
+      <p:font typeface="Calibri" panose="020F0502020204030204" pitchFamily="34" charset="0"/>
+      <p:regular r:id="rId16"/>
+      <p:bold r:id="rId17"/>
+      <p:italic r:id="rId18"/>
+      <p:boldItalic r:id="rId19"/>
     </p:embeddedFont>
   </p:embeddedFontLst>
   <p:defaultTextStyle>
-    <a:defPPr lvl="0" marR="0" rtl="0" algn="l">
+    <a:defPPr marR="0" lvl="0" algn="l" rtl="0">
       <a:lnSpc>
         <a:spcPct val="100000"/>
       </a:lnSpc>
@@ -41,7 +48,7 @@
         <a:spcPts val="0"/>
       </a:spcAft>
     </a:defPPr>
-    <a:lvl1pPr lvl="0" marR="0" rtl="0" algn="l">
+    <a:lvl1pPr marR="0" lvl="0" algn="l" rtl="0">
       <a:lnSpc>
         <a:spcPct val="100000"/>
       </a:lnSpc>
@@ -55,7 +62,7 @@
         <a:srgbClr val="000000"/>
       </a:buClr>
       <a:buFont typeface="Arial"/>
-      <a:defRPr b="0" i="0" sz="1400" u="none" cap="none" strike="noStrike">
+      <a:defRPr sz="1400" b="0" i="0" u="none" strike="noStrike" cap="none">
         <a:solidFill>
           <a:srgbClr val="000000"/>
         </a:solidFill>
@@ -65,7 +72,7 @@
         <a:sym typeface="Arial"/>
       </a:defRPr>
     </a:lvl1pPr>
-    <a:lvl2pPr lvl="1" marR="0" rtl="0" algn="l">
+    <a:lvl2pPr marR="0" lvl="1" algn="l" rtl="0">
       <a:lnSpc>
         <a:spcPct val="100000"/>
       </a:lnSpc>
@@ -79,7 +86,7 @@
         <a:srgbClr val="000000"/>
       </a:buClr>
       <a:buFont typeface="Arial"/>
-      <a:defRPr b="0" i="0" sz="1400" u="none" cap="none" strike="noStrike">
+      <a:defRPr sz="1400" b="0" i="0" u="none" strike="noStrike" cap="none">
         <a:solidFill>
           <a:srgbClr val="000000"/>
         </a:solidFill>
@@ -89,7 +96,7 @@
         <a:sym typeface="Arial"/>
       </a:defRPr>
     </a:lvl2pPr>
-    <a:lvl3pPr lvl="2" marR="0" rtl="0" algn="l">
+    <a:lvl3pPr marR="0" lvl="2" algn="l" rtl="0">
       <a:lnSpc>
         <a:spcPct val="100000"/>
       </a:lnSpc>
@@ -103,7 +110,7 @@
         <a:srgbClr val="000000"/>
       </a:buClr>
       <a:buFont typeface="Arial"/>
-      <a:defRPr b="0" i="0" sz="1400" u="none" cap="none" strike="noStrike">
+      <a:defRPr sz="1400" b="0" i="0" u="none" strike="noStrike" cap="none">
         <a:solidFill>
           <a:srgbClr val="000000"/>
         </a:solidFill>
@@ -113,7 +120,7 @@
         <a:sym typeface="Arial"/>
       </a:defRPr>
     </a:lvl3pPr>
-    <a:lvl4pPr lvl="3" marR="0" rtl="0" algn="l">
+    <a:lvl4pPr marR="0" lvl="3" algn="l" rtl="0">
       <a:lnSpc>
         <a:spcPct val="100000"/>
       </a:lnSpc>
@@ -127,7 +134,7 @@
         <a:srgbClr val="000000"/>
       </a:buClr>
       <a:buFont typeface="Arial"/>
-      <a:defRPr b="0" i="0" sz="1400" u="none" cap="none" strike="noStrike">
+      <a:defRPr sz="1400" b="0" i="0" u="none" strike="noStrike" cap="none">
         <a:solidFill>
           <a:srgbClr val="000000"/>
         </a:solidFill>
@@ -137,7 +144,7 @@
         <a:sym typeface="Arial"/>
       </a:defRPr>
     </a:lvl4pPr>
-    <a:lvl5pPr lvl="4" marR="0" rtl="0" algn="l">
+    <a:lvl5pPr marR="0" lvl="4" algn="l" rtl="0">
       <a:lnSpc>
         <a:spcPct val="100000"/>
       </a:lnSpc>
@@ -151,7 +158,7 @@
         <a:srgbClr val="000000"/>
       </a:buClr>
       <a:buFont typeface="Arial"/>
-      <a:defRPr b="0" i="0" sz="1400" u="none" cap="none" strike="noStrike">
+      <a:defRPr sz="1400" b="0" i="0" u="none" strike="noStrike" cap="none">
         <a:solidFill>
           <a:srgbClr val="000000"/>
         </a:solidFill>
@@ -161,7 +168,7 @@
         <a:sym typeface="Arial"/>
       </a:defRPr>
     </a:lvl5pPr>
-    <a:lvl6pPr lvl="5" marR="0" rtl="0" algn="l">
+    <a:lvl6pPr marR="0" lvl="5" algn="l" rtl="0">
       <a:lnSpc>
         <a:spcPct val="100000"/>
       </a:lnSpc>
@@ -175,7 +182,7 @@
         <a:srgbClr val="000000"/>
       </a:buClr>
       <a:buFont typeface="Arial"/>
-      <a:defRPr b="0" i="0" sz="1400" u="none" cap="none" strike="noStrike">
+      <a:defRPr sz="1400" b="0" i="0" u="none" strike="noStrike" cap="none">
         <a:solidFill>
           <a:srgbClr val="000000"/>
         </a:solidFill>
@@ -185,7 +192,7 @@
         <a:sym typeface="Arial"/>
       </a:defRPr>
     </a:lvl6pPr>
-    <a:lvl7pPr lvl="6" marR="0" rtl="0" algn="l">
+    <a:lvl7pPr marR="0" lvl="6" algn="l" rtl="0">
       <a:lnSpc>
         <a:spcPct val="100000"/>
       </a:lnSpc>
@@ -199,7 +206,7 @@
         <a:srgbClr val="000000"/>
       </a:buClr>
       <a:buFont typeface="Arial"/>
-      <a:defRPr b="0" i="0" sz="1400" u="none" cap="none" strike="noStrike">
+      <a:defRPr sz="1400" b="0" i="0" u="none" strike="noStrike" cap="none">
         <a:solidFill>
           <a:srgbClr val="000000"/>
         </a:solidFill>
@@ -209,7 +216,7 @@
         <a:sym typeface="Arial"/>
       </a:defRPr>
     </a:lvl7pPr>
-    <a:lvl8pPr lvl="7" marR="0" rtl="0" algn="l">
+    <a:lvl8pPr marR="0" lvl="7" algn="l" rtl="0">
       <a:lnSpc>
         <a:spcPct val="100000"/>
       </a:lnSpc>
@@ -223,7 +230,7 @@
         <a:srgbClr val="000000"/>
       </a:buClr>
       <a:buFont typeface="Arial"/>
-      <a:defRPr b="0" i="0" sz="1400" u="none" cap="none" strike="noStrike">
+      <a:defRPr sz="1400" b="0" i="0" u="none" strike="noStrike" cap="none">
         <a:solidFill>
           <a:srgbClr val="000000"/>
         </a:solidFill>
@@ -233,7 +240,7 @@
         <a:sym typeface="Arial"/>
       </a:defRPr>
     </a:lvl8pPr>
-    <a:lvl9pPr lvl="8" marR="0" rtl="0" algn="l">
+    <a:lvl9pPr marR="0" lvl="8" algn="l" rtl="0">
       <a:lnSpc>
         <a:spcPct val="100000"/>
       </a:lnSpc>
@@ -247,7 +254,7 @@
         <a:srgbClr val="000000"/>
       </a:buClr>
       <a:buFont typeface="Arial"/>
-      <a:defRPr b="0" i="0" sz="1400" u="none" cap="none" strike="noStrike">
+      <a:defRPr sz="1400" b="0" i="0" u="none" strike="noStrike" cap="none">
         <a:solidFill>
           <a:srgbClr val="000000"/>
         </a:solidFill>
@@ -260,7 +267,7 @@
   </p:defaultTextStyle>
   <p:extLst>
     <p:ext uri="{EFAFB233-063F-42B5-8137-9DF3F51BA10A}">
-      <p15:sldGuideLst>
+      <p15:sldGuideLst xmlns:p15="http://schemas.microsoft.com/office/powerpoint/2012/main">
         <p15:guide id="1" orient="horz" pos="1620">
           <p15:clr>
             <a:srgbClr val="A4A3A4"/>
@@ -278,11 +285,16 @@
 </file>
 
 <file path=ppt/notesMasters/notesMaster1.xml><?xml version="1.0" encoding="utf-8"?>
-<p:notesMaster xmlns:a="http://schemas.openxmlformats.org/drawingml/2006/main" xmlns:r="http://schemas.openxmlformats.org/officeDocument/2006/relationships" xmlns:mc="http://schemas.openxmlformats.org/markup-compatibility/2006" xmlns:mv="urn:schemas-microsoft-com:mac:vml" xmlns:p="http://schemas.openxmlformats.org/presentationml/2006/main" xmlns:c="http://schemas.openxmlformats.org/drawingml/2006/chart" xmlns:dgm="http://schemas.openxmlformats.org/drawingml/2006/diagram" xmlns:o="urn:schemas-microsoft-com:office:office" xmlns:v="urn:schemas-microsoft-com:vml" xmlns:pvml="urn:schemas-microsoft-com:office:powerpoint" xmlns:com="http://schemas.openxmlformats.org/drawingml/2006/compatibility" xmlns:p14="http://schemas.microsoft.com/office/powerpoint/2010/main" xmlns:p15="http://schemas.microsoft.com/office/powerpoint/2012/main">
+<p:notesMaster xmlns:a="http://schemas.openxmlformats.org/drawingml/2006/main" xmlns:r="http://schemas.openxmlformats.org/officeDocument/2006/relationships" xmlns:p="http://schemas.openxmlformats.org/presentationml/2006/main">
   <p:cSld>
+    <p:bg>
+      <p:bgRef idx="1001">
+        <a:schemeClr val="bg1"/>
+      </p:bgRef>
+    </p:bg>
     <p:spTree>
       <p:nvGrpSpPr>
-        <p:cNvPr id="2" name="Shape 2"/>
+        <p:cNvPr id="1" name="Shape 2"/>
         <p:cNvGrpSpPr/>
         <p:nvPr/>
       </p:nvGrpSpPr>
@@ -297,9 +309,11 @@
       <p:sp>
         <p:nvSpPr>
           <p:cNvPr id="3" name="Google Shape;3;n"/>
-          <p:cNvSpPr/>
+          <p:cNvSpPr>
+            <a:spLocks noGrp="1" noRot="1" noChangeAspect="1"/>
+          </p:cNvSpPr>
           <p:nvPr>
-            <p:ph idx="2" type="sldImg"/>
+            <p:ph type="sldImg" idx="2"/>
           </p:nvPr>
         </p:nvSpPr>
         <p:spPr>
@@ -308,9 +322,13 @@
             <a:ext cx="6096075" cy="3429000"/>
           </a:xfrm>
           <a:custGeom>
-            <a:rect b="b" l="l" r="r" t="t"/>
+            <a:avLst/>
+            <a:gdLst/>
+            <a:ahLst/>
+            <a:cxnLst/>
+            <a:rect l="l" t="t" r="r" b="b"/>
             <a:pathLst>
-              <a:path extrusionOk="0" h="120000" w="120000">
+              <a:path w="120000" h="120000" extrusionOk="0">
                 <a:moveTo>
                   <a:pt x="0" y="0"/>
                 </a:moveTo>
@@ -328,23 +346,25 @@
             </a:pathLst>
           </a:custGeom>
           <a:noFill/>
-          <a:ln cap="flat" cmpd="sng" w="9525">
+          <a:ln w="9525" cap="flat" cmpd="sng">
             <a:solidFill>
               <a:srgbClr val="000000"/>
             </a:solidFill>
             <a:prstDash val="solid"/>
             <a:round/>
-            <a:headEnd len="sm" w="sm" type="none"/>
-            <a:tailEnd len="sm" w="sm" type="none"/>
+            <a:headEnd type="none" w="sm" len="sm"/>
+            <a:tailEnd type="none" w="sm" len="sm"/>
           </a:ln>
         </p:spPr>
       </p:sp>
       <p:sp>
         <p:nvSpPr>
           <p:cNvPr id="4" name="Google Shape;4;n"/>
-          <p:cNvSpPr txBox="1"/>
+          <p:cNvSpPr txBox="1">
+            <a:spLocks noGrp="1"/>
+          </p:cNvSpPr>
           <p:nvPr>
-            <p:ph idx="1" type="body"/>
+            <p:ph type="body" idx="1"/>
           </p:nvPr>
         </p:nvSpPr>
         <p:spPr>
@@ -361,9 +381,9 @@
           </a:ln>
         </p:spPr>
         <p:txBody>
-          <a:bodyPr anchorCtr="0" anchor="t" bIns="91425" lIns="91425" spcFirstLastPara="1" rIns="91425" wrap="square" tIns="91425"/>
+          <a:bodyPr spcFirstLastPara="1" wrap="square" lIns="91425" tIns="91425" rIns="91425" bIns="91425" anchor="t" anchorCtr="0"/>
           <a:lstStyle>
-            <a:lvl1pPr indent="-298450" lvl="0" marL="457200">
+            <a:lvl1pPr marL="457200" lvl="0" indent="-298450">
               <a:spcBef>
                 <a:spcPts val="0"/>
               </a:spcBef>
@@ -374,7 +394,7 @@
               <a:buChar char="●"/>
               <a:defRPr sz="1100"/>
             </a:lvl1pPr>
-            <a:lvl2pPr indent="-298450" lvl="1" marL="914400">
+            <a:lvl2pPr marL="914400" lvl="1" indent="-298450">
               <a:spcBef>
                 <a:spcPts val="0"/>
               </a:spcBef>
@@ -385,7 +405,7 @@
               <a:buChar char="○"/>
               <a:defRPr sz="1100"/>
             </a:lvl2pPr>
-            <a:lvl3pPr indent="-298450" lvl="2" marL="1371600">
+            <a:lvl3pPr marL="1371600" lvl="2" indent="-298450">
               <a:spcBef>
                 <a:spcPts val="0"/>
               </a:spcBef>
@@ -396,7 +416,7 @@
               <a:buChar char="■"/>
               <a:defRPr sz="1100"/>
             </a:lvl3pPr>
-            <a:lvl4pPr indent="-298450" lvl="3" marL="1828800">
+            <a:lvl4pPr marL="1828800" lvl="3" indent="-298450">
               <a:spcBef>
                 <a:spcPts val="0"/>
               </a:spcBef>
@@ -407,7 +427,7 @@
               <a:buChar char="●"/>
               <a:defRPr sz="1100"/>
             </a:lvl4pPr>
-            <a:lvl5pPr indent="-298450" lvl="4" marL="2286000">
+            <a:lvl5pPr marL="2286000" lvl="4" indent="-298450">
               <a:spcBef>
                 <a:spcPts val="0"/>
               </a:spcBef>
@@ -418,7 +438,7 @@
               <a:buChar char="○"/>
               <a:defRPr sz="1100"/>
             </a:lvl5pPr>
-            <a:lvl6pPr indent="-298450" lvl="5" marL="2743200">
+            <a:lvl6pPr marL="2743200" lvl="5" indent="-298450">
               <a:spcBef>
                 <a:spcPts val="0"/>
               </a:spcBef>
@@ -429,7 +449,7 @@
               <a:buChar char="■"/>
               <a:defRPr sz="1100"/>
             </a:lvl6pPr>
-            <a:lvl7pPr indent="-298450" lvl="6" marL="3200400">
+            <a:lvl7pPr marL="3200400" lvl="6" indent="-298450">
               <a:spcBef>
                 <a:spcPts val="0"/>
               </a:spcBef>
@@ -440,7 +460,7 @@
               <a:buChar char="●"/>
               <a:defRPr sz="1100"/>
             </a:lvl7pPr>
-            <a:lvl8pPr indent="-298450" lvl="7" marL="3657600">
+            <a:lvl8pPr marL="3657600" lvl="7" indent="-298450">
               <a:spcBef>
                 <a:spcPts val="0"/>
               </a:spcBef>
@@ -451,7 +471,7 @@
               <a:buChar char="○"/>
               <a:defRPr sz="1100"/>
             </a:lvl8pPr>
-            <a:lvl9pPr indent="-298450" lvl="8" marL="4114800">
+            <a:lvl9pPr marL="4114800" lvl="8" indent="-298450">
               <a:spcBef>
                 <a:spcPts val="0"/>
               </a:spcBef>
@@ -463,14 +483,21 @@
               <a:defRPr sz="1100"/>
             </a:lvl9pPr>
           </a:lstStyle>
-          <a:p/>
+          <a:p>
+            <a:endParaRPr/>
+          </a:p>
         </p:txBody>
       </p:sp>
     </p:spTree>
+    <p:extLst>
+      <p:ext uri="{BB962C8B-B14F-4D97-AF65-F5344CB8AC3E}">
+        <p14:creationId xmlns:p14="http://schemas.microsoft.com/office/powerpoint/2010/main" val="3855912983"/>
+      </p:ext>
+    </p:extLst>
   </p:cSld>
-  <p:clrMap accent1="accent1" accent2="accent2" accent3="accent3" accent4="accent4" accent5="accent5" accent6="accent6" bg1="lt1" bg2="dk2" tx1="dk1" tx2="lt2" folHlink="folHlink" hlink="hlink"/>
+  <p:clrMap bg1="lt1" tx1="dk1" bg2="dk2" tx2="lt2" accent1="accent1" accent2="accent2" accent3="accent3" accent4="accent4" accent5="accent5" accent6="accent6" hlink="hlink" folHlink="folHlink"/>
   <p:notesStyle>
-    <a:defPPr lvl="0" marR="0" rtl="0" algn="l">
+    <a:defPPr marR="0" lvl="0" algn="l" rtl="0">
       <a:lnSpc>
         <a:spcPct val="100000"/>
       </a:lnSpc>
@@ -481,7 +508,7 @@
         <a:spcPts val="0"/>
       </a:spcAft>
     </a:defPPr>
-    <a:lvl1pPr lvl="0" marR="0" rtl="0" algn="l">
+    <a:lvl1pPr marR="0" lvl="0" algn="l" rtl="0">
       <a:lnSpc>
         <a:spcPct val="100000"/>
       </a:lnSpc>
@@ -495,7 +522,7 @@
         <a:srgbClr val="000000"/>
       </a:buClr>
       <a:buFont typeface="Arial"/>
-      <a:defRPr b="0" i="0" sz="1400" u="none" cap="none" strike="noStrike">
+      <a:defRPr sz="1400" b="0" i="0" u="none" strike="noStrike" cap="none">
         <a:solidFill>
           <a:srgbClr val="000000"/>
         </a:solidFill>
@@ -505,7 +532,7 @@
         <a:sym typeface="Arial"/>
       </a:defRPr>
     </a:lvl1pPr>
-    <a:lvl2pPr lvl="1" marR="0" rtl="0" algn="l">
+    <a:lvl2pPr marR="0" lvl="1" algn="l" rtl="0">
       <a:lnSpc>
         <a:spcPct val="100000"/>
       </a:lnSpc>
@@ -519,7 +546,7 @@
         <a:srgbClr val="000000"/>
       </a:buClr>
       <a:buFont typeface="Arial"/>
-      <a:defRPr b="0" i="0" sz="1400" u="none" cap="none" strike="noStrike">
+      <a:defRPr sz="1400" b="0" i="0" u="none" strike="noStrike" cap="none">
         <a:solidFill>
           <a:srgbClr val="000000"/>
         </a:solidFill>
@@ -529,7 +556,7 @@
         <a:sym typeface="Arial"/>
       </a:defRPr>
     </a:lvl2pPr>
-    <a:lvl3pPr lvl="2" marR="0" rtl="0" algn="l">
+    <a:lvl3pPr marR="0" lvl="2" algn="l" rtl="0">
       <a:lnSpc>
         <a:spcPct val="100000"/>
       </a:lnSpc>
@@ -543,7 +570,7 @@
         <a:srgbClr val="000000"/>
       </a:buClr>
       <a:buFont typeface="Arial"/>
-      <a:defRPr b="0" i="0" sz="1400" u="none" cap="none" strike="noStrike">
+      <a:defRPr sz="1400" b="0" i="0" u="none" strike="noStrike" cap="none">
         <a:solidFill>
           <a:srgbClr val="000000"/>
         </a:solidFill>
@@ -553,7 +580,7 @@
         <a:sym typeface="Arial"/>
       </a:defRPr>
     </a:lvl3pPr>
-    <a:lvl4pPr lvl="3" marR="0" rtl="0" algn="l">
+    <a:lvl4pPr marR="0" lvl="3" algn="l" rtl="0">
       <a:lnSpc>
         <a:spcPct val="100000"/>
       </a:lnSpc>
@@ -567,7 +594,7 @@
         <a:srgbClr val="000000"/>
       </a:buClr>
       <a:buFont typeface="Arial"/>
-      <a:defRPr b="0" i="0" sz="1400" u="none" cap="none" strike="noStrike">
+      <a:defRPr sz="1400" b="0" i="0" u="none" strike="noStrike" cap="none">
         <a:solidFill>
           <a:srgbClr val="000000"/>
         </a:solidFill>
@@ -577,7 +604,7 @@
         <a:sym typeface="Arial"/>
       </a:defRPr>
     </a:lvl4pPr>
-    <a:lvl5pPr lvl="4" marR="0" rtl="0" algn="l">
+    <a:lvl5pPr marR="0" lvl="4" algn="l" rtl="0">
       <a:lnSpc>
         <a:spcPct val="100000"/>
       </a:lnSpc>
@@ -591,7 +618,7 @@
         <a:srgbClr val="000000"/>
       </a:buClr>
       <a:buFont typeface="Arial"/>
-      <a:defRPr b="0" i="0" sz="1400" u="none" cap="none" strike="noStrike">
+      <a:defRPr sz="1400" b="0" i="0" u="none" strike="noStrike" cap="none">
         <a:solidFill>
           <a:srgbClr val="000000"/>
         </a:solidFill>
@@ -601,7 +628,7 @@
         <a:sym typeface="Arial"/>
       </a:defRPr>
     </a:lvl5pPr>
-    <a:lvl6pPr lvl="5" marR="0" rtl="0" algn="l">
+    <a:lvl6pPr marR="0" lvl="5" algn="l" rtl="0">
       <a:lnSpc>
         <a:spcPct val="100000"/>
       </a:lnSpc>
@@ -615,7 +642,7 @@
         <a:srgbClr val="000000"/>
       </a:buClr>
       <a:buFont typeface="Arial"/>
-      <a:defRPr b="0" i="0" sz="1400" u="none" cap="none" strike="noStrike">
+      <a:defRPr sz="1400" b="0" i="0" u="none" strike="noStrike" cap="none">
         <a:solidFill>
           <a:srgbClr val="000000"/>
         </a:solidFill>
@@ -625,7 +652,7 @@
         <a:sym typeface="Arial"/>
       </a:defRPr>
     </a:lvl6pPr>
-    <a:lvl7pPr lvl="6" marR="0" rtl="0" algn="l">
+    <a:lvl7pPr marR="0" lvl="6" algn="l" rtl="0">
       <a:lnSpc>
         <a:spcPct val="100000"/>
       </a:lnSpc>
@@ -639,7 +666,7 @@
         <a:srgbClr val="000000"/>
       </a:buClr>
       <a:buFont typeface="Arial"/>
-      <a:defRPr b="0" i="0" sz="1400" u="none" cap="none" strike="noStrike">
+      <a:defRPr sz="1400" b="0" i="0" u="none" strike="noStrike" cap="none">
         <a:solidFill>
           <a:srgbClr val="000000"/>
         </a:solidFill>
@@ -649,7 +676,7 @@
         <a:sym typeface="Arial"/>
       </a:defRPr>
     </a:lvl7pPr>
-    <a:lvl8pPr lvl="7" marR="0" rtl="0" algn="l">
+    <a:lvl8pPr marR="0" lvl="7" algn="l" rtl="0">
       <a:lnSpc>
         <a:spcPct val="100000"/>
       </a:lnSpc>
@@ -663,7 +690,7 @@
         <a:srgbClr val="000000"/>
       </a:buClr>
       <a:buFont typeface="Arial"/>
-      <a:defRPr b="0" i="0" sz="1400" u="none" cap="none" strike="noStrike">
+      <a:defRPr sz="1400" b="0" i="0" u="none" strike="noStrike" cap="none">
         <a:solidFill>
           <a:srgbClr val="000000"/>
         </a:solidFill>
@@ -673,7 +700,7 @@
         <a:sym typeface="Arial"/>
       </a:defRPr>
     </a:lvl8pPr>
-    <a:lvl9pPr lvl="8" marR="0" rtl="0" algn="l">
+    <a:lvl9pPr marR="0" lvl="8" algn="l" rtl="0">
       <a:lnSpc>
         <a:spcPct val="100000"/>
       </a:lnSpc>
@@ -687,7 +714,7 @@
         <a:srgbClr val="000000"/>
       </a:buClr>
       <a:buFont typeface="Arial"/>
-      <a:defRPr b="0" i="0" sz="1400" u="none" cap="none" strike="noStrike">
+      <a:defRPr sz="1400" b="0" i="0" u="none" strike="noStrike" cap="none">
         <a:solidFill>
           <a:srgbClr val="000000"/>
         </a:solidFill>
@@ -702,11 +729,11 @@
 </file>
 
 <file path=ppt/notesSlides/notesSlide1.xml><?xml version="1.0" encoding="utf-8"?>
-<p:notes xmlns:a="http://schemas.openxmlformats.org/drawingml/2006/main" xmlns:r="http://schemas.openxmlformats.org/officeDocument/2006/relationships" xmlns:mc="http://schemas.openxmlformats.org/markup-compatibility/2006" xmlns:mv="urn:schemas-microsoft-com:mac:vml" xmlns:p="http://schemas.openxmlformats.org/presentationml/2006/main" xmlns:c="http://schemas.openxmlformats.org/drawingml/2006/chart" xmlns:dgm="http://schemas.openxmlformats.org/drawingml/2006/diagram" xmlns:o="urn:schemas-microsoft-com:office:office" xmlns:v="urn:schemas-microsoft-com:vml" xmlns:pvml="urn:schemas-microsoft-com:office:powerpoint" xmlns:com="http://schemas.openxmlformats.org/drawingml/2006/compatibility" xmlns:p14="http://schemas.microsoft.com/office/powerpoint/2010/main" xmlns:p15="http://schemas.microsoft.com/office/powerpoint/2012/main" showMasterPhAnim="0" showMasterSp="0">
+<p:notes xmlns:a="http://schemas.openxmlformats.org/drawingml/2006/main" xmlns:r="http://schemas.openxmlformats.org/officeDocument/2006/relationships" xmlns:p="http://schemas.openxmlformats.org/presentationml/2006/main" showMasterSp="0" showMasterPhAnim="0">
   <p:cSld>
     <p:spTree>
       <p:nvGrpSpPr>
-        <p:cNvPr id="124" name="Shape 124"/>
+        <p:cNvPr id="1" name="Shape 124"/>
         <p:cNvGrpSpPr/>
         <p:nvPr/>
       </p:nvGrpSpPr>
@@ -721,9 +748,11 @@
       <p:sp>
         <p:nvSpPr>
           <p:cNvPr id="125" name="Google Shape;125;p:notes"/>
-          <p:cNvSpPr/>
+          <p:cNvSpPr>
+            <a:spLocks noGrp="1" noRot="1" noChangeAspect="1"/>
+          </p:cNvSpPr>
           <p:nvPr>
-            <p:ph idx="2" type="sldImg"/>
+            <p:ph type="sldImg" idx="2"/>
           </p:nvPr>
         </p:nvSpPr>
         <p:spPr>
@@ -732,9 +761,13 @@
             <a:ext cx="6096075" cy="3429000"/>
           </a:xfrm>
           <a:custGeom>
-            <a:rect b="b" l="l" r="r" t="t"/>
+            <a:avLst/>
+            <a:gdLst/>
+            <a:ahLst/>
+            <a:cxnLst/>
+            <a:rect l="l" t="t" r="r" b="b"/>
             <a:pathLst>
-              <a:path extrusionOk="0" h="120000" w="120000">
+              <a:path w="120000" h="120000" extrusionOk="0">
                 <a:moveTo>
                   <a:pt x="0" y="0"/>
                 </a:moveTo>
@@ -756,9 +789,11 @@
       <p:sp>
         <p:nvSpPr>
           <p:cNvPr id="126" name="Google Shape;126;p:notes"/>
-          <p:cNvSpPr txBox="1"/>
+          <p:cNvSpPr txBox="1">
+            <a:spLocks noGrp="1"/>
+          </p:cNvSpPr>
           <p:nvPr>
-            <p:ph idx="1" type="body"/>
+            <p:ph type="body" idx="1"/>
           </p:nvPr>
         </p:nvSpPr>
         <p:spPr>
@@ -771,12 +806,12 @@
           </a:prstGeom>
         </p:spPr>
         <p:txBody>
-          <a:bodyPr anchorCtr="0" anchor="t" bIns="91425" lIns="91425" spcFirstLastPara="1" rIns="91425" wrap="square" tIns="91425">
+          <a:bodyPr spcFirstLastPara="1" wrap="square" lIns="91425" tIns="91425" rIns="91425" bIns="91425" anchor="t" anchorCtr="0">
             <a:noAutofit/>
           </a:bodyPr>
           <a:lstStyle/>
           <a:p>
-            <a:pPr indent="0" lvl="0" marL="0">
+            <a:pPr marL="0" lvl="0" indent="0">
               <a:spcBef>
                 <a:spcPts val="0"/>
               </a:spcBef>
@@ -785,14 +820,16 @@
               </a:spcAft>
               <a:buNone/>
             </a:pPr>
-            <a:r>
-              <a:t/>
-            </a:r>
             <a:endParaRPr/>
           </a:p>
         </p:txBody>
       </p:sp>
     </p:spTree>
+    <p:extLst>
+      <p:ext uri="{BB962C8B-B14F-4D97-AF65-F5344CB8AC3E}">
+        <p14:creationId xmlns:p14="http://schemas.microsoft.com/office/powerpoint/2010/main" val="2319749578"/>
+      </p:ext>
+    </p:extLst>
   </p:cSld>
   <p:clrMapOvr>
     <a:masterClrMapping/>
@@ -801,11 +838,11 @@
 </file>
 
 <file path=ppt/notesSlides/notesSlide2.xml><?xml version="1.0" encoding="utf-8"?>
-<p:notes xmlns:a="http://schemas.openxmlformats.org/drawingml/2006/main" xmlns:r="http://schemas.openxmlformats.org/officeDocument/2006/relationships" xmlns:mc="http://schemas.openxmlformats.org/markup-compatibility/2006" xmlns:mv="urn:schemas-microsoft-com:mac:vml" xmlns:p="http://schemas.openxmlformats.org/presentationml/2006/main" xmlns:c="http://schemas.openxmlformats.org/drawingml/2006/chart" xmlns:dgm="http://schemas.openxmlformats.org/drawingml/2006/diagram" xmlns:o="urn:schemas-microsoft-com:office:office" xmlns:v="urn:schemas-microsoft-com:vml" xmlns:pvml="urn:schemas-microsoft-com:office:powerpoint" xmlns:com="http://schemas.openxmlformats.org/drawingml/2006/compatibility" xmlns:p14="http://schemas.microsoft.com/office/powerpoint/2010/main" xmlns:p15="http://schemas.microsoft.com/office/powerpoint/2012/main" showMasterPhAnim="0" showMasterSp="0">
+<p:notes xmlns:a="http://schemas.openxmlformats.org/drawingml/2006/main" xmlns:r="http://schemas.openxmlformats.org/officeDocument/2006/relationships" xmlns:p="http://schemas.openxmlformats.org/presentationml/2006/main" showMasterSp="0" showMasterPhAnim="0">
   <p:cSld>
     <p:spTree>
       <p:nvGrpSpPr>
-        <p:cNvPr id="130" name="Shape 130"/>
+        <p:cNvPr id="1" name="Shape 130"/>
         <p:cNvGrpSpPr/>
         <p:nvPr/>
       </p:nvGrpSpPr>
@@ -820,9 +857,11 @@
       <p:sp>
         <p:nvSpPr>
           <p:cNvPr id="131" name="Google Shape;131;g3ed88c69ad_0_119:notes"/>
-          <p:cNvSpPr/>
+          <p:cNvSpPr>
+            <a:spLocks noGrp="1" noRot="1" noChangeAspect="1"/>
+          </p:cNvSpPr>
           <p:nvPr>
-            <p:ph idx="2" type="sldImg"/>
+            <p:ph type="sldImg" idx="2"/>
           </p:nvPr>
         </p:nvSpPr>
         <p:spPr>
@@ -831,9 +870,13 @@
             <a:ext cx="6096000" cy="3429000"/>
           </a:xfrm>
           <a:custGeom>
-            <a:rect b="b" l="l" r="r" t="t"/>
+            <a:avLst/>
+            <a:gdLst/>
+            <a:ahLst/>
+            <a:cxnLst/>
+            <a:rect l="l" t="t" r="r" b="b"/>
             <a:pathLst>
-              <a:path extrusionOk="0" h="120000" w="120000">
+              <a:path w="120000" h="120000" extrusionOk="0">
                 <a:moveTo>
                   <a:pt x="0" y="0"/>
                 </a:moveTo>
@@ -855,9 +898,11 @@
       <p:sp>
         <p:nvSpPr>
           <p:cNvPr id="132" name="Google Shape;132;g3ed88c69ad_0_119:notes"/>
-          <p:cNvSpPr txBox="1"/>
+          <p:cNvSpPr txBox="1">
+            <a:spLocks noGrp="1"/>
+          </p:cNvSpPr>
           <p:nvPr>
-            <p:ph idx="1" type="body"/>
+            <p:ph type="body" idx="1"/>
           </p:nvPr>
         </p:nvSpPr>
         <p:spPr>
@@ -870,12 +915,12 @@
           </a:prstGeom>
         </p:spPr>
         <p:txBody>
-          <a:bodyPr anchorCtr="0" anchor="t" bIns="91425" lIns="91425" spcFirstLastPara="1" rIns="91425" wrap="square" tIns="91425">
+          <a:bodyPr spcFirstLastPara="1" wrap="square" lIns="91425" tIns="91425" rIns="91425" bIns="91425" anchor="t" anchorCtr="0">
             <a:noAutofit/>
           </a:bodyPr>
           <a:lstStyle/>
           <a:p>
-            <a:pPr indent="0" lvl="0" marL="0">
+            <a:pPr marL="0" lvl="0" indent="0">
               <a:spcBef>
                 <a:spcPts val="0"/>
               </a:spcBef>
@@ -884,14 +929,16 @@
               </a:spcAft>
               <a:buNone/>
             </a:pPr>
-            <a:r>
-              <a:t/>
-            </a:r>
             <a:endParaRPr/>
           </a:p>
         </p:txBody>
       </p:sp>
     </p:spTree>
+    <p:extLst>
+      <p:ext uri="{BB962C8B-B14F-4D97-AF65-F5344CB8AC3E}">
+        <p14:creationId xmlns:p14="http://schemas.microsoft.com/office/powerpoint/2010/main" val="1316481628"/>
+      </p:ext>
+    </p:extLst>
   </p:cSld>
   <p:clrMapOvr>
     <a:masterClrMapping/>
@@ -900,11 +947,11 @@
 </file>
 
 <file path=ppt/notesSlides/notesSlide3.xml><?xml version="1.0" encoding="utf-8"?>
-<p:notes xmlns:a="http://schemas.openxmlformats.org/drawingml/2006/main" xmlns:r="http://schemas.openxmlformats.org/officeDocument/2006/relationships" xmlns:mc="http://schemas.openxmlformats.org/markup-compatibility/2006" xmlns:mv="urn:schemas-microsoft-com:mac:vml" xmlns:p="http://schemas.openxmlformats.org/presentationml/2006/main" xmlns:c="http://schemas.openxmlformats.org/drawingml/2006/chart" xmlns:dgm="http://schemas.openxmlformats.org/drawingml/2006/diagram" xmlns:o="urn:schemas-microsoft-com:office:office" xmlns:v="urn:schemas-microsoft-com:vml" xmlns:pvml="urn:schemas-microsoft-com:office:powerpoint" xmlns:com="http://schemas.openxmlformats.org/drawingml/2006/compatibility" xmlns:p14="http://schemas.microsoft.com/office/powerpoint/2010/main" xmlns:p15="http://schemas.microsoft.com/office/powerpoint/2012/main" showMasterPhAnim="0" showMasterSp="0">
+<p:notes xmlns:a="http://schemas.openxmlformats.org/drawingml/2006/main" xmlns:r="http://schemas.openxmlformats.org/officeDocument/2006/relationships" xmlns:p="http://schemas.openxmlformats.org/presentationml/2006/main" showMasterSp="0" showMasterPhAnim="0">
   <p:cSld>
     <p:spTree>
       <p:nvGrpSpPr>
-        <p:cNvPr id="136" name="Shape 136"/>
+        <p:cNvPr id="1" name="Shape 136"/>
         <p:cNvGrpSpPr/>
         <p:nvPr/>
       </p:nvGrpSpPr>
@@ -919,9 +966,11 @@
       <p:sp>
         <p:nvSpPr>
           <p:cNvPr id="137" name="Google Shape;137;g3ed88c69ad_0_124:notes"/>
-          <p:cNvSpPr/>
+          <p:cNvSpPr>
+            <a:spLocks noGrp="1" noRot="1" noChangeAspect="1"/>
+          </p:cNvSpPr>
           <p:nvPr>
-            <p:ph idx="2" type="sldImg"/>
+            <p:ph type="sldImg" idx="2"/>
           </p:nvPr>
         </p:nvSpPr>
         <p:spPr>
@@ -930,9 +979,13 @@
             <a:ext cx="6096000" cy="3429000"/>
           </a:xfrm>
           <a:custGeom>
-            <a:rect b="b" l="l" r="r" t="t"/>
+            <a:avLst/>
+            <a:gdLst/>
+            <a:ahLst/>
+            <a:cxnLst/>
+            <a:rect l="l" t="t" r="r" b="b"/>
             <a:pathLst>
-              <a:path extrusionOk="0" h="120000" w="120000">
+              <a:path w="120000" h="120000" extrusionOk="0">
                 <a:moveTo>
                   <a:pt x="0" y="0"/>
                 </a:moveTo>
@@ -954,9 +1007,11 @@
       <p:sp>
         <p:nvSpPr>
           <p:cNvPr id="138" name="Google Shape;138;g3ed88c69ad_0_124:notes"/>
-          <p:cNvSpPr txBox="1"/>
+          <p:cNvSpPr txBox="1">
+            <a:spLocks noGrp="1"/>
+          </p:cNvSpPr>
           <p:nvPr>
-            <p:ph idx="1" type="body"/>
+            <p:ph type="body" idx="1"/>
           </p:nvPr>
         </p:nvSpPr>
         <p:spPr>
@@ -969,12 +1024,12 @@
           </a:prstGeom>
         </p:spPr>
         <p:txBody>
-          <a:bodyPr anchorCtr="0" anchor="t" bIns="91425" lIns="91425" spcFirstLastPara="1" rIns="91425" wrap="square" tIns="91425">
+          <a:bodyPr spcFirstLastPara="1" wrap="square" lIns="91425" tIns="91425" rIns="91425" bIns="91425" anchor="t" anchorCtr="0">
             <a:noAutofit/>
           </a:bodyPr>
           <a:lstStyle/>
           <a:p>
-            <a:pPr indent="0" lvl="0" marL="0">
+            <a:pPr marL="0" lvl="0" indent="0">
               <a:spcBef>
                 <a:spcPts val="0"/>
               </a:spcBef>
@@ -983,14 +1038,16 @@
               </a:spcAft>
               <a:buNone/>
             </a:pPr>
-            <a:r>
-              <a:t/>
-            </a:r>
             <a:endParaRPr/>
           </a:p>
         </p:txBody>
       </p:sp>
     </p:spTree>
+    <p:extLst>
+      <p:ext uri="{BB962C8B-B14F-4D97-AF65-F5344CB8AC3E}">
+        <p14:creationId xmlns:p14="http://schemas.microsoft.com/office/powerpoint/2010/main" val="2608753283"/>
+      </p:ext>
+    </p:extLst>
   </p:cSld>
   <p:clrMapOvr>
     <a:masterClrMapping/>
@@ -999,11 +1056,11 @@
 </file>
 
 <file path=ppt/notesSlides/notesSlide4.xml><?xml version="1.0" encoding="utf-8"?>
-<p:notes xmlns:a="http://schemas.openxmlformats.org/drawingml/2006/main" xmlns:r="http://schemas.openxmlformats.org/officeDocument/2006/relationships" xmlns:mc="http://schemas.openxmlformats.org/markup-compatibility/2006" xmlns:mv="urn:schemas-microsoft-com:mac:vml" xmlns:p="http://schemas.openxmlformats.org/presentationml/2006/main" xmlns:c="http://schemas.openxmlformats.org/drawingml/2006/chart" xmlns:dgm="http://schemas.openxmlformats.org/drawingml/2006/diagram" xmlns:o="urn:schemas-microsoft-com:office:office" xmlns:v="urn:schemas-microsoft-com:vml" xmlns:pvml="urn:schemas-microsoft-com:office:powerpoint" xmlns:com="http://schemas.openxmlformats.org/drawingml/2006/compatibility" xmlns:p14="http://schemas.microsoft.com/office/powerpoint/2010/main" xmlns:p15="http://schemas.microsoft.com/office/powerpoint/2012/main" showMasterPhAnim="0" showMasterSp="0">
+<p:notes xmlns:a="http://schemas.openxmlformats.org/drawingml/2006/main" xmlns:r="http://schemas.openxmlformats.org/officeDocument/2006/relationships" xmlns:p="http://schemas.openxmlformats.org/presentationml/2006/main" showMasterSp="0" showMasterPhAnim="0">
   <p:cSld>
     <p:spTree>
       <p:nvGrpSpPr>
-        <p:cNvPr id="141" name="Shape 141"/>
+        <p:cNvPr id="1" name="Shape 141"/>
         <p:cNvGrpSpPr/>
         <p:nvPr/>
       </p:nvGrpSpPr>
@@ -1018,9 +1075,11 @@
       <p:sp>
         <p:nvSpPr>
           <p:cNvPr id="142" name="Google Shape;142;g3edcd7a275_0_5:notes"/>
-          <p:cNvSpPr/>
+          <p:cNvSpPr>
+            <a:spLocks noGrp="1" noRot="1" noChangeAspect="1"/>
+          </p:cNvSpPr>
           <p:nvPr>
-            <p:ph idx="2" type="sldImg"/>
+            <p:ph type="sldImg" idx="2"/>
           </p:nvPr>
         </p:nvSpPr>
         <p:spPr>
@@ -1029,9 +1088,13 @@
             <a:ext cx="6096000" cy="3429000"/>
           </a:xfrm>
           <a:custGeom>
-            <a:rect b="b" l="l" r="r" t="t"/>
+            <a:avLst/>
+            <a:gdLst/>
+            <a:ahLst/>
+            <a:cxnLst/>
+            <a:rect l="l" t="t" r="r" b="b"/>
             <a:pathLst>
-              <a:path extrusionOk="0" h="120000" w="120000">
+              <a:path w="120000" h="120000" extrusionOk="0">
                 <a:moveTo>
                   <a:pt x="0" y="0"/>
                 </a:moveTo>
@@ -1053,9 +1116,11 @@
       <p:sp>
         <p:nvSpPr>
           <p:cNvPr id="143" name="Google Shape;143;g3edcd7a275_0_5:notes"/>
-          <p:cNvSpPr txBox="1"/>
+          <p:cNvSpPr txBox="1">
+            <a:spLocks noGrp="1"/>
+          </p:cNvSpPr>
           <p:nvPr>
-            <p:ph idx="1" type="body"/>
+            <p:ph type="body" idx="1"/>
           </p:nvPr>
         </p:nvSpPr>
         <p:spPr>
@@ -1068,12 +1133,12 @@
           </a:prstGeom>
         </p:spPr>
         <p:txBody>
-          <a:bodyPr anchorCtr="0" anchor="t" bIns="91425" lIns="91425" spcFirstLastPara="1" rIns="91425" wrap="square" tIns="91425">
+          <a:bodyPr spcFirstLastPara="1" wrap="square" lIns="91425" tIns="91425" rIns="91425" bIns="91425" anchor="t" anchorCtr="0">
             <a:noAutofit/>
           </a:bodyPr>
           <a:lstStyle/>
           <a:p>
-            <a:pPr indent="0" lvl="0" marL="0">
+            <a:pPr marL="0" lvl="0" indent="0">
               <a:spcBef>
                 <a:spcPts val="0"/>
               </a:spcBef>
@@ -1082,14 +1147,16 @@
               </a:spcAft>
               <a:buNone/>
             </a:pPr>
-            <a:r>
-              <a:t/>
-            </a:r>
             <a:endParaRPr/>
           </a:p>
         </p:txBody>
       </p:sp>
     </p:spTree>
+    <p:extLst>
+      <p:ext uri="{BB962C8B-B14F-4D97-AF65-F5344CB8AC3E}">
+        <p14:creationId xmlns:p14="http://schemas.microsoft.com/office/powerpoint/2010/main" val="4044483819"/>
+      </p:ext>
+    </p:extLst>
   </p:cSld>
   <p:clrMapOvr>
     <a:masterClrMapping/>
@@ -1098,11 +1165,11 @@
 </file>
 
 <file path=ppt/notesSlides/notesSlide5.xml><?xml version="1.0" encoding="utf-8"?>
-<p:notes xmlns:a="http://schemas.openxmlformats.org/drawingml/2006/main" xmlns:r="http://schemas.openxmlformats.org/officeDocument/2006/relationships" xmlns:mc="http://schemas.openxmlformats.org/markup-compatibility/2006" xmlns:mv="urn:schemas-microsoft-com:mac:vml" xmlns:p="http://schemas.openxmlformats.org/presentationml/2006/main" xmlns:c="http://schemas.openxmlformats.org/drawingml/2006/chart" xmlns:dgm="http://schemas.openxmlformats.org/drawingml/2006/diagram" xmlns:o="urn:schemas-microsoft-com:office:office" xmlns:v="urn:schemas-microsoft-com:vml" xmlns:pvml="urn:schemas-microsoft-com:office:powerpoint" xmlns:com="http://schemas.openxmlformats.org/drawingml/2006/compatibility" xmlns:p14="http://schemas.microsoft.com/office/powerpoint/2010/main" xmlns:p15="http://schemas.microsoft.com/office/powerpoint/2012/main" showMasterPhAnim="0" showMasterSp="0">
+<p:notes xmlns:a="http://schemas.openxmlformats.org/drawingml/2006/main" xmlns:r="http://schemas.openxmlformats.org/officeDocument/2006/relationships" xmlns:p="http://schemas.openxmlformats.org/presentationml/2006/main" showMasterSp="0" showMasterPhAnim="0">
   <p:cSld>
     <p:spTree>
       <p:nvGrpSpPr>
-        <p:cNvPr id="147" name="Shape 147"/>
+        <p:cNvPr id="1" name="Shape 147"/>
         <p:cNvGrpSpPr/>
         <p:nvPr/>
       </p:nvGrpSpPr>
@@ -1117,9 +1184,11 @@
       <p:sp>
         <p:nvSpPr>
           <p:cNvPr id="148" name="Google Shape;148;g3edcd7a275_0_0:notes"/>
-          <p:cNvSpPr/>
+          <p:cNvSpPr>
+            <a:spLocks noGrp="1" noRot="1" noChangeAspect="1"/>
+          </p:cNvSpPr>
           <p:nvPr>
-            <p:ph idx="2" type="sldImg"/>
+            <p:ph type="sldImg" idx="2"/>
           </p:nvPr>
         </p:nvSpPr>
         <p:spPr>
@@ -1128,9 +1197,13 @@
             <a:ext cx="6096000" cy="3429000"/>
           </a:xfrm>
           <a:custGeom>
-            <a:rect b="b" l="l" r="r" t="t"/>
+            <a:avLst/>
+            <a:gdLst/>
+            <a:ahLst/>
+            <a:cxnLst/>
+            <a:rect l="l" t="t" r="r" b="b"/>
             <a:pathLst>
-              <a:path extrusionOk="0" h="120000" w="120000">
+              <a:path w="120000" h="120000" extrusionOk="0">
                 <a:moveTo>
                   <a:pt x="0" y="0"/>
                 </a:moveTo>
@@ -1152,9 +1225,11 @@
       <p:sp>
         <p:nvSpPr>
           <p:cNvPr id="149" name="Google Shape;149;g3edcd7a275_0_0:notes"/>
-          <p:cNvSpPr txBox="1"/>
+          <p:cNvSpPr txBox="1">
+            <a:spLocks noGrp="1"/>
+          </p:cNvSpPr>
           <p:nvPr>
-            <p:ph idx="1" type="body"/>
+            <p:ph type="body" idx="1"/>
           </p:nvPr>
         </p:nvSpPr>
         <p:spPr>
@@ -1167,12 +1242,12 @@
           </a:prstGeom>
         </p:spPr>
         <p:txBody>
-          <a:bodyPr anchorCtr="0" anchor="t" bIns="91425" lIns="91425" spcFirstLastPara="1" rIns="91425" wrap="square" tIns="91425">
+          <a:bodyPr spcFirstLastPara="1" wrap="square" lIns="91425" tIns="91425" rIns="91425" bIns="91425" anchor="t" anchorCtr="0">
             <a:noAutofit/>
           </a:bodyPr>
           <a:lstStyle/>
           <a:p>
-            <a:pPr indent="0" lvl="0" marL="0">
+            <a:pPr marL="0" lvl="0" indent="0">
               <a:spcBef>
                 <a:spcPts val="0"/>
               </a:spcBef>
@@ -1181,14 +1256,16 @@
               </a:spcAft>
               <a:buNone/>
             </a:pPr>
-            <a:r>
-              <a:t/>
-            </a:r>
             <a:endParaRPr/>
           </a:p>
         </p:txBody>
       </p:sp>
     </p:spTree>
+    <p:extLst>
+      <p:ext uri="{BB962C8B-B14F-4D97-AF65-F5344CB8AC3E}">
+        <p14:creationId xmlns:p14="http://schemas.microsoft.com/office/powerpoint/2010/main" val="3777297124"/>
+      </p:ext>
+    </p:extLst>
   </p:cSld>
   <p:clrMapOvr>
     <a:masterClrMapping/>
@@ -1197,11 +1274,11 @@
 </file>
 
 <file path=ppt/notesSlides/notesSlide6.xml><?xml version="1.0" encoding="utf-8"?>
-<p:notes xmlns:a="http://schemas.openxmlformats.org/drawingml/2006/main" xmlns:r="http://schemas.openxmlformats.org/officeDocument/2006/relationships" xmlns:mc="http://schemas.openxmlformats.org/markup-compatibility/2006" xmlns:mv="urn:schemas-microsoft-com:mac:vml" xmlns:p="http://schemas.openxmlformats.org/presentationml/2006/main" xmlns:c="http://schemas.openxmlformats.org/drawingml/2006/chart" xmlns:dgm="http://schemas.openxmlformats.org/drawingml/2006/diagram" xmlns:o="urn:schemas-microsoft-com:office:office" xmlns:v="urn:schemas-microsoft-com:vml" xmlns:pvml="urn:schemas-microsoft-com:office:powerpoint" xmlns:com="http://schemas.openxmlformats.org/drawingml/2006/compatibility" xmlns:p14="http://schemas.microsoft.com/office/powerpoint/2010/main" xmlns:p15="http://schemas.microsoft.com/office/powerpoint/2012/main" showMasterPhAnim="0" showMasterSp="0">
+<p:notes xmlns:a="http://schemas.openxmlformats.org/drawingml/2006/main" xmlns:r="http://schemas.openxmlformats.org/officeDocument/2006/relationships" xmlns:p="http://schemas.openxmlformats.org/presentationml/2006/main" showMasterSp="0" showMasterPhAnim="0">
   <p:cSld>
     <p:spTree>
       <p:nvGrpSpPr>
-        <p:cNvPr id="153" name="Shape 153"/>
+        <p:cNvPr id="1" name="Shape 153"/>
         <p:cNvGrpSpPr/>
         <p:nvPr/>
       </p:nvGrpSpPr>
@@ -1216,9 +1293,11 @@
       <p:sp>
         <p:nvSpPr>
           <p:cNvPr id="154" name="Google Shape;154;g3edcd7a275_0_10:notes"/>
-          <p:cNvSpPr/>
+          <p:cNvSpPr>
+            <a:spLocks noGrp="1" noRot="1" noChangeAspect="1"/>
+          </p:cNvSpPr>
           <p:nvPr>
-            <p:ph idx="2" type="sldImg"/>
+            <p:ph type="sldImg" idx="2"/>
           </p:nvPr>
         </p:nvSpPr>
         <p:spPr>
@@ -1227,9 +1306,13 @@
             <a:ext cx="6096000" cy="3429000"/>
           </a:xfrm>
           <a:custGeom>
-            <a:rect b="b" l="l" r="r" t="t"/>
+            <a:avLst/>
+            <a:gdLst/>
+            <a:ahLst/>
+            <a:cxnLst/>
+            <a:rect l="l" t="t" r="r" b="b"/>
             <a:pathLst>
-              <a:path extrusionOk="0" h="120000" w="120000">
+              <a:path w="120000" h="120000" extrusionOk="0">
                 <a:moveTo>
                   <a:pt x="0" y="0"/>
                 </a:moveTo>
@@ -1251,9 +1334,11 @@
       <p:sp>
         <p:nvSpPr>
           <p:cNvPr id="155" name="Google Shape;155;g3edcd7a275_0_10:notes"/>
-          <p:cNvSpPr txBox="1"/>
+          <p:cNvSpPr txBox="1">
+            <a:spLocks noGrp="1"/>
+          </p:cNvSpPr>
           <p:nvPr>
-            <p:ph idx="1" type="body"/>
+            <p:ph type="body" idx="1"/>
           </p:nvPr>
         </p:nvSpPr>
         <p:spPr>
@@ -1266,12 +1351,12 @@
           </a:prstGeom>
         </p:spPr>
         <p:txBody>
-          <a:bodyPr anchorCtr="0" anchor="t" bIns="91425" lIns="91425" spcFirstLastPara="1" rIns="91425" wrap="square" tIns="91425">
+          <a:bodyPr spcFirstLastPara="1" wrap="square" lIns="91425" tIns="91425" rIns="91425" bIns="91425" anchor="t" anchorCtr="0">
             <a:noAutofit/>
           </a:bodyPr>
           <a:lstStyle/>
           <a:p>
-            <a:pPr indent="0" lvl="0" marL="0">
+            <a:pPr marL="0" lvl="0" indent="0">
               <a:spcBef>
                 <a:spcPts val="0"/>
               </a:spcBef>
@@ -1280,14 +1365,16 @@
               </a:spcAft>
               <a:buNone/>
             </a:pPr>
-            <a:r>
-              <a:t/>
-            </a:r>
             <a:endParaRPr/>
           </a:p>
         </p:txBody>
       </p:sp>
     </p:spTree>
+    <p:extLst>
+      <p:ext uri="{BB962C8B-B14F-4D97-AF65-F5344CB8AC3E}">
+        <p14:creationId xmlns:p14="http://schemas.microsoft.com/office/powerpoint/2010/main" val="830339530"/>
+      </p:ext>
+    </p:extLst>
   </p:cSld>
   <p:clrMapOvr>
     <a:masterClrMapping/>
@@ -1296,11 +1383,11 @@
 </file>
 
 <file path=ppt/notesSlides/notesSlide7.xml><?xml version="1.0" encoding="utf-8"?>
-<p:notes xmlns:a="http://schemas.openxmlformats.org/drawingml/2006/main" xmlns:r="http://schemas.openxmlformats.org/officeDocument/2006/relationships" xmlns:mc="http://schemas.openxmlformats.org/markup-compatibility/2006" xmlns:mv="urn:schemas-microsoft-com:mac:vml" xmlns:p="http://schemas.openxmlformats.org/presentationml/2006/main" xmlns:c="http://schemas.openxmlformats.org/drawingml/2006/chart" xmlns:dgm="http://schemas.openxmlformats.org/drawingml/2006/diagram" xmlns:o="urn:schemas-microsoft-com:office:office" xmlns:v="urn:schemas-microsoft-com:vml" xmlns:pvml="urn:schemas-microsoft-com:office:powerpoint" xmlns:com="http://schemas.openxmlformats.org/drawingml/2006/compatibility" xmlns:p14="http://schemas.microsoft.com/office/powerpoint/2010/main" xmlns:p15="http://schemas.microsoft.com/office/powerpoint/2012/main" showMasterPhAnim="0" showMasterSp="0">
+<p:notes xmlns:a="http://schemas.openxmlformats.org/drawingml/2006/main" xmlns:r="http://schemas.openxmlformats.org/officeDocument/2006/relationships" xmlns:p="http://schemas.openxmlformats.org/presentationml/2006/main" showMasterSp="0" showMasterPhAnim="0">
   <p:cSld>
     <p:spTree>
       <p:nvGrpSpPr>
-        <p:cNvPr id="160" name="Shape 160"/>
+        <p:cNvPr id="1" name="Shape 160"/>
         <p:cNvGrpSpPr/>
         <p:nvPr/>
       </p:nvGrpSpPr>
@@ -1315,9 +1402,11 @@
       <p:sp>
         <p:nvSpPr>
           <p:cNvPr id="161" name="Google Shape;161;g3edcd7a275_0_15:notes"/>
-          <p:cNvSpPr/>
+          <p:cNvSpPr>
+            <a:spLocks noGrp="1" noRot="1" noChangeAspect="1"/>
+          </p:cNvSpPr>
           <p:nvPr>
-            <p:ph idx="2" type="sldImg"/>
+            <p:ph type="sldImg" idx="2"/>
           </p:nvPr>
         </p:nvSpPr>
         <p:spPr>
@@ -1326,9 +1415,13 @@
             <a:ext cx="6096000" cy="3429000"/>
           </a:xfrm>
           <a:custGeom>
-            <a:rect b="b" l="l" r="r" t="t"/>
+            <a:avLst/>
+            <a:gdLst/>
+            <a:ahLst/>
+            <a:cxnLst/>
+            <a:rect l="l" t="t" r="r" b="b"/>
             <a:pathLst>
-              <a:path extrusionOk="0" h="120000" w="120000">
+              <a:path w="120000" h="120000" extrusionOk="0">
                 <a:moveTo>
                   <a:pt x="0" y="0"/>
                 </a:moveTo>
@@ -1350,9 +1443,11 @@
       <p:sp>
         <p:nvSpPr>
           <p:cNvPr id="162" name="Google Shape;162;g3edcd7a275_0_15:notes"/>
-          <p:cNvSpPr txBox="1"/>
+          <p:cNvSpPr txBox="1">
+            <a:spLocks noGrp="1"/>
+          </p:cNvSpPr>
           <p:nvPr>
-            <p:ph idx="1" type="body"/>
+            <p:ph type="body" idx="1"/>
           </p:nvPr>
         </p:nvSpPr>
         <p:spPr>
@@ -1365,12 +1460,12 @@
           </a:prstGeom>
         </p:spPr>
         <p:txBody>
-          <a:bodyPr anchorCtr="0" anchor="t" bIns="91425" lIns="91425" spcFirstLastPara="1" rIns="91425" wrap="square" tIns="91425">
+          <a:bodyPr spcFirstLastPara="1" wrap="square" lIns="91425" tIns="91425" rIns="91425" bIns="91425" anchor="t" anchorCtr="0">
             <a:noAutofit/>
           </a:bodyPr>
           <a:lstStyle/>
           <a:p>
-            <a:pPr indent="0" lvl="0" marL="0">
+            <a:pPr marL="0" lvl="0" indent="0">
               <a:spcBef>
                 <a:spcPts val="0"/>
               </a:spcBef>
@@ -1379,14 +1474,16 @@
               </a:spcAft>
               <a:buNone/>
             </a:pPr>
-            <a:r>
-              <a:t/>
-            </a:r>
             <a:endParaRPr/>
           </a:p>
         </p:txBody>
       </p:sp>
     </p:spTree>
+    <p:extLst>
+      <p:ext uri="{BB962C8B-B14F-4D97-AF65-F5344CB8AC3E}">
+        <p14:creationId xmlns:p14="http://schemas.microsoft.com/office/powerpoint/2010/main" val="616997251"/>
+      </p:ext>
+    </p:extLst>
   </p:cSld>
   <p:clrMapOvr>
     <a:masterClrMapping/>
@@ -1395,11 +1492,11 @@
 </file>
 
 <file path=ppt/notesSlides/notesSlide8.xml><?xml version="1.0" encoding="utf-8"?>
-<p:notes xmlns:a="http://schemas.openxmlformats.org/drawingml/2006/main" xmlns:r="http://schemas.openxmlformats.org/officeDocument/2006/relationships" xmlns:mc="http://schemas.openxmlformats.org/markup-compatibility/2006" xmlns:mv="urn:schemas-microsoft-com:mac:vml" xmlns:p="http://schemas.openxmlformats.org/presentationml/2006/main" xmlns:c="http://schemas.openxmlformats.org/drawingml/2006/chart" xmlns:dgm="http://schemas.openxmlformats.org/drawingml/2006/diagram" xmlns:o="urn:schemas-microsoft-com:office:office" xmlns:v="urn:schemas-microsoft-com:vml" xmlns:pvml="urn:schemas-microsoft-com:office:powerpoint" xmlns:com="http://schemas.openxmlformats.org/drawingml/2006/compatibility" xmlns:p14="http://schemas.microsoft.com/office/powerpoint/2010/main" xmlns:p15="http://schemas.microsoft.com/office/powerpoint/2012/main" showMasterPhAnim="0" showMasterSp="0">
+<p:notes xmlns:a="http://schemas.openxmlformats.org/drawingml/2006/main" xmlns:r="http://schemas.openxmlformats.org/officeDocument/2006/relationships" xmlns:p="http://schemas.openxmlformats.org/presentationml/2006/main" showMasterSp="0" showMasterPhAnim="0">
   <p:cSld>
     <p:spTree>
       <p:nvGrpSpPr>
-        <p:cNvPr id="167" name="Shape 167"/>
+        <p:cNvPr id="1" name="Shape 167"/>
         <p:cNvGrpSpPr/>
         <p:nvPr/>
       </p:nvGrpSpPr>
@@ -1414,9 +1511,11 @@
       <p:sp>
         <p:nvSpPr>
           <p:cNvPr id="168" name="Google Shape;168;g3edcd7a275_0_22:notes"/>
-          <p:cNvSpPr/>
+          <p:cNvSpPr>
+            <a:spLocks noGrp="1" noRot="1" noChangeAspect="1"/>
+          </p:cNvSpPr>
           <p:nvPr>
-            <p:ph idx="2" type="sldImg"/>
+            <p:ph type="sldImg" idx="2"/>
           </p:nvPr>
         </p:nvSpPr>
         <p:spPr>
@@ -1425,9 +1524,13 @@
             <a:ext cx="6096000" cy="3429000"/>
           </a:xfrm>
           <a:custGeom>
-            <a:rect b="b" l="l" r="r" t="t"/>
+            <a:avLst/>
+            <a:gdLst/>
+            <a:ahLst/>
+            <a:cxnLst/>
+            <a:rect l="l" t="t" r="r" b="b"/>
             <a:pathLst>
-              <a:path extrusionOk="0" h="120000" w="120000">
+              <a:path w="120000" h="120000" extrusionOk="0">
                 <a:moveTo>
                   <a:pt x="0" y="0"/>
                 </a:moveTo>
@@ -1449,9 +1552,11 @@
       <p:sp>
         <p:nvSpPr>
           <p:cNvPr id="169" name="Google Shape;169;g3edcd7a275_0_22:notes"/>
-          <p:cNvSpPr txBox="1"/>
+          <p:cNvSpPr txBox="1">
+            <a:spLocks noGrp="1"/>
+          </p:cNvSpPr>
           <p:nvPr>
-            <p:ph idx="1" type="body"/>
+            <p:ph type="body" idx="1"/>
           </p:nvPr>
         </p:nvSpPr>
         <p:spPr>
@@ -1464,12 +1569,12 @@
           </a:prstGeom>
         </p:spPr>
         <p:txBody>
-          <a:bodyPr anchorCtr="0" anchor="t" bIns="91425" lIns="91425" spcFirstLastPara="1" rIns="91425" wrap="square" tIns="91425">
+          <a:bodyPr spcFirstLastPara="1" wrap="square" lIns="91425" tIns="91425" rIns="91425" bIns="91425" anchor="t" anchorCtr="0">
             <a:noAutofit/>
           </a:bodyPr>
           <a:lstStyle/>
           <a:p>
-            <a:pPr indent="0" lvl="0" marL="0">
+            <a:pPr marL="0" lvl="0" indent="0">
               <a:spcBef>
                 <a:spcPts val="0"/>
               </a:spcBef>
@@ -1478,14 +1583,16 @@
               </a:spcAft>
               <a:buNone/>
             </a:pPr>
-            <a:r>
-              <a:t/>
-            </a:r>
             <a:endParaRPr/>
           </a:p>
         </p:txBody>
       </p:sp>
     </p:spTree>
+    <p:extLst>
+      <p:ext uri="{BB962C8B-B14F-4D97-AF65-F5344CB8AC3E}">
+        <p14:creationId xmlns:p14="http://schemas.microsoft.com/office/powerpoint/2010/main" val="3728048759"/>
+      </p:ext>
+    </p:extLst>
   </p:cSld>
   <p:clrMapOvr>
     <a:masterClrMapping/>
@@ -1494,11 +1601,11 @@
 </file>
 
 <file path=ppt/notesSlides/notesSlide9.xml><?xml version="1.0" encoding="utf-8"?>
-<p:notes xmlns:a="http://schemas.openxmlformats.org/drawingml/2006/main" xmlns:r="http://schemas.openxmlformats.org/officeDocument/2006/relationships" xmlns:mc="http://schemas.openxmlformats.org/markup-compatibility/2006" xmlns:mv="urn:schemas-microsoft-com:mac:vml" xmlns:p="http://schemas.openxmlformats.org/presentationml/2006/main" xmlns:c="http://schemas.openxmlformats.org/drawingml/2006/chart" xmlns:dgm="http://schemas.openxmlformats.org/drawingml/2006/diagram" xmlns:o="urn:schemas-microsoft-com:office:office" xmlns:v="urn:schemas-microsoft-com:vml" xmlns:pvml="urn:schemas-microsoft-com:office:powerpoint" xmlns:com="http://schemas.openxmlformats.org/drawingml/2006/compatibility" xmlns:p14="http://schemas.microsoft.com/office/powerpoint/2010/main" xmlns:p15="http://schemas.microsoft.com/office/powerpoint/2012/main" showMasterPhAnim="0" showMasterSp="0">
+<p:notes xmlns:a="http://schemas.openxmlformats.org/drawingml/2006/main" xmlns:r="http://schemas.openxmlformats.org/officeDocument/2006/relationships" xmlns:p="http://schemas.openxmlformats.org/presentationml/2006/main" showMasterSp="0" showMasterPhAnim="0">
   <p:cSld>
     <p:spTree>
       <p:nvGrpSpPr>
-        <p:cNvPr id="173" name="Shape 173"/>
+        <p:cNvPr id="1" name="Shape 173"/>
         <p:cNvGrpSpPr/>
         <p:nvPr/>
       </p:nvGrpSpPr>
@@ -1513,20 +1620,26 @@
       <p:sp>
         <p:nvSpPr>
           <p:cNvPr id="174" name="Google Shape;174;g3edd554683_0_2:notes"/>
-          <p:cNvSpPr/>
+          <p:cNvSpPr>
+            <a:spLocks noGrp="1" noRot="1" noChangeAspect="1"/>
+          </p:cNvSpPr>
           <p:nvPr>
-            <p:ph idx="2" type="sldImg"/>
+            <p:ph type="sldImg" idx="2"/>
           </p:nvPr>
         </p:nvSpPr>
         <p:spPr>
           <a:xfrm>
-            <a:off x="381300" y="685800"/>
+            <a:off x="381000" y="685800"/>
             <a:ext cx="6096000" cy="3429000"/>
           </a:xfrm>
           <a:custGeom>
-            <a:rect b="b" l="l" r="r" t="t"/>
+            <a:avLst/>
+            <a:gdLst/>
+            <a:ahLst/>
+            <a:cxnLst/>
+            <a:rect l="l" t="t" r="r" b="b"/>
             <a:pathLst>
-              <a:path extrusionOk="0" h="120000" w="120000">
+              <a:path w="120000" h="120000" extrusionOk="0">
                 <a:moveTo>
                   <a:pt x="0" y="0"/>
                 </a:moveTo>
@@ -1548,9 +1661,11 @@
       <p:sp>
         <p:nvSpPr>
           <p:cNvPr id="175" name="Google Shape;175;g3edd554683_0_2:notes"/>
-          <p:cNvSpPr txBox="1"/>
+          <p:cNvSpPr txBox="1">
+            <a:spLocks noGrp="1"/>
+          </p:cNvSpPr>
           <p:nvPr>
-            <p:ph idx="1" type="body"/>
+            <p:ph type="body" idx="1"/>
           </p:nvPr>
         </p:nvSpPr>
         <p:spPr>
@@ -1563,12 +1678,12 @@
           </a:prstGeom>
         </p:spPr>
         <p:txBody>
-          <a:bodyPr anchorCtr="0" anchor="t" bIns="91425" lIns="91425" spcFirstLastPara="1" rIns="91425" wrap="square" tIns="91425">
+          <a:bodyPr spcFirstLastPara="1" wrap="square" lIns="91425" tIns="91425" rIns="91425" bIns="91425" anchor="t" anchorCtr="0">
             <a:noAutofit/>
           </a:bodyPr>
           <a:lstStyle/>
           <a:p>
-            <a:pPr indent="0" lvl="0" marL="0">
+            <a:pPr marL="0" lvl="0" indent="0">
               <a:spcBef>
                 <a:spcPts val="0"/>
               </a:spcBef>
@@ -1577,14 +1692,16 @@
               </a:spcAft>
               <a:buNone/>
             </a:pPr>
-            <a:r>
-              <a:t/>
-            </a:r>
             <a:endParaRPr/>
           </a:p>
         </p:txBody>
       </p:sp>
     </p:spTree>
+    <p:extLst>
+      <p:ext uri="{BB962C8B-B14F-4D97-AF65-F5344CB8AC3E}">
+        <p14:creationId xmlns:p14="http://schemas.microsoft.com/office/powerpoint/2010/main" val="59297208"/>
+      </p:ext>
+    </p:extLst>
   </p:cSld>
   <p:clrMapOvr>
     <a:masterClrMapping/>
@@ -1593,18 +1710,19 @@
 </file>
 
 <file path=ppt/slideLayouts/slideLayout1.xml><?xml version="1.0" encoding="utf-8"?>
-<p:sldLayout xmlns:a="http://schemas.openxmlformats.org/drawingml/2006/main" xmlns:r="http://schemas.openxmlformats.org/officeDocument/2006/relationships" xmlns:mc="http://schemas.openxmlformats.org/markup-compatibility/2006" xmlns:mv="urn:schemas-microsoft-com:mac:vml" xmlns:p="http://schemas.openxmlformats.org/presentationml/2006/main" xmlns:c="http://schemas.openxmlformats.org/drawingml/2006/chart" xmlns:dgm="http://schemas.openxmlformats.org/drawingml/2006/diagram" xmlns:o="urn:schemas-microsoft-com:office:office" xmlns:v="urn:schemas-microsoft-com:vml" xmlns:pvml="urn:schemas-microsoft-com:office:powerpoint" xmlns:com="http://schemas.openxmlformats.org/drawingml/2006/compatibility" xmlns:p14="http://schemas.microsoft.com/office/powerpoint/2010/main" xmlns:p15="http://schemas.microsoft.com/office/powerpoint/2012/main" matchingName="Title slide" type="title">
+<p:sldLayout xmlns:a="http://schemas.openxmlformats.org/drawingml/2006/main" xmlns:r="http://schemas.openxmlformats.org/officeDocument/2006/relationships" xmlns:p="http://schemas.openxmlformats.org/presentationml/2006/main" matchingName="Title slide" type="title">
   <p:cSld name="TITLE">
     <p:bg>
       <p:bgPr>
         <a:solidFill>
           <a:schemeClr val="accent6"/>
         </a:solidFill>
+        <a:effectLst/>
       </p:bgPr>
     </p:bg>
     <p:spTree>
       <p:nvGrpSpPr>
-        <p:cNvPr id="9" name="Shape 9"/>
+        <p:cNvPr id="1" name="Shape 9"/>
         <p:cNvGrpSpPr/>
         <p:nvPr/>
       </p:nvGrpSpPr>
@@ -1638,12 +1756,12 @@
           </a:ln>
         </p:spPr>
         <p:txBody>
-          <a:bodyPr anchorCtr="0" anchor="ctr" bIns="91425" lIns="91425" spcFirstLastPara="1" rIns="91425" wrap="square" tIns="91425">
+          <a:bodyPr spcFirstLastPara="1" wrap="square" lIns="91425" tIns="91425" rIns="91425" bIns="91425" anchor="ctr" anchorCtr="0">
             <a:noAutofit/>
           </a:bodyPr>
           <a:lstStyle/>
           <a:p>
-            <a:pPr indent="0" lvl="0" marL="0">
+            <a:pPr marL="0" lvl="0" indent="0">
               <a:spcBef>
                 <a:spcPts val="0"/>
               </a:spcBef>
@@ -1652,9 +1770,6 @@
               </a:spcAft>
               <a:buNone/>
             </a:pPr>
-            <a:r>
-              <a:t/>
-            </a:r>
             <a:endParaRPr/>
           </a:p>
         </p:txBody>
@@ -1681,12 +1796,12 @@
           </a:ln>
         </p:spPr>
         <p:txBody>
-          <a:bodyPr anchorCtr="0" anchor="ctr" bIns="91425" lIns="91425" spcFirstLastPara="1" rIns="91425" wrap="square" tIns="91425">
+          <a:bodyPr spcFirstLastPara="1" wrap="square" lIns="91425" tIns="91425" rIns="91425" bIns="91425" anchor="ctr" anchorCtr="0">
             <a:noAutofit/>
           </a:bodyPr>
           <a:lstStyle/>
           <a:p>
-            <a:pPr indent="0" lvl="0" marL="0">
+            <a:pPr marL="0" lvl="0" indent="0">
               <a:spcBef>
                 <a:spcPts val="0"/>
               </a:spcBef>
@@ -1695,9 +1810,6 @@
               </a:spcAft>
               <a:buNone/>
             </a:pPr>
-            <a:r>
-              <a:t/>
-            </a:r>
             <a:endParaRPr/>
           </a:p>
         </p:txBody>
@@ -1724,12 +1836,12 @@
           </a:ln>
         </p:spPr>
         <p:txBody>
-          <a:bodyPr anchorCtr="0" anchor="ctr" bIns="91425" lIns="91425" spcFirstLastPara="1" rIns="91425" wrap="square" tIns="91425">
+          <a:bodyPr spcFirstLastPara="1" wrap="square" lIns="91425" tIns="91425" rIns="91425" bIns="91425" anchor="ctr" anchorCtr="0">
             <a:noAutofit/>
           </a:bodyPr>
           <a:lstStyle/>
           <a:p>
-            <a:pPr indent="0" lvl="0" marL="0">
+            <a:pPr marL="0" lvl="0" indent="0">
               <a:spcBef>
                 <a:spcPts val="0"/>
               </a:spcBef>
@@ -1738,9 +1850,6 @@
               </a:spcAft>
               <a:buNone/>
             </a:pPr>
-            <a:r>
-              <a:t/>
-            </a:r>
             <a:endParaRPr/>
           </a:p>
         </p:txBody>
@@ -1766,7 +1875,7 @@
             <a:noFill/>
           </a:ln>
           <a:effectLst>
-            <a:outerShdw blurRad="228600" sx="101000" rotWithShape="0" algn="ctr" sy="101000">
+            <a:outerShdw blurRad="228600" sx="101000" sy="101000" algn="ctr" rotWithShape="0">
               <a:srgbClr val="000000">
                 <a:alpha val="40000"/>
               </a:srgbClr>
@@ -1774,12 +1883,12 @@
           </a:effectLst>
         </p:spPr>
         <p:txBody>
-          <a:bodyPr anchorCtr="0" anchor="ctr" bIns="91425" lIns="91425" spcFirstLastPara="1" rIns="91425" wrap="square" tIns="91425">
+          <a:bodyPr spcFirstLastPara="1" wrap="square" lIns="91425" tIns="91425" rIns="91425" bIns="91425" anchor="ctr" anchorCtr="0">
             <a:noAutofit/>
           </a:bodyPr>
           <a:lstStyle/>
           <a:p>
-            <a:pPr indent="0" lvl="0" marL="0">
+            <a:pPr marL="0" lvl="0" indent="0">
               <a:spcBef>
                 <a:spcPts val="0"/>
               </a:spcBef>
@@ -1788,9 +1897,6 @@
               </a:spcAft>
               <a:buNone/>
             </a:pPr>
-            <a:r>
-              <a:t/>
-            </a:r>
             <a:endParaRPr/>
           </a:p>
         </p:txBody>
@@ -1822,7 +1928,7 @@
             </a:xfrm>
             <a:prstGeom prst="parallelogram">
               <a:avLst>
-                <a:gd fmla="val 153193" name="adj"/>
+                <a:gd name="adj" fmla="val 153193"/>
               </a:avLst>
             </a:prstGeom>
             <a:solidFill>
@@ -1833,12 +1939,12 @@
             </a:ln>
           </p:spPr>
           <p:txBody>
-            <a:bodyPr anchorCtr="0" anchor="ctr" bIns="91425" lIns="91425" spcFirstLastPara="1" rIns="91425" wrap="square" tIns="91425">
+            <a:bodyPr spcFirstLastPara="1" wrap="square" lIns="91425" tIns="91425" rIns="91425" bIns="91425" anchor="ctr" anchorCtr="0">
               <a:noAutofit/>
             </a:bodyPr>
             <a:lstStyle/>
             <a:p>
-              <a:pPr indent="0" lvl="0" marL="0">
+              <a:pPr marL="0" lvl="0" indent="0">
                 <a:spcBef>
                   <a:spcPts val="0"/>
                 </a:spcBef>
@@ -1847,9 +1953,6 @@
                 </a:spcAft>
                 <a:buNone/>
               </a:pPr>
-              <a:r>
-                <a:t/>
-              </a:r>
               <a:endParaRPr/>
             </a:p>
           </p:txBody>
@@ -1867,7 +1970,7 @@
             </a:xfrm>
             <a:prstGeom prst="parallelogram">
               <a:avLst>
-                <a:gd fmla="val 153193" name="adj"/>
+                <a:gd name="adj" fmla="val 153193"/>
               </a:avLst>
             </a:prstGeom>
             <a:solidFill>
@@ -1878,12 +1981,12 @@
             </a:ln>
           </p:spPr>
           <p:txBody>
-            <a:bodyPr anchorCtr="0" anchor="ctr" bIns="91425" lIns="91425" spcFirstLastPara="1" rIns="91425" wrap="square" tIns="91425">
+            <a:bodyPr spcFirstLastPara="1" wrap="square" lIns="91425" tIns="91425" rIns="91425" bIns="91425" anchor="ctr" anchorCtr="0">
               <a:noAutofit/>
             </a:bodyPr>
             <a:lstStyle/>
             <a:p>
-              <a:pPr indent="0" lvl="0" marL="0">
+              <a:pPr marL="0" lvl="0" indent="0">
                 <a:spcBef>
                   <a:spcPts val="0"/>
                 </a:spcBef>
@@ -1892,9 +1995,6 @@
                 </a:spcAft>
                 <a:buNone/>
               </a:pPr>
-              <a:r>
-                <a:t/>
-              </a:r>
               <a:endParaRPr/>
             </a:p>
           </p:txBody>
@@ -1912,7 +2012,7 @@
             </a:xfrm>
             <a:prstGeom prst="parallelogram">
               <a:avLst>
-                <a:gd fmla="val 153193" name="adj"/>
+                <a:gd name="adj" fmla="val 153193"/>
               </a:avLst>
             </a:prstGeom>
             <a:solidFill>
@@ -1923,12 +2023,12 @@
             </a:ln>
           </p:spPr>
           <p:txBody>
-            <a:bodyPr anchorCtr="0" anchor="ctr" bIns="91425" lIns="91425" spcFirstLastPara="1" rIns="91425" wrap="square" tIns="91425">
+            <a:bodyPr spcFirstLastPara="1" wrap="square" lIns="91425" tIns="91425" rIns="91425" bIns="91425" anchor="ctr" anchorCtr="0">
               <a:noAutofit/>
             </a:bodyPr>
             <a:lstStyle/>
             <a:p>
-              <a:pPr indent="0" lvl="0" marL="0">
+              <a:pPr marL="0" lvl="0" indent="0">
                 <a:spcBef>
                   <a:spcPts val="0"/>
                 </a:spcBef>
@@ -1937,9 +2037,6 @@
                 </a:spcAft>
                 <a:buNone/>
               </a:pPr>
-              <a:r>
-                <a:t/>
-              </a:r>
               <a:endParaRPr/>
             </a:p>
           </p:txBody>
@@ -1972,7 +2069,7 @@
             </a:xfrm>
             <a:prstGeom prst="parallelogram">
               <a:avLst>
-                <a:gd fmla="val 153193" name="adj"/>
+                <a:gd name="adj" fmla="val 153193"/>
               </a:avLst>
             </a:prstGeom>
             <a:solidFill>
@@ -1983,12 +2080,12 @@
             </a:ln>
           </p:spPr>
           <p:txBody>
-            <a:bodyPr anchorCtr="0" anchor="ctr" bIns="91425" lIns="91425" spcFirstLastPara="1" rIns="91425" wrap="square" tIns="91425">
+            <a:bodyPr spcFirstLastPara="1" wrap="square" lIns="91425" tIns="91425" rIns="91425" bIns="91425" anchor="ctr" anchorCtr="0">
               <a:noAutofit/>
             </a:bodyPr>
             <a:lstStyle/>
             <a:p>
-              <a:pPr indent="0" lvl="0" marL="0">
+              <a:pPr marL="0" lvl="0" indent="0">
                 <a:spcBef>
                   <a:spcPts val="0"/>
                 </a:spcBef>
@@ -1997,9 +2094,6 @@
                 </a:spcAft>
                 <a:buNone/>
               </a:pPr>
-              <a:r>
-                <a:t/>
-              </a:r>
               <a:endParaRPr/>
             </a:p>
           </p:txBody>
@@ -2017,7 +2111,7 @@
             </a:xfrm>
             <a:prstGeom prst="parallelogram">
               <a:avLst>
-                <a:gd fmla="val 153193" name="adj"/>
+                <a:gd name="adj" fmla="val 153193"/>
               </a:avLst>
             </a:prstGeom>
             <a:solidFill>
@@ -2028,12 +2122,12 @@
             </a:ln>
           </p:spPr>
           <p:txBody>
-            <a:bodyPr anchorCtr="0" anchor="ctr" bIns="91425" lIns="91425" spcFirstLastPara="1" rIns="91425" wrap="square" tIns="91425">
+            <a:bodyPr spcFirstLastPara="1" wrap="square" lIns="91425" tIns="91425" rIns="91425" bIns="91425" anchor="ctr" anchorCtr="0">
               <a:noAutofit/>
             </a:bodyPr>
             <a:lstStyle/>
             <a:p>
-              <a:pPr indent="0" lvl="0" marL="0">
+              <a:pPr marL="0" lvl="0" indent="0">
                 <a:spcBef>
                   <a:spcPts val="0"/>
                 </a:spcBef>
@@ -2042,9 +2136,6 @@
                 </a:spcAft>
                 <a:buNone/>
               </a:pPr>
-              <a:r>
-                <a:t/>
-              </a:r>
               <a:endParaRPr/>
             </a:p>
           </p:txBody>
@@ -2062,7 +2153,7 @@
             </a:xfrm>
             <a:prstGeom prst="parallelogram">
               <a:avLst>
-                <a:gd fmla="val 153193" name="adj"/>
+                <a:gd name="adj" fmla="val 153193"/>
               </a:avLst>
             </a:prstGeom>
             <a:solidFill>
@@ -2073,12 +2164,12 @@
             </a:ln>
           </p:spPr>
           <p:txBody>
-            <a:bodyPr anchorCtr="0" anchor="ctr" bIns="91425" lIns="91425" spcFirstLastPara="1" rIns="91425" wrap="square" tIns="91425">
+            <a:bodyPr spcFirstLastPara="1" wrap="square" lIns="91425" tIns="91425" rIns="91425" bIns="91425" anchor="ctr" anchorCtr="0">
               <a:noAutofit/>
             </a:bodyPr>
             <a:lstStyle/>
             <a:p>
-              <a:pPr indent="0" lvl="0" marL="0">
+              <a:pPr marL="0" lvl="0" indent="0">
                 <a:spcBef>
                   <a:spcPts val="0"/>
                 </a:spcBef>
@@ -2087,9 +2178,6 @@
                 </a:spcAft>
                 <a:buNone/>
               </a:pPr>
-              <a:r>
-                <a:t/>
-              </a:r>
               <a:endParaRPr/>
             </a:p>
           </p:txBody>
@@ -2122,7 +2210,7 @@
             </a:xfrm>
             <a:prstGeom prst="parallelogram">
               <a:avLst>
-                <a:gd fmla="val 158024" name="adj"/>
+                <a:gd name="adj" fmla="val 158024"/>
               </a:avLst>
             </a:prstGeom>
             <a:solidFill>
@@ -2133,12 +2221,12 @@
             </a:ln>
           </p:spPr>
           <p:txBody>
-            <a:bodyPr anchorCtr="0" anchor="ctr" bIns="91425" lIns="91425" spcFirstLastPara="1" rIns="91425" wrap="square" tIns="91425">
+            <a:bodyPr spcFirstLastPara="1" wrap="square" lIns="91425" tIns="91425" rIns="91425" bIns="91425" anchor="ctr" anchorCtr="0">
               <a:noAutofit/>
             </a:bodyPr>
             <a:lstStyle/>
             <a:p>
-              <a:pPr indent="0" lvl="0" marL="0">
+              <a:pPr marL="0" lvl="0" indent="0">
                 <a:spcBef>
                   <a:spcPts val="0"/>
                 </a:spcBef>
@@ -2147,9 +2235,6 @@
                 </a:spcAft>
                 <a:buNone/>
               </a:pPr>
-              <a:r>
-                <a:t/>
-              </a:r>
               <a:endParaRPr/>
             </a:p>
           </p:txBody>
@@ -2167,7 +2252,7 @@
             </a:xfrm>
             <a:prstGeom prst="parallelogram">
               <a:avLst>
-                <a:gd fmla="val 158024" name="adj"/>
+                <a:gd name="adj" fmla="val 158024"/>
               </a:avLst>
             </a:prstGeom>
             <a:solidFill>
@@ -2178,12 +2263,12 @@
             </a:ln>
           </p:spPr>
           <p:txBody>
-            <a:bodyPr anchorCtr="0" anchor="ctr" bIns="91425" lIns="91425" spcFirstLastPara="1" rIns="91425" wrap="square" tIns="91425">
+            <a:bodyPr spcFirstLastPara="1" wrap="square" lIns="91425" tIns="91425" rIns="91425" bIns="91425" anchor="ctr" anchorCtr="0">
               <a:noAutofit/>
             </a:bodyPr>
             <a:lstStyle/>
             <a:p>
-              <a:pPr indent="0" lvl="0" marL="0">
+              <a:pPr marL="0" lvl="0" indent="0">
                 <a:spcBef>
                   <a:spcPts val="0"/>
                 </a:spcBef>
@@ -2192,9 +2277,6 @@
                 </a:spcAft>
                 <a:buNone/>
               </a:pPr>
-              <a:r>
-                <a:t/>
-              </a:r>
               <a:endParaRPr/>
             </a:p>
           </p:txBody>
@@ -2212,7 +2294,7 @@
             </a:xfrm>
             <a:prstGeom prst="parallelogram">
               <a:avLst>
-                <a:gd fmla="val 158024" name="adj"/>
+                <a:gd name="adj" fmla="val 158024"/>
               </a:avLst>
             </a:prstGeom>
             <a:solidFill>
@@ -2223,12 +2305,12 @@
             </a:ln>
           </p:spPr>
           <p:txBody>
-            <a:bodyPr anchorCtr="0" anchor="ctr" bIns="91425" lIns="91425" spcFirstLastPara="1" rIns="91425" wrap="square" tIns="91425">
+            <a:bodyPr spcFirstLastPara="1" wrap="square" lIns="91425" tIns="91425" rIns="91425" bIns="91425" anchor="ctr" anchorCtr="0">
               <a:noAutofit/>
             </a:bodyPr>
             <a:lstStyle/>
             <a:p>
-              <a:pPr indent="0" lvl="0" marL="0">
+              <a:pPr marL="0" lvl="0" indent="0">
                 <a:spcBef>
                   <a:spcPts val="0"/>
                 </a:spcBef>
@@ -2237,9 +2319,6 @@
                 </a:spcAft>
                 <a:buNone/>
               </a:pPr>
-              <a:r>
-                <a:t/>
-              </a:r>
               <a:endParaRPr/>
             </a:p>
           </p:txBody>
@@ -2272,7 +2351,7 @@
             </a:xfrm>
             <a:prstGeom prst="parallelogram">
               <a:avLst>
-                <a:gd fmla="val 158024" name="adj"/>
+                <a:gd name="adj" fmla="val 158024"/>
               </a:avLst>
             </a:prstGeom>
             <a:solidFill>
@@ -2283,12 +2362,12 @@
             </a:ln>
           </p:spPr>
           <p:txBody>
-            <a:bodyPr anchorCtr="0" anchor="ctr" bIns="91425" lIns="91425" spcFirstLastPara="1" rIns="91425" wrap="square" tIns="91425">
+            <a:bodyPr spcFirstLastPara="1" wrap="square" lIns="91425" tIns="91425" rIns="91425" bIns="91425" anchor="ctr" anchorCtr="0">
               <a:noAutofit/>
             </a:bodyPr>
             <a:lstStyle/>
             <a:p>
-              <a:pPr indent="0" lvl="0" marL="0">
+              <a:pPr marL="0" lvl="0" indent="0">
                 <a:spcBef>
                   <a:spcPts val="0"/>
                 </a:spcBef>
@@ -2297,9 +2376,6 @@
                 </a:spcAft>
                 <a:buNone/>
               </a:pPr>
-              <a:r>
-                <a:t/>
-              </a:r>
               <a:endParaRPr/>
             </a:p>
           </p:txBody>
@@ -2317,7 +2393,7 @@
             </a:xfrm>
             <a:prstGeom prst="parallelogram">
               <a:avLst>
-                <a:gd fmla="val 158024" name="adj"/>
+                <a:gd name="adj" fmla="val 158024"/>
               </a:avLst>
             </a:prstGeom>
             <a:solidFill>
@@ -2328,12 +2404,12 @@
             </a:ln>
           </p:spPr>
           <p:txBody>
-            <a:bodyPr anchorCtr="0" anchor="ctr" bIns="91425" lIns="91425" spcFirstLastPara="1" rIns="91425" wrap="square" tIns="91425">
+            <a:bodyPr spcFirstLastPara="1" wrap="square" lIns="91425" tIns="91425" rIns="91425" bIns="91425" anchor="ctr" anchorCtr="0">
               <a:noAutofit/>
             </a:bodyPr>
             <a:lstStyle/>
             <a:p>
-              <a:pPr indent="0" lvl="0" marL="0">
+              <a:pPr marL="0" lvl="0" indent="0">
                 <a:spcBef>
                   <a:spcPts val="0"/>
                 </a:spcBef>
@@ -2342,9 +2418,6 @@
                 </a:spcAft>
                 <a:buNone/>
               </a:pPr>
-              <a:r>
-                <a:t/>
-              </a:r>
               <a:endParaRPr/>
             </a:p>
           </p:txBody>
@@ -2362,7 +2435,7 @@
             </a:xfrm>
             <a:prstGeom prst="parallelogram">
               <a:avLst>
-                <a:gd fmla="val 158024" name="adj"/>
+                <a:gd name="adj" fmla="val 158024"/>
               </a:avLst>
             </a:prstGeom>
             <a:solidFill>
@@ -2373,12 +2446,12 @@
             </a:ln>
           </p:spPr>
           <p:txBody>
-            <a:bodyPr anchorCtr="0" anchor="ctr" bIns="91425" lIns="91425" spcFirstLastPara="1" rIns="91425" wrap="square" tIns="91425">
+            <a:bodyPr spcFirstLastPara="1" wrap="square" lIns="91425" tIns="91425" rIns="91425" bIns="91425" anchor="ctr" anchorCtr="0">
               <a:noAutofit/>
             </a:bodyPr>
             <a:lstStyle/>
             <a:p>
-              <a:pPr indent="0" lvl="0" marL="0">
+              <a:pPr marL="0" lvl="0" indent="0">
                 <a:spcBef>
                   <a:spcPts val="0"/>
                 </a:spcBef>
@@ -2387,9 +2460,6 @@
                 </a:spcAft>
                 <a:buNone/>
               </a:pPr>
-              <a:r>
-                <a:t/>
-              </a:r>
               <a:endParaRPr/>
             </a:p>
           </p:txBody>
@@ -2422,7 +2492,7 @@
             </a:xfrm>
             <a:prstGeom prst="parallelogram">
               <a:avLst>
-                <a:gd fmla="val 158024" name="adj"/>
+                <a:gd name="adj" fmla="val 158024"/>
               </a:avLst>
             </a:prstGeom>
             <a:solidFill>
@@ -2433,12 +2503,12 @@
             </a:ln>
           </p:spPr>
           <p:txBody>
-            <a:bodyPr anchorCtr="0" anchor="ctr" bIns="91425" lIns="91425" spcFirstLastPara="1" rIns="91425" wrap="square" tIns="91425">
+            <a:bodyPr spcFirstLastPara="1" wrap="square" lIns="91425" tIns="91425" rIns="91425" bIns="91425" anchor="ctr" anchorCtr="0">
               <a:noAutofit/>
             </a:bodyPr>
             <a:lstStyle/>
             <a:p>
-              <a:pPr indent="0" lvl="0" marL="0">
+              <a:pPr marL="0" lvl="0" indent="0">
                 <a:spcBef>
                   <a:spcPts val="0"/>
                 </a:spcBef>
@@ -2447,9 +2517,6 @@
                 </a:spcAft>
                 <a:buNone/>
               </a:pPr>
-              <a:r>
-                <a:t/>
-              </a:r>
               <a:endParaRPr/>
             </a:p>
           </p:txBody>
@@ -2467,7 +2534,7 @@
             </a:xfrm>
             <a:prstGeom prst="parallelogram">
               <a:avLst>
-                <a:gd fmla="val 158024" name="adj"/>
+                <a:gd name="adj" fmla="val 158024"/>
               </a:avLst>
             </a:prstGeom>
             <a:solidFill>
@@ -2478,12 +2545,12 @@
             </a:ln>
           </p:spPr>
           <p:txBody>
-            <a:bodyPr anchorCtr="0" anchor="ctr" bIns="91425" lIns="91425" spcFirstLastPara="1" rIns="91425" wrap="square" tIns="91425">
+            <a:bodyPr spcFirstLastPara="1" wrap="square" lIns="91425" tIns="91425" rIns="91425" bIns="91425" anchor="ctr" anchorCtr="0">
               <a:noAutofit/>
             </a:bodyPr>
             <a:lstStyle/>
             <a:p>
-              <a:pPr indent="0" lvl="0" marL="0">
+              <a:pPr marL="0" lvl="0" indent="0">
                 <a:spcBef>
                   <a:spcPts val="0"/>
                 </a:spcBef>
@@ -2492,9 +2559,6 @@
                 </a:spcAft>
                 <a:buNone/>
               </a:pPr>
-              <a:r>
-                <a:t/>
-              </a:r>
               <a:endParaRPr/>
             </a:p>
           </p:txBody>
@@ -2512,7 +2576,7 @@
             </a:xfrm>
             <a:prstGeom prst="parallelogram">
               <a:avLst>
-                <a:gd fmla="val 158024" name="adj"/>
+                <a:gd name="adj" fmla="val 158024"/>
               </a:avLst>
             </a:prstGeom>
             <a:solidFill>
@@ -2523,12 +2587,12 @@
             </a:ln>
           </p:spPr>
           <p:txBody>
-            <a:bodyPr anchorCtr="0" anchor="ctr" bIns="91425" lIns="91425" spcFirstLastPara="1" rIns="91425" wrap="square" tIns="91425">
+            <a:bodyPr spcFirstLastPara="1" wrap="square" lIns="91425" tIns="91425" rIns="91425" bIns="91425" anchor="ctr" anchorCtr="0">
               <a:noAutofit/>
             </a:bodyPr>
             <a:lstStyle/>
             <a:p>
-              <a:pPr indent="0" lvl="0" marL="0">
+              <a:pPr marL="0" lvl="0" indent="0">
                 <a:spcBef>
                   <a:spcPts val="0"/>
                 </a:spcBef>
@@ -2537,9 +2601,6 @@
                 </a:spcAft>
                 <a:buNone/>
               </a:pPr>
-              <a:r>
-                <a:t/>
-              </a:r>
               <a:endParaRPr/>
             </a:p>
           </p:txBody>
@@ -2548,7 +2609,9 @@
       <p:sp>
         <p:nvSpPr>
           <p:cNvPr id="34" name="Google Shape;34;p2"/>
-          <p:cNvSpPr txBox="1"/>
+          <p:cNvSpPr txBox="1">
+            <a:spLocks noGrp="1"/>
+          </p:cNvSpPr>
           <p:nvPr>
             <p:ph type="ctrTitle"/>
           </p:nvPr>
@@ -2563,7 +2626,7 @@
           </a:prstGeom>
         </p:spPr>
         <p:txBody>
-          <a:bodyPr anchorCtr="0" anchor="ctr" bIns="91425" lIns="91425" spcFirstLastPara="1" rIns="91425" wrap="square" tIns="91425"/>
+          <a:bodyPr spcFirstLastPara="1" wrap="square" lIns="91425" tIns="91425" rIns="91425" bIns="91425" anchor="ctr" anchorCtr="0"/>
           <a:lstStyle>
             <a:lvl1pPr lvl="0" algn="ctr">
               <a:spcBef>
@@ -2665,15 +2728,19 @@
               <a:defRPr sz="3800"/>
             </a:lvl9pPr>
           </a:lstStyle>
-          <a:p/>
+          <a:p>
+            <a:endParaRPr/>
+          </a:p>
         </p:txBody>
       </p:sp>
       <p:sp>
         <p:nvSpPr>
           <p:cNvPr id="35" name="Google Shape;35;p2"/>
-          <p:cNvSpPr txBox="1"/>
+          <p:cNvSpPr txBox="1">
+            <a:spLocks noGrp="1"/>
+          </p:cNvSpPr>
           <p:nvPr>
-            <p:ph idx="1" type="subTitle"/>
+            <p:ph type="subTitle" idx="1"/>
           </p:nvPr>
         </p:nvSpPr>
         <p:spPr>
@@ -2686,7 +2753,7 @@
           </a:prstGeom>
         </p:spPr>
         <p:txBody>
-          <a:bodyPr anchorCtr="0" anchor="t" bIns="91425" lIns="91425" spcFirstLastPara="1" rIns="91425" wrap="square" tIns="91425"/>
+          <a:bodyPr spcFirstLastPara="1" wrap="square" lIns="91425" tIns="91425" rIns="91425" bIns="91425" anchor="t" anchorCtr="0"/>
           <a:lstStyle>
             <a:lvl1pPr lvl="0" algn="ctr">
               <a:lnSpc>
@@ -2878,15 +2945,19 @@
               </a:defRPr>
             </a:lvl9pPr>
           </a:lstStyle>
-          <a:p/>
+          <a:p>
+            <a:endParaRPr/>
+          </a:p>
         </p:txBody>
       </p:sp>
       <p:sp>
         <p:nvSpPr>
           <p:cNvPr id="36" name="Google Shape;36;p2"/>
-          <p:cNvSpPr txBox="1"/>
+          <p:cNvSpPr txBox="1">
+            <a:spLocks noGrp="1"/>
+          </p:cNvSpPr>
           <p:nvPr>
-            <p:ph idx="12" type="sldNum"/>
+            <p:ph type="sldNum" idx="12"/>
           </p:nvPr>
         </p:nvSpPr>
         <p:spPr>
@@ -2899,7 +2970,7 @@
           </a:prstGeom>
         </p:spPr>
         <p:txBody>
-          <a:bodyPr anchorCtr="0" anchor="ctr" bIns="91425" lIns="91425" spcFirstLastPara="1" rIns="91425" wrap="square" tIns="91425">
+          <a:bodyPr spcFirstLastPara="1" wrap="square" lIns="91425" tIns="91425" rIns="91425" bIns="91425" anchor="ctr" anchorCtr="0">
             <a:noAutofit/>
           </a:bodyPr>
           <a:lstStyle>
@@ -2941,7 +3012,7 @@
             </a:lvl9pPr>
           </a:lstStyle>
           <a:p>
-            <a:pPr indent="0" lvl="0" marL="0">
+            <a:pPr marL="0" lvl="0" indent="0">
               <a:spcBef>
                 <a:spcPts val="0"/>
               </a:spcBef>
@@ -2952,7 +3023,7 @@
             </a:pPr>
             <a:fld id="{00000000-1234-1234-1234-123412341234}" type="slidenum">
               <a:rPr lang="es"/>
-              <a:t>‹#›</a:t>
+              <a:t>‹Nº›</a:t>
             </a:fld>
             <a:endParaRPr/>
           </a:p>
@@ -2967,18 +3038,19 @@
 </file>
 
 <file path=ppt/slideLayouts/slideLayout10.xml><?xml version="1.0" encoding="utf-8"?>
-<p:sldLayout xmlns:a="http://schemas.openxmlformats.org/drawingml/2006/main" xmlns:r="http://schemas.openxmlformats.org/officeDocument/2006/relationships" xmlns:mc="http://schemas.openxmlformats.org/markup-compatibility/2006" xmlns:mv="urn:schemas-microsoft-com:mac:vml" xmlns:p="http://schemas.openxmlformats.org/presentationml/2006/main" xmlns:c="http://schemas.openxmlformats.org/drawingml/2006/chart" xmlns:dgm="http://schemas.openxmlformats.org/drawingml/2006/diagram" xmlns:o="urn:schemas-microsoft-com:office:office" xmlns:v="urn:schemas-microsoft-com:vml" xmlns:pvml="urn:schemas-microsoft-com:office:powerpoint" xmlns:com="http://schemas.openxmlformats.org/drawingml/2006/compatibility" xmlns:p14="http://schemas.microsoft.com/office/powerpoint/2010/main" xmlns:p15="http://schemas.microsoft.com/office/powerpoint/2012/main" matchingName="Big number">
+<p:sldLayout xmlns:a="http://schemas.openxmlformats.org/drawingml/2006/main" xmlns:r="http://schemas.openxmlformats.org/officeDocument/2006/relationships" xmlns:p="http://schemas.openxmlformats.org/presentationml/2006/main" matchingName="Big number">
   <p:cSld name="BIG_NUMBER">
     <p:bg>
       <p:bgPr>
         <a:solidFill>
           <a:schemeClr val="accent3"/>
         </a:solidFill>
+        <a:effectLst/>
       </p:bgPr>
     </p:bg>
     <p:spTree>
       <p:nvGrpSpPr>
-        <p:cNvPr id="109" name="Shape 109"/>
+        <p:cNvPr id="1" name="Shape 109"/>
         <p:cNvGrpSpPr/>
         <p:nvPr/>
       </p:nvGrpSpPr>
@@ -3012,12 +3084,12 @@
           </a:ln>
         </p:spPr>
         <p:txBody>
-          <a:bodyPr anchorCtr="0" anchor="ctr" bIns="91425" lIns="91425" spcFirstLastPara="1" rIns="91425" wrap="square" tIns="91425">
+          <a:bodyPr spcFirstLastPara="1" wrap="square" lIns="91425" tIns="91425" rIns="91425" bIns="91425" anchor="ctr" anchorCtr="0">
             <a:noAutofit/>
           </a:bodyPr>
           <a:lstStyle/>
           <a:p>
-            <a:pPr indent="0" lvl="0" marL="0">
+            <a:pPr marL="0" lvl="0" indent="0">
               <a:spcBef>
                 <a:spcPts val="0"/>
               </a:spcBef>
@@ -3026,9 +3098,6 @@
               </a:spcAft>
               <a:buNone/>
             </a:pPr>
-            <a:r>
-              <a:t/>
-            </a:r>
             <a:endParaRPr/>
           </a:p>
         </p:txBody>
@@ -3060,7 +3129,7 @@
             </a:xfrm>
             <a:prstGeom prst="parallelogram">
               <a:avLst>
-                <a:gd fmla="val 158024" name="adj"/>
+                <a:gd name="adj" fmla="val 158024"/>
               </a:avLst>
             </a:prstGeom>
             <a:solidFill>
@@ -3071,12 +3140,12 @@
             </a:ln>
           </p:spPr>
           <p:txBody>
-            <a:bodyPr anchorCtr="0" anchor="ctr" bIns="91425" lIns="91425" spcFirstLastPara="1" rIns="91425" wrap="square" tIns="91425">
+            <a:bodyPr spcFirstLastPara="1" wrap="square" lIns="91425" tIns="91425" rIns="91425" bIns="91425" anchor="ctr" anchorCtr="0">
               <a:noAutofit/>
             </a:bodyPr>
             <a:lstStyle/>
             <a:p>
-              <a:pPr indent="0" lvl="0" marL="0">
+              <a:pPr marL="0" lvl="0" indent="0">
                 <a:spcBef>
                   <a:spcPts val="0"/>
                 </a:spcBef>
@@ -3085,9 +3154,6 @@
                 </a:spcAft>
                 <a:buNone/>
               </a:pPr>
-              <a:r>
-                <a:t/>
-              </a:r>
               <a:endParaRPr/>
             </a:p>
           </p:txBody>
@@ -3105,7 +3171,7 @@
             </a:xfrm>
             <a:prstGeom prst="parallelogram">
               <a:avLst>
-                <a:gd fmla="val 158024" name="adj"/>
+                <a:gd name="adj" fmla="val 158024"/>
               </a:avLst>
             </a:prstGeom>
             <a:solidFill>
@@ -3116,12 +3182,12 @@
             </a:ln>
           </p:spPr>
           <p:txBody>
-            <a:bodyPr anchorCtr="0" anchor="ctr" bIns="91425" lIns="91425" spcFirstLastPara="1" rIns="91425" wrap="square" tIns="91425">
+            <a:bodyPr spcFirstLastPara="1" wrap="square" lIns="91425" tIns="91425" rIns="91425" bIns="91425" anchor="ctr" anchorCtr="0">
               <a:noAutofit/>
             </a:bodyPr>
             <a:lstStyle/>
             <a:p>
-              <a:pPr indent="0" lvl="0" marL="0">
+              <a:pPr marL="0" lvl="0" indent="0">
                 <a:spcBef>
                   <a:spcPts val="0"/>
                 </a:spcBef>
@@ -3130,9 +3196,6 @@
                 </a:spcAft>
                 <a:buNone/>
               </a:pPr>
-              <a:r>
-                <a:t/>
-              </a:r>
               <a:endParaRPr/>
             </a:p>
           </p:txBody>
@@ -3150,7 +3213,7 @@
             </a:xfrm>
             <a:prstGeom prst="parallelogram">
               <a:avLst>
-                <a:gd fmla="val 158024" name="adj"/>
+                <a:gd name="adj" fmla="val 158024"/>
               </a:avLst>
             </a:prstGeom>
             <a:solidFill>
@@ -3161,12 +3224,12 @@
             </a:ln>
           </p:spPr>
           <p:txBody>
-            <a:bodyPr anchorCtr="0" anchor="ctr" bIns="91425" lIns="91425" spcFirstLastPara="1" rIns="91425" wrap="square" tIns="91425">
+            <a:bodyPr spcFirstLastPara="1" wrap="square" lIns="91425" tIns="91425" rIns="91425" bIns="91425" anchor="ctr" anchorCtr="0">
               <a:noAutofit/>
             </a:bodyPr>
             <a:lstStyle/>
             <a:p>
-              <a:pPr indent="0" lvl="0" marL="0">
+              <a:pPr marL="0" lvl="0" indent="0">
                 <a:spcBef>
                   <a:spcPts val="0"/>
                 </a:spcBef>
@@ -3175,9 +3238,6 @@
                 </a:spcAft>
                 <a:buNone/>
               </a:pPr>
-              <a:r>
-                <a:t/>
-              </a:r>
               <a:endParaRPr/>
             </a:p>
           </p:txBody>
@@ -3210,7 +3270,7 @@
             </a:xfrm>
             <a:prstGeom prst="parallelogram">
               <a:avLst>
-                <a:gd fmla="val 158024" name="adj"/>
+                <a:gd name="adj" fmla="val 158024"/>
               </a:avLst>
             </a:prstGeom>
             <a:solidFill>
@@ -3221,12 +3281,12 @@
             </a:ln>
           </p:spPr>
           <p:txBody>
-            <a:bodyPr anchorCtr="0" anchor="ctr" bIns="91425" lIns="91425" spcFirstLastPara="1" rIns="91425" wrap="square" tIns="91425">
+            <a:bodyPr spcFirstLastPara="1" wrap="square" lIns="91425" tIns="91425" rIns="91425" bIns="91425" anchor="ctr" anchorCtr="0">
               <a:noAutofit/>
             </a:bodyPr>
             <a:lstStyle/>
             <a:p>
-              <a:pPr indent="0" lvl="0" marL="0">
+              <a:pPr marL="0" lvl="0" indent="0">
                 <a:spcBef>
                   <a:spcPts val="0"/>
                 </a:spcBef>
@@ -3235,9 +3295,6 @@
                 </a:spcAft>
                 <a:buNone/>
               </a:pPr>
-              <a:r>
-                <a:t/>
-              </a:r>
               <a:endParaRPr/>
             </a:p>
           </p:txBody>
@@ -3255,7 +3312,7 @@
             </a:xfrm>
             <a:prstGeom prst="parallelogram">
               <a:avLst>
-                <a:gd fmla="val 158024" name="adj"/>
+                <a:gd name="adj" fmla="val 158024"/>
               </a:avLst>
             </a:prstGeom>
             <a:solidFill>
@@ -3266,12 +3323,12 @@
             </a:ln>
           </p:spPr>
           <p:txBody>
-            <a:bodyPr anchorCtr="0" anchor="ctr" bIns="91425" lIns="91425" spcFirstLastPara="1" rIns="91425" wrap="square" tIns="91425">
+            <a:bodyPr spcFirstLastPara="1" wrap="square" lIns="91425" tIns="91425" rIns="91425" bIns="91425" anchor="ctr" anchorCtr="0">
               <a:noAutofit/>
             </a:bodyPr>
             <a:lstStyle/>
             <a:p>
-              <a:pPr indent="0" lvl="0" marL="0">
+              <a:pPr marL="0" lvl="0" indent="0">
                 <a:spcBef>
                   <a:spcPts val="0"/>
                 </a:spcBef>
@@ -3280,9 +3337,6 @@
                 </a:spcAft>
                 <a:buNone/>
               </a:pPr>
-              <a:r>
-                <a:t/>
-              </a:r>
               <a:endParaRPr/>
             </a:p>
           </p:txBody>
@@ -3300,7 +3354,7 @@
             </a:xfrm>
             <a:prstGeom prst="parallelogram">
               <a:avLst>
-                <a:gd fmla="val 158024" name="adj"/>
+                <a:gd name="adj" fmla="val 158024"/>
               </a:avLst>
             </a:prstGeom>
             <a:solidFill>
@@ -3311,12 +3365,12 @@
             </a:ln>
           </p:spPr>
           <p:txBody>
-            <a:bodyPr anchorCtr="0" anchor="ctr" bIns="91425" lIns="91425" spcFirstLastPara="1" rIns="91425" wrap="square" tIns="91425">
+            <a:bodyPr spcFirstLastPara="1" wrap="square" lIns="91425" tIns="91425" rIns="91425" bIns="91425" anchor="ctr" anchorCtr="0">
               <a:noAutofit/>
             </a:bodyPr>
             <a:lstStyle/>
             <a:p>
-              <a:pPr indent="0" lvl="0" marL="0">
+              <a:pPr marL="0" lvl="0" indent="0">
                 <a:spcBef>
                   <a:spcPts val="0"/>
                 </a:spcBef>
@@ -3325,9 +3379,6 @@
                 </a:spcAft>
                 <a:buNone/>
               </a:pPr>
-              <a:r>
-                <a:t/>
-              </a:r>
               <a:endParaRPr/>
             </a:p>
           </p:txBody>
@@ -3336,9 +3387,11 @@
       <p:sp>
         <p:nvSpPr>
           <p:cNvPr id="119" name="Google Shape;119;p11"/>
-          <p:cNvSpPr txBox="1"/>
+          <p:cNvSpPr txBox="1">
+            <a:spLocks noGrp="1"/>
+          </p:cNvSpPr>
           <p:nvPr>
-            <p:ph hasCustomPrompt="1" type="title"/>
+            <p:ph type="title" hasCustomPrompt="1"/>
           </p:nvPr>
         </p:nvSpPr>
         <p:spPr>
@@ -3351,7 +3404,7 @@
           </a:prstGeom>
         </p:spPr>
         <p:txBody>
-          <a:bodyPr anchorCtr="0" anchor="ctr" bIns="91425" lIns="91425" spcFirstLastPara="1" rIns="91425" wrap="square" tIns="91425"/>
+          <a:bodyPr spcFirstLastPara="1" wrap="square" lIns="91425" tIns="91425" rIns="91425" bIns="91425" anchor="ctr" anchorCtr="0"/>
           <a:lstStyle>
             <a:lvl1pPr lvl="0" algn="ctr">
               <a:spcBef>
@@ -3526,9 +3579,11 @@
       <p:sp>
         <p:nvSpPr>
           <p:cNvPr id="120" name="Google Shape;120;p11"/>
-          <p:cNvSpPr txBox="1"/>
+          <p:cNvSpPr txBox="1">
+            <a:spLocks noGrp="1"/>
+          </p:cNvSpPr>
           <p:nvPr>
-            <p:ph idx="1" type="body"/>
+            <p:ph type="body" idx="1"/>
           </p:nvPr>
         </p:nvSpPr>
         <p:spPr>
@@ -3541,9 +3596,9 @@
           </a:prstGeom>
         </p:spPr>
         <p:txBody>
-          <a:bodyPr anchorCtr="0" anchor="t" bIns="91425" lIns="91425" spcFirstLastPara="1" rIns="91425" wrap="square" tIns="91425"/>
+          <a:bodyPr spcFirstLastPara="1" wrap="square" lIns="91425" tIns="91425" rIns="91425" bIns="91425" anchor="t" anchorCtr="0"/>
           <a:lstStyle>
-            <a:lvl1pPr indent="-311150" lvl="0" marL="457200" algn="ctr">
+            <a:lvl1pPr marL="457200" lvl="0" indent="-311150" algn="ctr">
               <a:spcBef>
                 <a:spcPts val="0"/>
               </a:spcBef>
@@ -3554,7 +3609,7 @@
               <a:buChar char="●"/>
               <a:defRPr/>
             </a:lvl1pPr>
-            <a:lvl2pPr indent="-298450" lvl="1" marL="914400" algn="ctr">
+            <a:lvl2pPr marL="914400" lvl="1" indent="-298450" algn="ctr">
               <a:spcBef>
                 <a:spcPts val="1600"/>
               </a:spcBef>
@@ -3565,7 +3620,7 @@
               <a:buChar char="○"/>
               <a:defRPr/>
             </a:lvl2pPr>
-            <a:lvl3pPr indent="-298450" lvl="2" marL="1371600" algn="ctr">
+            <a:lvl3pPr marL="1371600" lvl="2" indent="-298450" algn="ctr">
               <a:spcBef>
                 <a:spcPts val="1600"/>
               </a:spcBef>
@@ -3576,7 +3631,7 @@
               <a:buChar char="■"/>
               <a:defRPr/>
             </a:lvl3pPr>
-            <a:lvl4pPr indent="-298450" lvl="3" marL="1828800" algn="ctr">
+            <a:lvl4pPr marL="1828800" lvl="3" indent="-298450" algn="ctr">
               <a:spcBef>
                 <a:spcPts val="1600"/>
               </a:spcBef>
@@ -3587,7 +3642,7 @@
               <a:buChar char="●"/>
               <a:defRPr/>
             </a:lvl4pPr>
-            <a:lvl5pPr indent="-298450" lvl="4" marL="2286000" algn="ctr">
+            <a:lvl5pPr marL="2286000" lvl="4" indent="-298450" algn="ctr">
               <a:spcBef>
                 <a:spcPts val="1600"/>
               </a:spcBef>
@@ -3598,7 +3653,7 @@
               <a:buChar char="○"/>
               <a:defRPr/>
             </a:lvl5pPr>
-            <a:lvl6pPr indent="-298450" lvl="5" marL="2743200" algn="ctr">
+            <a:lvl6pPr marL="2743200" lvl="5" indent="-298450" algn="ctr">
               <a:spcBef>
                 <a:spcPts val="1600"/>
               </a:spcBef>
@@ -3609,7 +3664,7 @@
               <a:buChar char="■"/>
               <a:defRPr/>
             </a:lvl6pPr>
-            <a:lvl7pPr indent="-298450" lvl="6" marL="3200400" algn="ctr">
+            <a:lvl7pPr marL="3200400" lvl="6" indent="-298450" algn="ctr">
               <a:spcBef>
                 <a:spcPts val="1600"/>
               </a:spcBef>
@@ -3620,7 +3675,7 @@
               <a:buChar char="●"/>
               <a:defRPr/>
             </a:lvl7pPr>
-            <a:lvl8pPr indent="-298450" lvl="7" marL="3657600" algn="ctr">
+            <a:lvl8pPr marL="3657600" lvl="7" indent="-298450" algn="ctr">
               <a:spcBef>
                 <a:spcPts val="1600"/>
               </a:spcBef>
@@ -3631,7 +3686,7 @@
               <a:buChar char="○"/>
               <a:defRPr/>
             </a:lvl8pPr>
-            <a:lvl9pPr indent="-298450" lvl="8" marL="4114800" algn="ctr">
+            <a:lvl9pPr marL="4114800" lvl="8" indent="-298450" algn="ctr">
               <a:spcBef>
                 <a:spcPts val="1600"/>
               </a:spcBef>
@@ -3643,15 +3698,19 @@
               <a:defRPr/>
             </a:lvl9pPr>
           </a:lstStyle>
-          <a:p/>
+          <a:p>
+            <a:endParaRPr/>
+          </a:p>
         </p:txBody>
       </p:sp>
       <p:sp>
         <p:nvSpPr>
           <p:cNvPr id="121" name="Google Shape;121;p11"/>
-          <p:cNvSpPr txBox="1"/>
+          <p:cNvSpPr txBox="1">
+            <a:spLocks noGrp="1"/>
+          </p:cNvSpPr>
           <p:nvPr>
-            <p:ph idx="12" type="sldNum"/>
+            <p:ph type="sldNum" idx="12"/>
           </p:nvPr>
         </p:nvSpPr>
         <p:spPr>
@@ -3664,7 +3723,7 @@
           </a:prstGeom>
         </p:spPr>
         <p:txBody>
-          <a:bodyPr anchorCtr="0" anchor="ctr" bIns="91425" lIns="91425" spcFirstLastPara="1" rIns="91425" wrap="square" tIns="91425">
+          <a:bodyPr spcFirstLastPara="1" wrap="square" lIns="91425" tIns="91425" rIns="91425" bIns="91425" anchor="ctr" anchorCtr="0">
             <a:noAutofit/>
           </a:bodyPr>
           <a:lstStyle>
@@ -3706,7 +3765,7 @@
             </a:lvl9pPr>
           </a:lstStyle>
           <a:p>
-            <a:pPr indent="0" lvl="0" marL="0">
+            <a:pPr marL="0" lvl="0" indent="0">
               <a:spcBef>
                 <a:spcPts val="0"/>
               </a:spcBef>
@@ -3717,7 +3776,7 @@
             </a:pPr>
             <a:fld id="{00000000-1234-1234-1234-123412341234}" type="slidenum">
               <a:rPr lang="es"/>
-              <a:t>‹#›</a:t>
+              <a:t>‹Nº›</a:t>
             </a:fld>
             <a:endParaRPr/>
           </a:p>
@@ -3732,11 +3791,11 @@
 </file>
 
 <file path=ppt/slideLayouts/slideLayout11.xml><?xml version="1.0" encoding="utf-8"?>
-<p:sldLayout xmlns:a="http://schemas.openxmlformats.org/drawingml/2006/main" xmlns:r="http://schemas.openxmlformats.org/officeDocument/2006/relationships" xmlns:mc="http://schemas.openxmlformats.org/markup-compatibility/2006" xmlns:mv="urn:schemas-microsoft-com:mac:vml" xmlns:p="http://schemas.openxmlformats.org/presentationml/2006/main" xmlns:c="http://schemas.openxmlformats.org/drawingml/2006/chart" xmlns:dgm="http://schemas.openxmlformats.org/drawingml/2006/diagram" xmlns:o="urn:schemas-microsoft-com:office:office" xmlns:v="urn:schemas-microsoft-com:vml" xmlns:pvml="urn:schemas-microsoft-com:office:powerpoint" xmlns:com="http://schemas.openxmlformats.org/drawingml/2006/compatibility" xmlns:p14="http://schemas.microsoft.com/office/powerpoint/2010/main" xmlns:p15="http://schemas.microsoft.com/office/powerpoint/2012/main" matchingName="Blank" type="blank">
+<p:sldLayout xmlns:a="http://schemas.openxmlformats.org/drawingml/2006/main" xmlns:r="http://schemas.openxmlformats.org/officeDocument/2006/relationships" xmlns:p="http://schemas.openxmlformats.org/presentationml/2006/main" matchingName="Blank" type="blank">
   <p:cSld name="BLANK">
     <p:spTree>
       <p:nvGrpSpPr>
-        <p:cNvPr id="122" name="Shape 122"/>
+        <p:cNvPr id="1" name="Shape 122"/>
         <p:cNvGrpSpPr/>
         <p:nvPr/>
       </p:nvGrpSpPr>
@@ -3751,9 +3810,11 @@
       <p:sp>
         <p:nvSpPr>
           <p:cNvPr id="123" name="Google Shape;123;p12"/>
-          <p:cNvSpPr txBox="1"/>
+          <p:cNvSpPr txBox="1">
+            <a:spLocks noGrp="1"/>
+          </p:cNvSpPr>
           <p:nvPr>
-            <p:ph idx="12" type="sldNum"/>
+            <p:ph type="sldNum" idx="12"/>
           </p:nvPr>
         </p:nvSpPr>
         <p:spPr>
@@ -3766,7 +3827,7 @@
           </a:prstGeom>
         </p:spPr>
         <p:txBody>
-          <a:bodyPr anchorCtr="0" anchor="ctr" bIns="91425" lIns="91425" spcFirstLastPara="1" rIns="91425" wrap="square" tIns="91425">
+          <a:bodyPr spcFirstLastPara="1" wrap="square" lIns="91425" tIns="91425" rIns="91425" bIns="91425" anchor="ctr" anchorCtr="0">
             <a:noAutofit/>
           </a:bodyPr>
           <a:lstStyle>
@@ -3808,7 +3869,7 @@
             </a:lvl9pPr>
           </a:lstStyle>
           <a:p>
-            <a:pPr indent="0" lvl="0" marL="0">
+            <a:pPr marL="0" lvl="0" indent="0">
               <a:spcBef>
                 <a:spcPts val="0"/>
               </a:spcBef>
@@ -3819,7 +3880,7 @@
             </a:pPr>
             <a:fld id="{00000000-1234-1234-1234-123412341234}" type="slidenum">
               <a:rPr lang="es"/>
-              <a:t>‹#›</a:t>
+              <a:t>‹Nº›</a:t>
             </a:fld>
             <a:endParaRPr/>
           </a:p>
@@ -3834,18 +3895,19 @@
 </file>
 
 <file path=ppt/slideLayouts/slideLayout2.xml><?xml version="1.0" encoding="utf-8"?>
-<p:sldLayout xmlns:a="http://schemas.openxmlformats.org/drawingml/2006/main" xmlns:r="http://schemas.openxmlformats.org/officeDocument/2006/relationships" xmlns:mc="http://schemas.openxmlformats.org/markup-compatibility/2006" xmlns:mv="urn:schemas-microsoft-com:mac:vml" xmlns:p="http://schemas.openxmlformats.org/presentationml/2006/main" xmlns:c="http://schemas.openxmlformats.org/drawingml/2006/chart" xmlns:dgm="http://schemas.openxmlformats.org/drawingml/2006/diagram" xmlns:o="urn:schemas-microsoft-com:office:office" xmlns:v="urn:schemas-microsoft-com:vml" xmlns:pvml="urn:schemas-microsoft-com:office:powerpoint" xmlns:com="http://schemas.openxmlformats.org/drawingml/2006/compatibility" xmlns:p14="http://schemas.microsoft.com/office/powerpoint/2010/main" xmlns:p15="http://schemas.microsoft.com/office/powerpoint/2012/main" matchingName="Section header" type="secHead">
+<p:sldLayout xmlns:a="http://schemas.openxmlformats.org/drawingml/2006/main" xmlns:r="http://schemas.openxmlformats.org/officeDocument/2006/relationships" xmlns:p="http://schemas.openxmlformats.org/presentationml/2006/main" matchingName="Section header" type="secHead">
   <p:cSld name="SECTION_HEADER">
     <p:bg>
       <p:bgPr>
         <a:solidFill>
           <a:schemeClr val="accent3"/>
         </a:solidFill>
+        <a:effectLst/>
       </p:bgPr>
     </p:bg>
     <p:spTree>
       <p:nvGrpSpPr>
-        <p:cNvPr id="37" name="Shape 37"/>
+        <p:cNvPr id="1" name="Shape 37"/>
         <p:cNvGrpSpPr/>
         <p:nvPr/>
       </p:nvGrpSpPr>
@@ -3879,12 +3941,12 @@
           </a:ln>
         </p:spPr>
         <p:txBody>
-          <a:bodyPr anchorCtr="0" anchor="ctr" bIns="91425" lIns="91425" spcFirstLastPara="1" rIns="91425" wrap="square" tIns="91425">
+          <a:bodyPr spcFirstLastPara="1" wrap="square" lIns="91425" tIns="91425" rIns="91425" bIns="91425" anchor="ctr" anchorCtr="0">
             <a:noAutofit/>
           </a:bodyPr>
           <a:lstStyle/>
           <a:p>
-            <a:pPr indent="0" lvl="0" marL="0">
+            <a:pPr marL="0" lvl="0" indent="0">
               <a:spcBef>
                 <a:spcPts val="0"/>
               </a:spcBef>
@@ -3893,9 +3955,6 @@
               </a:spcAft>
               <a:buNone/>
             </a:pPr>
-            <a:r>
-              <a:t/>
-            </a:r>
             <a:endParaRPr/>
           </a:p>
         </p:txBody>
@@ -3927,7 +3986,7 @@
             </a:xfrm>
             <a:prstGeom prst="parallelogram">
               <a:avLst>
-                <a:gd fmla="val 158024" name="adj"/>
+                <a:gd name="adj" fmla="val 158024"/>
               </a:avLst>
             </a:prstGeom>
             <a:solidFill>
@@ -3938,12 +3997,12 @@
             </a:ln>
           </p:spPr>
           <p:txBody>
-            <a:bodyPr anchorCtr="0" anchor="ctr" bIns="91425" lIns="91425" spcFirstLastPara="1" rIns="91425" wrap="square" tIns="91425">
+            <a:bodyPr spcFirstLastPara="1" wrap="square" lIns="91425" tIns="91425" rIns="91425" bIns="91425" anchor="ctr" anchorCtr="0">
               <a:noAutofit/>
             </a:bodyPr>
             <a:lstStyle/>
             <a:p>
-              <a:pPr indent="0" lvl="0" marL="0">
+              <a:pPr marL="0" lvl="0" indent="0">
                 <a:spcBef>
                   <a:spcPts val="0"/>
                 </a:spcBef>
@@ -3952,9 +4011,6 @@
                 </a:spcAft>
                 <a:buNone/>
               </a:pPr>
-              <a:r>
-                <a:t/>
-              </a:r>
               <a:endParaRPr/>
             </a:p>
           </p:txBody>
@@ -3972,7 +4028,7 @@
             </a:xfrm>
             <a:prstGeom prst="parallelogram">
               <a:avLst>
-                <a:gd fmla="val 158024" name="adj"/>
+                <a:gd name="adj" fmla="val 158024"/>
               </a:avLst>
             </a:prstGeom>
             <a:solidFill>
@@ -3983,12 +4039,12 @@
             </a:ln>
           </p:spPr>
           <p:txBody>
-            <a:bodyPr anchorCtr="0" anchor="ctr" bIns="91425" lIns="91425" spcFirstLastPara="1" rIns="91425" wrap="square" tIns="91425">
+            <a:bodyPr spcFirstLastPara="1" wrap="square" lIns="91425" tIns="91425" rIns="91425" bIns="91425" anchor="ctr" anchorCtr="0">
               <a:noAutofit/>
             </a:bodyPr>
             <a:lstStyle/>
             <a:p>
-              <a:pPr indent="0" lvl="0" marL="0">
+              <a:pPr marL="0" lvl="0" indent="0">
                 <a:spcBef>
                   <a:spcPts val="0"/>
                 </a:spcBef>
@@ -3997,9 +4053,6 @@
                 </a:spcAft>
                 <a:buNone/>
               </a:pPr>
-              <a:r>
-                <a:t/>
-              </a:r>
               <a:endParaRPr/>
             </a:p>
           </p:txBody>
@@ -4017,7 +4070,7 @@
             </a:xfrm>
             <a:prstGeom prst="parallelogram">
               <a:avLst>
-                <a:gd fmla="val 158024" name="adj"/>
+                <a:gd name="adj" fmla="val 158024"/>
               </a:avLst>
             </a:prstGeom>
             <a:solidFill>
@@ -4028,12 +4081,12 @@
             </a:ln>
           </p:spPr>
           <p:txBody>
-            <a:bodyPr anchorCtr="0" anchor="ctr" bIns="91425" lIns="91425" spcFirstLastPara="1" rIns="91425" wrap="square" tIns="91425">
+            <a:bodyPr spcFirstLastPara="1" wrap="square" lIns="91425" tIns="91425" rIns="91425" bIns="91425" anchor="ctr" anchorCtr="0">
               <a:noAutofit/>
             </a:bodyPr>
             <a:lstStyle/>
             <a:p>
-              <a:pPr indent="0" lvl="0" marL="0">
+              <a:pPr marL="0" lvl="0" indent="0">
                 <a:spcBef>
                   <a:spcPts val="0"/>
                 </a:spcBef>
@@ -4042,9 +4095,6 @@
                 </a:spcAft>
                 <a:buNone/>
               </a:pPr>
-              <a:r>
-                <a:t/>
-              </a:r>
               <a:endParaRPr/>
             </a:p>
           </p:txBody>
@@ -4077,7 +4127,7 @@
             </a:xfrm>
             <a:prstGeom prst="parallelogram">
               <a:avLst>
-                <a:gd fmla="val 158024" name="adj"/>
+                <a:gd name="adj" fmla="val 158024"/>
               </a:avLst>
             </a:prstGeom>
             <a:solidFill>
@@ -4088,12 +4138,12 @@
             </a:ln>
           </p:spPr>
           <p:txBody>
-            <a:bodyPr anchorCtr="0" anchor="ctr" bIns="91425" lIns="91425" spcFirstLastPara="1" rIns="91425" wrap="square" tIns="91425">
+            <a:bodyPr spcFirstLastPara="1" wrap="square" lIns="91425" tIns="91425" rIns="91425" bIns="91425" anchor="ctr" anchorCtr="0">
               <a:noAutofit/>
             </a:bodyPr>
             <a:lstStyle/>
             <a:p>
-              <a:pPr indent="0" lvl="0" marL="0">
+              <a:pPr marL="0" lvl="0" indent="0">
                 <a:spcBef>
                   <a:spcPts val="0"/>
                 </a:spcBef>
@@ -4102,9 +4152,6 @@
                 </a:spcAft>
                 <a:buNone/>
               </a:pPr>
-              <a:r>
-                <a:t/>
-              </a:r>
               <a:endParaRPr/>
             </a:p>
           </p:txBody>
@@ -4122,7 +4169,7 @@
             </a:xfrm>
             <a:prstGeom prst="parallelogram">
               <a:avLst>
-                <a:gd fmla="val 158024" name="adj"/>
+                <a:gd name="adj" fmla="val 158024"/>
               </a:avLst>
             </a:prstGeom>
             <a:solidFill>
@@ -4133,12 +4180,12 @@
             </a:ln>
           </p:spPr>
           <p:txBody>
-            <a:bodyPr anchorCtr="0" anchor="ctr" bIns="91425" lIns="91425" spcFirstLastPara="1" rIns="91425" wrap="square" tIns="91425">
+            <a:bodyPr spcFirstLastPara="1" wrap="square" lIns="91425" tIns="91425" rIns="91425" bIns="91425" anchor="ctr" anchorCtr="0">
               <a:noAutofit/>
             </a:bodyPr>
             <a:lstStyle/>
             <a:p>
-              <a:pPr indent="0" lvl="0" marL="0">
+              <a:pPr marL="0" lvl="0" indent="0">
                 <a:spcBef>
                   <a:spcPts val="0"/>
                 </a:spcBef>
@@ -4147,9 +4194,6 @@
                 </a:spcAft>
                 <a:buNone/>
               </a:pPr>
-              <a:r>
-                <a:t/>
-              </a:r>
               <a:endParaRPr/>
             </a:p>
           </p:txBody>
@@ -4167,7 +4211,7 @@
             </a:xfrm>
             <a:prstGeom prst="parallelogram">
               <a:avLst>
-                <a:gd fmla="val 158024" name="adj"/>
+                <a:gd name="adj" fmla="val 158024"/>
               </a:avLst>
             </a:prstGeom>
             <a:solidFill>
@@ -4178,12 +4222,12 @@
             </a:ln>
           </p:spPr>
           <p:txBody>
-            <a:bodyPr anchorCtr="0" anchor="ctr" bIns="91425" lIns="91425" spcFirstLastPara="1" rIns="91425" wrap="square" tIns="91425">
+            <a:bodyPr spcFirstLastPara="1" wrap="square" lIns="91425" tIns="91425" rIns="91425" bIns="91425" anchor="ctr" anchorCtr="0">
               <a:noAutofit/>
             </a:bodyPr>
             <a:lstStyle/>
             <a:p>
-              <a:pPr indent="0" lvl="0" marL="0">
+              <a:pPr marL="0" lvl="0" indent="0">
                 <a:spcBef>
                   <a:spcPts val="0"/>
                 </a:spcBef>
@@ -4192,9 +4236,6 @@
                 </a:spcAft>
                 <a:buNone/>
               </a:pPr>
-              <a:r>
-                <a:t/>
-              </a:r>
               <a:endParaRPr/>
             </a:p>
           </p:txBody>
@@ -4203,7 +4244,9 @@
       <p:sp>
         <p:nvSpPr>
           <p:cNvPr id="47" name="Google Shape;47;p3"/>
-          <p:cNvSpPr txBox="1"/>
+          <p:cNvSpPr txBox="1">
+            <a:spLocks noGrp="1"/>
+          </p:cNvSpPr>
           <p:nvPr>
             <p:ph type="title"/>
           </p:nvPr>
@@ -4218,7 +4261,7 @@
           </a:prstGeom>
         </p:spPr>
         <p:txBody>
-          <a:bodyPr anchorCtr="0" anchor="ctr" bIns="91425" lIns="91425" spcFirstLastPara="1" rIns="91425" wrap="square" tIns="91425"/>
+          <a:bodyPr spcFirstLastPara="1" wrap="square" lIns="91425" tIns="91425" rIns="91425" bIns="91425" anchor="ctr" anchorCtr="0"/>
           <a:lstStyle>
             <a:lvl1pPr lvl="0" algn="ctr">
               <a:spcBef>
@@ -4383,15 +4426,19 @@
               </a:defRPr>
             </a:lvl9pPr>
           </a:lstStyle>
-          <a:p/>
+          <a:p>
+            <a:endParaRPr/>
+          </a:p>
         </p:txBody>
       </p:sp>
       <p:sp>
         <p:nvSpPr>
           <p:cNvPr id="48" name="Google Shape;48;p3"/>
-          <p:cNvSpPr txBox="1"/>
+          <p:cNvSpPr txBox="1">
+            <a:spLocks noGrp="1"/>
+          </p:cNvSpPr>
           <p:nvPr>
-            <p:ph idx="12" type="sldNum"/>
+            <p:ph type="sldNum" idx="12"/>
           </p:nvPr>
         </p:nvSpPr>
         <p:spPr>
@@ -4404,7 +4451,7 @@
           </a:prstGeom>
         </p:spPr>
         <p:txBody>
-          <a:bodyPr anchorCtr="0" anchor="ctr" bIns="91425" lIns="91425" spcFirstLastPara="1" rIns="91425" wrap="square" tIns="91425">
+          <a:bodyPr spcFirstLastPara="1" wrap="square" lIns="91425" tIns="91425" rIns="91425" bIns="91425" anchor="ctr" anchorCtr="0">
             <a:noAutofit/>
           </a:bodyPr>
           <a:lstStyle>
@@ -4446,7 +4493,7 @@
             </a:lvl9pPr>
           </a:lstStyle>
           <a:p>
-            <a:pPr indent="0" lvl="0" marL="0">
+            <a:pPr marL="0" lvl="0" indent="0">
               <a:spcBef>
                 <a:spcPts val="0"/>
               </a:spcBef>
@@ -4457,7 +4504,7 @@
             </a:pPr>
             <a:fld id="{00000000-1234-1234-1234-123412341234}" type="slidenum">
               <a:rPr lang="es"/>
-              <a:t>‹#›</a:t>
+              <a:t>‹Nº›</a:t>
             </a:fld>
             <a:endParaRPr/>
           </a:p>
@@ -4472,18 +4519,19 @@
 </file>
 
 <file path=ppt/slideLayouts/slideLayout3.xml><?xml version="1.0" encoding="utf-8"?>
-<p:sldLayout xmlns:a="http://schemas.openxmlformats.org/drawingml/2006/main" xmlns:r="http://schemas.openxmlformats.org/officeDocument/2006/relationships" xmlns:mc="http://schemas.openxmlformats.org/markup-compatibility/2006" xmlns:mv="urn:schemas-microsoft-com:mac:vml" xmlns:p="http://schemas.openxmlformats.org/presentationml/2006/main" xmlns:c="http://schemas.openxmlformats.org/drawingml/2006/chart" xmlns:dgm="http://schemas.openxmlformats.org/drawingml/2006/diagram" xmlns:o="urn:schemas-microsoft-com:office:office" xmlns:v="urn:schemas-microsoft-com:vml" xmlns:pvml="urn:schemas-microsoft-com:office:powerpoint" xmlns:com="http://schemas.openxmlformats.org/drawingml/2006/compatibility" xmlns:p14="http://schemas.microsoft.com/office/powerpoint/2010/main" xmlns:p15="http://schemas.microsoft.com/office/powerpoint/2012/main" matchingName="Title and body" type="tx">
+<p:sldLayout xmlns:a="http://schemas.openxmlformats.org/drawingml/2006/main" xmlns:r="http://schemas.openxmlformats.org/officeDocument/2006/relationships" xmlns:p="http://schemas.openxmlformats.org/presentationml/2006/main" matchingName="Title and body" type="tx">
   <p:cSld name="TITLE_AND_BODY">
     <p:bg>
       <p:bgPr>
         <a:solidFill>
           <a:schemeClr val="dk2"/>
         </a:solidFill>
+        <a:effectLst/>
       </p:bgPr>
     </p:bg>
     <p:spTree>
       <p:nvGrpSpPr>
-        <p:cNvPr id="49" name="Shape 49"/>
+        <p:cNvPr id="1" name="Shape 49"/>
         <p:cNvGrpSpPr/>
         <p:nvPr/>
       </p:nvGrpSpPr>
@@ -4517,12 +4565,12 @@
           </a:ln>
         </p:spPr>
         <p:txBody>
-          <a:bodyPr anchorCtr="0" anchor="ctr" bIns="91425" lIns="91425" spcFirstLastPara="1" rIns="91425" wrap="square" tIns="91425">
+          <a:bodyPr spcFirstLastPara="1" wrap="square" lIns="91425" tIns="91425" rIns="91425" bIns="91425" anchor="ctr" anchorCtr="0">
             <a:noAutofit/>
           </a:bodyPr>
           <a:lstStyle/>
           <a:p>
-            <a:pPr indent="0" lvl="0" marL="0">
+            <a:pPr marL="0" lvl="0" indent="0">
               <a:spcBef>
                 <a:spcPts val="0"/>
               </a:spcBef>
@@ -4531,9 +4579,6 @@
               </a:spcAft>
               <a:buNone/>
             </a:pPr>
-            <a:r>
-              <a:t/>
-            </a:r>
             <a:endParaRPr/>
           </a:p>
         </p:txBody>
@@ -4560,12 +4605,12 @@
           </a:ln>
         </p:spPr>
         <p:txBody>
-          <a:bodyPr anchorCtr="0" anchor="ctr" bIns="91425" lIns="91425" spcFirstLastPara="1" rIns="91425" wrap="square" tIns="91425">
+          <a:bodyPr spcFirstLastPara="1" wrap="square" lIns="91425" tIns="91425" rIns="91425" bIns="91425" anchor="ctr" anchorCtr="0">
             <a:noAutofit/>
           </a:bodyPr>
           <a:lstStyle/>
           <a:p>
-            <a:pPr indent="0" lvl="0" marL="0">
+            <a:pPr marL="0" lvl="0" indent="0">
               <a:spcBef>
                 <a:spcPts val="0"/>
               </a:spcBef>
@@ -4574,9 +4619,6 @@
               </a:spcAft>
               <a:buNone/>
             </a:pPr>
-            <a:r>
-              <a:t/>
-            </a:r>
             <a:endParaRPr/>
           </a:p>
         </p:txBody>
@@ -4602,7 +4644,7 @@
             <a:noFill/>
           </a:ln>
           <a:effectLst>
-            <a:outerShdw blurRad="228600" sx="101000" rotWithShape="0" algn="ctr" sy="101000">
+            <a:outerShdw blurRad="228600" sx="101000" sy="101000" algn="ctr" rotWithShape="0">
               <a:srgbClr val="000000">
                 <a:alpha val="40000"/>
               </a:srgbClr>
@@ -4610,12 +4652,12 @@
           </a:effectLst>
         </p:spPr>
         <p:txBody>
-          <a:bodyPr anchorCtr="0" anchor="ctr" bIns="91425" lIns="91425" spcFirstLastPara="1" rIns="91425" wrap="square" tIns="91425">
+          <a:bodyPr spcFirstLastPara="1" wrap="square" lIns="91425" tIns="91425" rIns="91425" bIns="91425" anchor="ctr" anchorCtr="0">
             <a:noAutofit/>
           </a:bodyPr>
           <a:lstStyle/>
           <a:p>
-            <a:pPr indent="0" lvl="0" marL="0">
+            <a:pPr marL="0" lvl="0" indent="0">
               <a:spcBef>
                 <a:spcPts val="0"/>
               </a:spcBef>
@@ -4624,9 +4666,6 @@
               </a:spcAft>
               <a:buNone/>
             </a:pPr>
-            <a:r>
-              <a:t/>
-            </a:r>
             <a:endParaRPr/>
           </a:p>
         </p:txBody>
@@ -4634,7 +4673,9 @@
       <p:sp>
         <p:nvSpPr>
           <p:cNvPr id="53" name="Google Shape;53;p4"/>
-          <p:cNvSpPr txBox="1"/>
+          <p:cNvSpPr txBox="1">
+            <a:spLocks noGrp="1"/>
+          </p:cNvSpPr>
           <p:nvPr>
             <p:ph type="title"/>
           </p:nvPr>
@@ -4649,7 +4690,7 @@
           </a:prstGeom>
         </p:spPr>
         <p:txBody>
-          <a:bodyPr anchorCtr="0" anchor="t" bIns="91425" lIns="91425" spcFirstLastPara="1" rIns="91425" wrap="square" tIns="91425"/>
+          <a:bodyPr spcFirstLastPara="1" wrap="square" lIns="91425" tIns="91425" rIns="91425" bIns="91425" anchor="t" anchorCtr="0"/>
           <a:lstStyle>
             <a:lvl1pPr lvl="0">
               <a:spcBef>
@@ -4751,15 +4792,19 @@
               <a:defRPr sz="3000"/>
             </a:lvl9pPr>
           </a:lstStyle>
-          <a:p/>
+          <a:p>
+            <a:endParaRPr/>
+          </a:p>
         </p:txBody>
       </p:sp>
       <p:sp>
         <p:nvSpPr>
           <p:cNvPr id="54" name="Google Shape;54;p4"/>
-          <p:cNvSpPr txBox="1"/>
+          <p:cNvSpPr txBox="1">
+            <a:spLocks noGrp="1"/>
+          </p:cNvSpPr>
           <p:nvPr>
-            <p:ph idx="1" type="body"/>
+            <p:ph type="body" idx="1"/>
           </p:nvPr>
         </p:nvSpPr>
         <p:spPr>
@@ -4772,9 +4817,9 @@
           </a:prstGeom>
         </p:spPr>
         <p:txBody>
-          <a:bodyPr anchorCtr="0" anchor="t" bIns="91425" lIns="91425" spcFirstLastPara="1" rIns="91425" wrap="square" tIns="91425"/>
+          <a:bodyPr spcFirstLastPara="1" wrap="square" lIns="91425" tIns="91425" rIns="91425" bIns="91425" anchor="t" anchorCtr="0"/>
           <a:lstStyle>
-            <a:lvl1pPr indent="-311150" lvl="0" marL="457200">
+            <a:lvl1pPr marL="457200" lvl="0" indent="-311150">
               <a:spcBef>
                 <a:spcPts val="0"/>
               </a:spcBef>
@@ -4785,7 +4830,7 @@
               <a:buChar char="●"/>
               <a:defRPr/>
             </a:lvl1pPr>
-            <a:lvl2pPr indent="-298450" lvl="1" marL="914400">
+            <a:lvl2pPr marL="914400" lvl="1" indent="-298450">
               <a:spcBef>
                 <a:spcPts val="1600"/>
               </a:spcBef>
@@ -4796,7 +4841,7 @@
               <a:buChar char="○"/>
               <a:defRPr/>
             </a:lvl2pPr>
-            <a:lvl3pPr indent="-298450" lvl="2" marL="1371600">
+            <a:lvl3pPr marL="1371600" lvl="2" indent="-298450">
               <a:spcBef>
                 <a:spcPts val="1600"/>
               </a:spcBef>
@@ -4807,7 +4852,7 @@
               <a:buChar char="■"/>
               <a:defRPr/>
             </a:lvl3pPr>
-            <a:lvl4pPr indent="-298450" lvl="3" marL="1828800">
+            <a:lvl4pPr marL="1828800" lvl="3" indent="-298450">
               <a:spcBef>
                 <a:spcPts val="1600"/>
               </a:spcBef>
@@ -4818,7 +4863,7 @@
               <a:buChar char="●"/>
               <a:defRPr/>
             </a:lvl4pPr>
-            <a:lvl5pPr indent="-298450" lvl="4" marL="2286000">
+            <a:lvl5pPr marL="2286000" lvl="4" indent="-298450">
               <a:spcBef>
                 <a:spcPts val="1600"/>
               </a:spcBef>
@@ -4829,7 +4874,7 @@
               <a:buChar char="○"/>
               <a:defRPr/>
             </a:lvl5pPr>
-            <a:lvl6pPr indent="-298450" lvl="5" marL="2743200">
+            <a:lvl6pPr marL="2743200" lvl="5" indent="-298450">
               <a:spcBef>
                 <a:spcPts val="1600"/>
               </a:spcBef>
@@ -4840,7 +4885,7 @@
               <a:buChar char="■"/>
               <a:defRPr/>
             </a:lvl6pPr>
-            <a:lvl7pPr indent="-298450" lvl="6" marL="3200400">
+            <a:lvl7pPr marL="3200400" lvl="6" indent="-298450">
               <a:spcBef>
                 <a:spcPts val="1600"/>
               </a:spcBef>
@@ -4851,7 +4896,7 @@
               <a:buChar char="●"/>
               <a:defRPr/>
             </a:lvl7pPr>
-            <a:lvl8pPr indent="-298450" lvl="7" marL="3657600">
+            <a:lvl8pPr marL="3657600" lvl="7" indent="-298450">
               <a:spcBef>
                 <a:spcPts val="1600"/>
               </a:spcBef>
@@ -4862,7 +4907,7 @@
               <a:buChar char="○"/>
               <a:defRPr/>
             </a:lvl8pPr>
-            <a:lvl9pPr indent="-298450" lvl="8" marL="4114800">
+            <a:lvl9pPr marL="4114800" lvl="8" indent="-298450">
               <a:spcBef>
                 <a:spcPts val="1600"/>
               </a:spcBef>
@@ -4874,15 +4919,19 @@
               <a:defRPr/>
             </a:lvl9pPr>
           </a:lstStyle>
-          <a:p/>
+          <a:p>
+            <a:endParaRPr/>
+          </a:p>
         </p:txBody>
       </p:sp>
       <p:sp>
         <p:nvSpPr>
           <p:cNvPr id="55" name="Google Shape;55;p4"/>
-          <p:cNvSpPr txBox="1"/>
+          <p:cNvSpPr txBox="1">
+            <a:spLocks noGrp="1"/>
+          </p:cNvSpPr>
           <p:nvPr>
-            <p:ph idx="12" type="sldNum"/>
+            <p:ph type="sldNum" idx="12"/>
           </p:nvPr>
         </p:nvSpPr>
         <p:spPr>
@@ -4895,7 +4944,7 @@
           </a:prstGeom>
         </p:spPr>
         <p:txBody>
-          <a:bodyPr anchorCtr="0" anchor="ctr" bIns="91425" lIns="91425" spcFirstLastPara="1" rIns="91425" wrap="square" tIns="91425">
+          <a:bodyPr spcFirstLastPara="1" wrap="square" lIns="91425" tIns="91425" rIns="91425" bIns="91425" anchor="ctr" anchorCtr="0">
             <a:noAutofit/>
           </a:bodyPr>
           <a:lstStyle>
@@ -4937,7 +4986,7 @@
             </a:lvl9pPr>
           </a:lstStyle>
           <a:p>
-            <a:pPr indent="0" lvl="0" marL="0">
+            <a:pPr marL="0" lvl="0" indent="0">
               <a:spcBef>
                 <a:spcPts val="0"/>
               </a:spcBef>
@@ -4948,7 +4997,7 @@
             </a:pPr>
             <a:fld id="{00000000-1234-1234-1234-123412341234}" type="slidenum">
               <a:rPr lang="es"/>
-              <a:t>‹#›</a:t>
+              <a:t>‹Nº›</a:t>
             </a:fld>
             <a:endParaRPr/>
           </a:p>
@@ -4963,18 +5012,19 @@
 </file>
 
 <file path=ppt/slideLayouts/slideLayout4.xml><?xml version="1.0" encoding="utf-8"?>
-<p:sldLayout xmlns:a="http://schemas.openxmlformats.org/drawingml/2006/main" xmlns:r="http://schemas.openxmlformats.org/officeDocument/2006/relationships" xmlns:mc="http://schemas.openxmlformats.org/markup-compatibility/2006" xmlns:mv="urn:schemas-microsoft-com:mac:vml" xmlns:p="http://schemas.openxmlformats.org/presentationml/2006/main" xmlns:c="http://schemas.openxmlformats.org/drawingml/2006/chart" xmlns:dgm="http://schemas.openxmlformats.org/drawingml/2006/diagram" xmlns:o="urn:schemas-microsoft-com:office:office" xmlns:v="urn:schemas-microsoft-com:vml" xmlns:pvml="urn:schemas-microsoft-com:office:powerpoint" xmlns:com="http://schemas.openxmlformats.org/drawingml/2006/compatibility" xmlns:p14="http://schemas.microsoft.com/office/powerpoint/2010/main" xmlns:p15="http://schemas.microsoft.com/office/powerpoint/2012/main" matchingName="Title and two columns" type="twoColTx">
+<p:sldLayout xmlns:a="http://schemas.openxmlformats.org/drawingml/2006/main" xmlns:r="http://schemas.openxmlformats.org/officeDocument/2006/relationships" xmlns:p="http://schemas.openxmlformats.org/presentationml/2006/main" matchingName="Title and two columns" type="twoColTx">
   <p:cSld name="TITLE_AND_TWO_COLUMNS">
     <p:bg>
       <p:bgPr>
         <a:solidFill>
           <a:schemeClr val="dk2"/>
         </a:solidFill>
+        <a:effectLst/>
       </p:bgPr>
     </p:bg>
     <p:spTree>
       <p:nvGrpSpPr>
-        <p:cNvPr id="56" name="Shape 56"/>
+        <p:cNvPr id="1" name="Shape 56"/>
         <p:cNvGrpSpPr/>
         <p:nvPr/>
       </p:nvGrpSpPr>
@@ -5008,12 +5058,12 @@
           </a:ln>
         </p:spPr>
         <p:txBody>
-          <a:bodyPr anchorCtr="0" anchor="ctr" bIns="91425" lIns="91425" spcFirstLastPara="1" rIns="91425" wrap="square" tIns="91425">
+          <a:bodyPr spcFirstLastPara="1" wrap="square" lIns="91425" tIns="91425" rIns="91425" bIns="91425" anchor="ctr" anchorCtr="0">
             <a:noAutofit/>
           </a:bodyPr>
           <a:lstStyle/>
           <a:p>
-            <a:pPr indent="0" lvl="0" marL="0">
+            <a:pPr marL="0" lvl="0" indent="0">
               <a:spcBef>
                 <a:spcPts val="0"/>
               </a:spcBef>
@@ -5022,9 +5072,6 @@
               </a:spcAft>
               <a:buNone/>
             </a:pPr>
-            <a:r>
-              <a:t/>
-            </a:r>
             <a:endParaRPr/>
           </a:p>
         </p:txBody>
@@ -5051,12 +5098,12 @@
           </a:ln>
         </p:spPr>
         <p:txBody>
-          <a:bodyPr anchorCtr="0" anchor="ctr" bIns="91425" lIns="91425" spcFirstLastPara="1" rIns="91425" wrap="square" tIns="91425">
+          <a:bodyPr spcFirstLastPara="1" wrap="square" lIns="91425" tIns="91425" rIns="91425" bIns="91425" anchor="ctr" anchorCtr="0">
             <a:noAutofit/>
           </a:bodyPr>
           <a:lstStyle/>
           <a:p>
-            <a:pPr indent="0" lvl="0" marL="0">
+            <a:pPr marL="0" lvl="0" indent="0">
               <a:spcBef>
                 <a:spcPts val="0"/>
               </a:spcBef>
@@ -5065,9 +5112,6 @@
               </a:spcAft>
               <a:buNone/>
             </a:pPr>
-            <a:r>
-              <a:t/>
-            </a:r>
             <a:endParaRPr/>
           </a:p>
         </p:txBody>
@@ -5093,7 +5137,7 @@
             <a:noFill/>
           </a:ln>
           <a:effectLst>
-            <a:outerShdw blurRad="228600" sx="101000" rotWithShape="0" algn="ctr" sy="101000">
+            <a:outerShdw blurRad="228600" sx="101000" sy="101000" algn="ctr" rotWithShape="0">
               <a:srgbClr val="000000">
                 <a:alpha val="40000"/>
               </a:srgbClr>
@@ -5101,12 +5145,12 @@
           </a:effectLst>
         </p:spPr>
         <p:txBody>
-          <a:bodyPr anchorCtr="0" anchor="ctr" bIns="91425" lIns="91425" spcFirstLastPara="1" rIns="91425" wrap="square" tIns="91425">
+          <a:bodyPr spcFirstLastPara="1" wrap="square" lIns="91425" tIns="91425" rIns="91425" bIns="91425" anchor="ctr" anchorCtr="0">
             <a:noAutofit/>
           </a:bodyPr>
           <a:lstStyle/>
           <a:p>
-            <a:pPr indent="0" lvl="0" marL="0">
+            <a:pPr marL="0" lvl="0" indent="0">
               <a:spcBef>
                 <a:spcPts val="0"/>
               </a:spcBef>
@@ -5115,9 +5159,6 @@
               </a:spcAft>
               <a:buNone/>
             </a:pPr>
-            <a:r>
-              <a:t/>
-            </a:r>
             <a:endParaRPr/>
           </a:p>
         </p:txBody>
@@ -5125,7 +5166,9 @@
       <p:sp>
         <p:nvSpPr>
           <p:cNvPr id="60" name="Google Shape;60;p5"/>
-          <p:cNvSpPr txBox="1"/>
+          <p:cNvSpPr txBox="1">
+            <a:spLocks noGrp="1"/>
+          </p:cNvSpPr>
           <p:nvPr>
             <p:ph type="title"/>
           </p:nvPr>
@@ -5140,7 +5183,7 @@
           </a:prstGeom>
         </p:spPr>
         <p:txBody>
-          <a:bodyPr anchorCtr="0" anchor="t" bIns="91425" lIns="91425" spcFirstLastPara="1" rIns="91425" wrap="square" tIns="91425"/>
+          <a:bodyPr spcFirstLastPara="1" wrap="square" lIns="91425" tIns="91425" rIns="91425" bIns="91425" anchor="t" anchorCtr="0"/>
           <a:lstStyle>
             <a:lvl1pPr lvl="0">
               <a:spcBef>
@@ -5242,15 +5285,19 @@
               <a:defRPr sz="3000"/>
             </a:lvl9pPr>
           </a:lstStyle>
-          <a:p/>
+          <a:p>
+            <a:endParaRPr/>
+          </a:p>
         </p:txBody>
       </p:sp>
       <p:sp>
         <p:nvSpPr>
           <p:cNvPr id="61" name="Google Shape;61;p5"/>
-          <p:cNvSpPr txBox="1"/>
+          <p:cNvSpPr txBox="1">
+            <a:spLocks noGrp="1"/>
+          </p:cNvSpPr>
           <p:nvPr>
-            <p:ph idx="1" type="body"/>
+            <p:ph type="body" idx="1"/>
           </p:nvPr>
         </p:nvSpPr>
         <p:spPr>
@@ -5263,9 +5310,9 @@
           </a:prstGeom>
         </p:spPr>
         <p:txBody>
-          <a:bodyPr anchorCtr="0" anchor="t" bIns="91425" lIns="91425" spcFirstLastPara="1" rIns="91425" wrap="square" tIns="91425"/>
+          <a:bodyPr spcFirstLastPara="1" wrap="square" lIns="91425" tIns="91425" rIns="91425" bIns="91425" anchor="t" anchorCtr="0"/>
           <a:lstStyle>
-            <a:lvl1pPr indent="-311150" lvl="0" marL="457200">
+            <a:lvl1pPr marL="457200" lvl="0" indent="-311150">
               <a:spcBef>
                 <a:spcPts val="0"/>
               </a:spcBef>
@@ -5276,7 +5323,7 @@
               <a:buChar char="●"/>
               <a:defRPr/>
             </a:lvl1pPr>
-            <a:lvl2pPr indent="-298450" lvl="1" marL="914400">
+            <a:lvl2pPr marL="914400" lvl="1" indent="-298450">
               <a:spcBef>
                 <a:spcPts val="1600"/>
               </a:spcBef>
@@ -5287,7 +5334,7 @@
               <a:buChar char="○"/>
               <a:defRPr/>
             </a:lvl2pPr>
-            <a:lvl3pPr indent="-298450" lvl="2" marL="1371600">
+            <a:lvl3pPr marL="1371600" lvl="2" indent="-298450">
               <a:spcBef>
                 <a:spcPts val="1600"/>
               </a:spcBef>
@@ -5298,7 +5345,7 @@
               <a:buChar char="■"/>
               <a:defRPr/>
             </a:lvl3pPr>
-            <a:lvl4pPr indent="-298450" lvl="3" marL="1828800">
+            <a:lvl4pPr marL="1828800" lvl="3" indent="-298450">
               <a:spcBef>
                 <a:spcPts val="1600"/>
               </a:spcBef>
@@ -5309,7 +5356,7 @@
               <a:buChar char="●"/>
               <a:defRPr/>
             </a:lvl4pPr>
-            <a:lvl5pPr indent="-298450" lvl="4" marL="2286000">
+            <a:lvl5pPr marL="2286000" lvl="4" indent="-298450">
               <a:spcBef>
                 <a:spcPts val="1600"/>
               </a:spcBef>
@@ -5320,7 +5367,7 @@
               <a:buChar char="○"/>
               <a:defRPr/>
             </a:lvl5pPr>
-            <a:lvl6pPr indent="-298450" lvl="5" marL="2743200">
+            <a:lvl6pPr marL="2743200" lvl="5" indent="-298450">
               <a:spcBef>
                 <a:spcPts val="1600"/>
               </a:spcBef>
@@ -5331,7 +5378,7 @@
               <a:buChar char="■"/>
               <a:defRPr/>
             </a:lvl6pPr>
-            <a:lvl7pPr indent="-298450" lvl="6" marL="3200400">
+            <a:lvl7pPr marL="3200400" lvl="6" indent="-298450">
               <a:spcBef>
                 <a:spcPts val="1600"/>
               </a:spcBef>
@@ -5342,7 +5389,7 @@
               <a:buChar char="●"/>
               <a:defRPr/>
             </a:lvl7pPr>
-            <a:lvl8pPr indent="-298450" lvl="7" marL="3657600">
+            <a:lvl8pPr marL="3657600" lvl="7" indent="-298450">
               <a:spcBef>
                 <a:spcPts val="1600"/>
               </a:spcBef>
@@ -5353,7 +5400,7 @@
               <a:buChar char="○"/>
               <a:defRPr/>
             </a:lvl8pPr>
-            <a:lvl9pPr indent="-298450" lvl="8" marL="4114800">
+            <a:lvl9pPr marL="4114800" lvl="8" indent="-298450">
               <a:spcBef>
                 <a:spcPts val="1600"/>
               </a:spcBef>
@@ -5365,15 +5412,19 @@
               <a:defRPr/>
             </a:lvl9pPr>
           </a:lstStyle>
-          <a:p/>
+          <a:p>
+            <a:endParaRPr/>
+          </a:p>
         </p:txBody>
       </p:sp>
       <p:sp>
         <p:nvSpPr>
           <p:cNvPr id="62" name="Google Shape;62;p5"/>
-          <p:cNvSpPr txBox="1"/>
+          <p:cNvSpPr txBox="1">
+            <a:spLocks noGrp="1"/>
+          </p:cNvSpPr>
           <p:nvPr>
-            <p:ph idx="2" type="body"/>
+            <p:ph type="body" idx="2"/>
           </p:nvPr>
         </p:nvSpPr>
         <p:spPr>
@@ -5386,9 +5437,9 @@
           </a:prstGeom>
         </p:spPr>
         <p:txBody>
-          <a:bodyPr anchorCtr="0" anchor="t" bIns="91425" lIns="91425" spcFirstLastPara="1" rIns="91425" wrap="square" tIns="91425"/>
+          <a:bodyPr spcFirstLastPara="1" wrap="square" lIns="91425" tIns="91425" rIns="91425" bIns="91425" anchor="t" anchorCtr="0"/>
           <a:lstStyle>
-            <a:lvl1pPr indent="-311150" lvl="0" marL="457200">
+            <a:lvl1pPr marL="457200" lvl="0" indent="-311150">
               <a:spcBef>
                 <a:spcPts val="0"/>
               </a:spcBef>
@@ -5399,7 +5450,7 @@
               <a:buChar char="●"/>
               <a:defRPr/>
             </a:lvl1pPr>
-            <a:lvl2pPr indent="-298450" lvl="1" marL="914400">
+            <a:lvl2pPr marL="914400" lvl="1" indent="-298450">
               <a:spcBef>
                 <a:spcPts val="1600"/>
               </a:spcBef>
@@ -5410,7 +5461,7 @@
               <a:buChar char="○"/>
               <a:defRPr/>
             </a:lvl2pPr>
-            <a:lvl3pPr indent="-298450" lvl="2" marL="1371600">
+            <a:lvl3pPr marL="1371600" lvl="2" indent="-298450">
               <a:spcBef>
                 <a:spcPts val="1600"/>
               </a:spcBef>
@@ -5421,7 +5472,7 @@
               <a:buChar char="■"/>
               <a:defRPr/>
             </a:lvl3pPr>
-            <a:lvl4pPr indent="-298450" lvl="3" marL="1828800">
+            <a:lvl4pPr marL="1828800" lvl="3" indent="-298450">
               <a:spcBef>
                 <a:spcPts val="1600"/>
               </a:spcBef>
@@ -5432,7 +5483,7 @@
               <a:buChar char="●"/>
               <a:defRPr/>
             </a:lvl4pPr>
-            <a:lvl5pPr indent="-298450" lvl="4" marL="2286000">
+            <a:lvl5pPr marL="2286000" lvl="4" indent="-298450">
               <a:spcBef>
                 <a:spcPts val="1600"/>
               </a:spcBef>
@@ -5443,7 +5494,7 @@
               <a:buChar char="○"/>
               <a:defRPr/>
             </a:lvl5pPr>
-            <a:lvl6pPr indent="-298450" lvl="5" marL="2743200">
+            <a:lvl6pPr marL="2743200" lvl="5" indent="-298450">
               <a:spcBef>
                 <a:spcPts val="1600"/>
               </a:spcBef>
@@ -5454,7 +5505,7 @@
               <a:buChar char="■"/>
               <a:defRPr/>
             </a:lvl6pPr>
-            <a:lvl7pPr indent="-298450" lvl="6" marL="3200400">
+            <a:lvl7pPr marL="3200400" lvl="6" indent="-298450">
               <a:spcBef>
                 <a:spcPts val="1600"/>
               </a:spcBef>
@@ -5465,7 +5516,7 @@
               <a:buChar char="●"/>
               <a:defRPr/>
             </a:lvl7pPr>
-            <a:lvl8pPr indent="-298450" lvl="7" marL="3657600">
+            <a:lvl8pPr marL="3657600" lvl="7" indent="-298450">
               <a:spcBef>
                 <a:spcPts val="1600"/>
               </a:spcBef>
@@ -5476,7 +5527,7 @@
               <a:buChar char="○"/>
               <a:defRPr/>
             </a:lvl8pPr>
-            <a:lvl9pPr indent="-298450" lvl="8" marL="4114800">
+            <a:lvl9pPr marL="4114800" lvl="8" indent="-298450">
               <a:spcBef>
                 <a:spcPts val="1600"/>
               </a:spcBef>
@@ -5488,15 +5539,19 @@
               <a:defRPr/>
             </a:lvl9pPr>
           </a:lstStyle>
-          <a:p/>
+          <a:p>
+            <a:endParaRPr/>
+          </a:p>
         </p:txBody>
       </p:sp>
       <p:sp>
         <p:nvSpPr>
           <p:cNvPr id="63" name="Google Shape;63;p5"/>
-          <p:cNvSpPr txBox="1"/>
+          <p:cNvSpPr txBox="1">
+            <a:spLocks noGrp="1"/>
+          </p:cNvSpPr>
           <p:nvPr>
-            <p:ph idx="12" type="sldNum"/>
+            <p:ph type="sldNum" idx="12"/>
           </p:nvPr>
         </p:nvSpPr>
         <p:spPr>
@@ -5509,7 +5564,7 @@
           </a:prstGeom>
         </p:spPr>
         <p:txBody>
-          <a:bodyPr anchorCtr="0" anchor="ctr" bIns="91425" lIns="91425" spcFirstLastPara="1" rIns="91425" wrap="square" tIns="91425">
+          <a:bodyPr spcFirstLastPara="1" wrap="square" lIns="91425" tIns="91425" rIns="91425" bIns="91425" anchor="ctr" anchorCtr="0">
             <a:noAutofit/>
           </a:bodyPr>
           <a:lstStyle>
@@ -5551,7 +5606,7 @@
             </a:lvl9pPr>
           </a:lstStyle>
           <a:p>
-            <a:pPr indent="0" lvl="0" marL="0">
+            <a:pPr marL="0" lvl="0" indent="0">
               <a:spcBef>
                 <a:spcPts val="0"/>
               </a:spcBef>
@@ -5562,7 +5617,7 @@
             </a:pPr>
             <a:fld id="{00000000-1234-1234-1234-123412341234}" type="slidenum">
               <a:rPr lang="es"/>
-              <a:t>‹#›</a:t>
+              <a:t>‹Nº›</a:t>
             </a:fld>
             <a:endParaRPr/>
           </a:p>
@@ -5577,18 +5632,19 @@
 </file>
 
 <file path=ppt/slideLayouts/slideLayout5.xml><?xml version="1.0" encoding="utf-8"?>
-<p:sldLayout xmlns:a="http://schemas.openxmlformats.org/drawingml/2006/main" xmlns:r="http://schemas.openxmlformats.org/officeDocument/2006/relationships" xmlns:mc="http://schemas.openxmlformats.org/markup-compatibility/2006" xmlns:mv="urn:schemas-microsoft-com:mac:vml" xmlns:p="http://schemas.openxmlformats.org/presentationml/2006/main" xmlns:c="http://schemas.openxmlformats.org/drawingml/2006/chart" xmlns:dgm="http://schemas.openxmlformats.org/drawingml/2006/diagram" xmlns:o="urn:schemas-microsoft-com:office:office" xmlns:v="urn:schemas-microsoft-com:vml" xmlns:pvml="urn:schemas-microsoft-com:office:powerpoint" xmlns:com="http://schemas.openxmlformats.org/drawingml/2006/compatibility" xmlns:p14="http://schemas.microsoft.com/office/powerpoint/2010/main" xmlns:p15="http://schemas.microsoft.com/office/powerpoint/2012/main" matchingName="Title only" type="titleOnly">
+<p:sldLayout xmlns:a="http://schemas.openxmlformats.org/drawingml/2006/main" xmlns:r="http://schemas.openxmlformats.org/officeDocument/2006/relationships" xmlns:p="http://schemas.openxmlformats.org/presentationml/2006/main" matchingName="Title only" type="titleOnly">
   <p:cSld name="TITLE_ONLY">
     <p:bg>
       <p:bgPr>
         <a:solidFill>
           <a:schemeClr val="dk2"/>
         </a:solidFill>
+        <a:effectLst/>
       </p:bgPr>
     </p:bg>
     <p:spTree>
       <p:nvGrpSpPr>
-        <p:cNvPr id="64" name="Shape 64"/>
+        <p:cNvPr id="1" name="Shape 64"/>
         <p:cNvGrpSpPr/>
         <p:nvPr/>
       </p:nvGrpSpPr>
@@ -5622,12 +5678,12 @@
           </a:ln>
         </p:spPr>
         <p:txBody>
-          <a:bodyPr anchorCtr="0" anchor="ctr" bIns="91425" lIns="91425" spcFirstLastPara="1" rIns="91425" wrap="square" tIns="91425">
+          <a:bodyPr spcFirstLastPara="1" wrap="square" lIns="91425" tIns="91425" rIns="91425" bIns="91425" anchor="ctr" anchorCtr="0">
             <a:noAutofit/>
           </a:bodyPr>
           <a:lstStyle/>
           <a:p>
-            <a:pPr indent="0" lvl="0" marL="0">
+            <a:pPr marL="0" lvl="0" indent="0">
               <a:spcBef>
                 <a:spcPts val="0"/>
               </a:spcBef>
@@ -5636,9 +5692,6 @@
               </a:spcAft>
               <a:buNone/>
             </a:pPr>
-            <a:r>
-              <a:t/>
-            </a:r>
             <a:endParaRPr/>
           </a:p>
         </p:txBody>
@@ -5665,12 +5718,12 @@
           </a:ln>
         </p:spPr>
         <p:txBody>
-          <a:bodyPr anchorCtr="0" anchor="ctr" bIns="91425" lIns="91425" spcFirstLastPara="1" rIns="91425" wrap="square" tIns="91425">
+          <a:bodyPr spcFirstLastPara="1" wrap="square" lIns="91425" tIns="91425" rIns="91425" bIns="91425" anchor="ctr" anchorCtr="0">
             <a:noAutofit/>
           </a:bodyPr>
           <a:lstStyle/>
           <a:p>
-            <a:pPr indent="0" lvl="0" marL="0">
+            <a:pPr marL="0" lvl="0" indent="0">
               <a:spcBef>
                 <a:spcPts val="0"/>
               </a:spcBef>
@@ -5679,9 +5732,6 @@
               </a:spcAft>
               <a:buNone/>
             </a:pPr>
-            <a:r>
-              <a:t/>
-            </a:r>
             <a:endParaRPr/>
           </a:p>
         </p:txBody>
@@ -5707,7 +5757,7 @@
             <a:noFill/>
           </a:ln>
           <a:effectLst>
-            <a:outerShdw blurRad="228600" sx="101000" rotWithShape="0" algn="ctr" sy="101000">
+            <a:outerShdw blurRad="228600" sx="101000" sy="101000" algn="ctr" rotWithShape="0">
               <a:srgbClr val="000000">
                 <a:alpha val="40000"/>
               </a:srgbClr>
@@ -5715,12 +5765,12 @@
           </a:effectLst>
         </p:spPr>
         <p:txBody>
-          <a:bodyPr anchorCtr="0" anchor="ctr" bIns="91425" lIns="91425" spcFirstLastPara="1" rIns="91425" wrap="square" tIns="91425">
+          <a:bodyPr spcFirstLastPara="1" wrap="square" lIns="91425" tIns="91425" rIns="91425" bIns="91425" anchor="ctr" anchorCtr="0">
             <a:noAutofit/>
           </a:bodyPr>
           <a:lstStyle/>
           <a:p>
-            <a:pPr indent="0" lvl="0" marL="0">
+            <a:pPr marL="0" lvl="0" indent="0">
               <a:spcBef>
                 <a:spcPts val="0"/>
               </a:spcBef>
@@ -5729,9 +5779,6 @@
               </a:spcAft>
               <a:buNone/>
             </a:pPr>
-            <a:r>
-              <a:t/>
-            </a:r>
             <a:endParaRPr/>
           </a:p>
         </p:txBody>
@@ -5739,7 +5786,9 @@
       <p:sp>
         <p:nvSpPr>
           <p:cNvPr id="68" name="Google Shape;68;p6"/>
-          <p:cNvSpPr txBox="1"/>
+          <p:cNvSpPr txBox="1">
+            <a:spLocks noGrp="1"/>
+          </p:cNvSpPr>
           <p:nvPr>
             <p:ph type="title"/>
           </p:nvPr>
@@ -5754,7 +5803,7 @@
           </a:prstGeom>
         </p:spPr>
         <p:txBody>
-          <a:bodyPr anchorCtr="0" anchor="t" bIns="91425" lIns="91425" spcFirstLastPara="1" rIns="91425" wrap="square" tIns="91425"/>
+          <a:bodyPr spcFirstLastPara="1" wrap="square" lIns="91425" tIns="91425" rIns="91425" bIns="91425" anchor="t" anchorCtr="0"/>
           <a:lstStyle>
             <a:lvl1pPr lvl="0">
               <a:spcBef>
@@ -5856,15 +5905,19 @@
               <a:defRPr sz="3000"/>
             </a:lvl9pPr>
           </a:lstStyle>
-          <a:p/>
+          <a:p>
+            <a:endParaRPr/>
+          </a:p>
         </p:txBody>
       </p:sp>
       <p:sp>
         <p:nvSpPr>
           <p:cNvPr id="69" name="Google Shape;69;p6"/>
-          <p:cNvSpPr txBox="1"/>
+          <p:cNvSpPr txBox="1">
+            <a:spLocks noGrp="1"/>
+          </p:cNvSpPr>
           <p:nvPr>
-            <p:ph idx="12" type="sldNum"/>
+            <p:ph type="sldNum" idx="12"/>
           </p:nvPr>
         </p:nvSpPr>
         <p:spPr>
@@ -5877,7 +5930,7 @@
           </a:prstGeom>
         </p:spPr>
         <p:txBody>
-          <a:bodyPr anchorCtr="0" anchor="ctr" bIns="91425" lIns="91425" spcFirstLastPara="1" rIns="91425" wrap="square" tIns="91425">
+          <a:bodyPr spcFirstLastPara="1" wrap="square" lIns="91425" tIns="91425" rIns="91425" bIns="91425" anchor="ctr" anchorCtr="0">
             <a:noAutofit/>
           </a:bodyPr>
           <a:lstStyle>
@@ -5919,7 +5972,7 @@
             </a:lvl9pPr>
           </a:lstStyle>
           <a:p>
-            <a:pPr indent="0" lvl="0" marL="0">
+            <a:pPr marL="0" lvl="0" indent="0">
               <a:spcBef>
                 <a:spcPts val="0"/>
               </a:spcBef>
@@ -5930,7 +5983,7 @@
             </a:pPr>
             <a:fld id="{00000000-1234-1234-1234-123412341234}" type="slidenum">
               <a:rPr lang="es"/>
-              <a:t>‹#›</a:t>
+              <a:t>‹Nº›</a:t>
             </a:fld>
             <a:endParaRPr/>
           </a:p>
@@ -5945,18 +5998,19 @@
 </file>
 
 <file path=ppt/slideLayouts/slideLayout6.xml><?xml version="1.0" encoding="utf-8"?>
-<p:sldLayout xmlns:a="http://schemas.openxmlformats.org/drawingml/2006/main" xmlns:r="http://schemas.openxmlformats.org/officeDocument/2006/relationships" xmlns:mc="http://schemas.openxmlformats.org/markup-compatibility/2006" xmlns:mv="urn:schemas-microsoft-com:mac:vml" xmlns:p="http://schemas.openxmlformats.org/presentationml/2006/main" xmlns:c="http://schemas.openxmlformats.org/drawingml/2006/chart" xmlns:dgm="http://schemas.openxmlformats.org/drawingml/2006/diagram" xmlns:o="urn:schemas-microsoft-com:office:office" xmlns:v="urn:schemas-microsoft-com:vml" xmlns:pvml="urn:schemas-microsoft-com:office:powerpoint" xmlns:com="http://schemas.openxmlformats.org/drawingml/2006/compatibility" xmlns:p14="http://schemas.microsoft.com/office/powerpoint/2010/main" xmlns:p15="http://schemas.microsoft.com/office/powerpoint/2012/main" matchingName="One column text">
+<p:sldLayout xmlns:a="http://schemas.openxmlformats.org/drawingml/2006/main" xmlns:r="http://schemas.openxmlformats.org/officeDocument/2006/relationships" xmlns:p="http://schemas.openxmlformats.org/presentationml/2006/main" matchingName="One column text">
   <p:cSld name="ONE_COLUMN_TEXT">
     <p:bg>
       <p:bgPr>
         <a:solidFill>
           <a:schemeClr val="accent3"/>
         </a:solidFill>
+        <a:effectLst/>
       </p:bgPr>
     </p:bg>
     <p:spTree>
       <p:nvGrpSpPr>
-        <p:cNvPr id="70" name="Shape 70"/>
+        <p:cNvPr id="1" name="Shape 70"/>
         <p:cNvGrpSpPr/>
         <p:nvPr/>
       </p:nvGrpSpPr>
@@ -5990,12 +6044,12 @@
           </a:ln>
         </p:spPr>
         <p:txBody>
-          <a:bodyPr anchorCtr="0" anchor="ctr" bIns="91425" lIns="91425" spcFirstLastPara="1" rIns="91425" wrap="square" tIns="91425">
+          <a:bodyPr spcFirstLastPara="1" wrap="square" lIns="91425" tIns="91425" rIns="91425" bIns="91425" anchor="ctr" anchorCtr="0">
             <a:noAutofit/>
           </a:bodyPr>
           <a:lstStyle/>
           <a:p>
-            <a:pPr indent="0" lvl="0" marL="0">
+            <a:pPr marL="0" lvl="0" indent="0">
               <a:spcBef>
                 <a:spcPts val="0"/>
               </a:spcBef>
@@ -6004,9 +6058,6 @@
               </a:spcAft>
               <a:buNone/>
             </a:pPr>
-            <a:r>
-              <a:t/>
-            </a:r>
             <a:endParaRPr/>
           </a:p>
         </p:txBody>
@@ -6033,12 +6084,12 @@
           </a:ln>
         </p:spPr>
         <p:txBody>
-          <a:bodyPr anchorCtr="0" anchor="ctr" bIns="91425" lIns="91425" spcFirstLastPara="1" rIns="91425" wrap="square" tIns="91425">
+          <a:bodyPr spcFirstLastPara="1" wrap="square" lIns="91425" tIns="91425" rIns="91425" bIns="91425" anchor="ctr" anchorCtr="0">
             <a:noAutofit/>
           </a:bodyPr>
           <a:lstStyle/>
           <a:p>
-            <a:pPr indent="0" lvl="0" marL="0">
+            <a:pPr marL="0" lvl="0" indent="0">
               <a:spcBef>
                 <a:spcPts val="0"/>
               </a:spcBef>
@@ -6047,9 +6098,6 @@
               </a:spcAft>
               <a:buNone/>
             </a:pPr>
-            <a:r>
-              <a:t/>
-            </a:r>
             <a:endParaRPr/>
           </a:p>
         </p:txBody>
@@ -6075,7 +6123,7 @@
             <a:noFill/>
           </a:ln>
           <a:effectLst>
-            <a:outerShdw blurRad="228600" sx="101000" rotWithShape="0" algn="ctr" sy="101000">
+            <a:outerShdw blurRad="228600" sx="101000" sy="101000" algn="ctr" rotWithShape="0">
               <a:srgbClr val="000000">
                 <a:alpha val="40000"/>
               </a:srgbClr>
@@ -6083,12 +6131,12 @@
           </a:effectLst>
         </p:spPr>
         <p:txBody>
-          <a:bodyPr anchorCtr="0" anchor="ctr" bIns="91425" lIns="91425" spcFirstLastPara="1" rIns="91425" wrap="square" tIns="91425">
+          <a:bodyPr spcFirstLastPara="1" wrap="square" lIns="91425" tIns="91425" rIns="91425" bIns="91425" anchor="ctr" anchorCtr="0">
             <a:noAutofit/>
           </a:bodyPr>
           <a:lstStyle/>
           <a:p>
-            <a:pPr indent="0" lvl="0" marL="0">
+            <a:pPr marL="0" lvl="0" indent="0">
               <a:spcBef>
                 <a:spcPts val="0"/>
               </a:spcBef>
@@ -6097,9 +6145,6 @@
               </a:spcAft>
               <a:buNone/>
             </a:pPr>
-            <a:r>
-              <a:t/>
-            </a:r>
             <a:endParaRPr/>
           </a:p>
         </p:txBody>
@@ -6107,7 +6152,9 @@
       <p:sp>
         <p:nvSpPr>
           <p:cNvPr id="74" name="Google Shape;74;p7"/>
-          <p:cNvSpPr txBox="1"/>
+          <p:cNvSpPr txBox="1">
+            <a:spLocks noGrp="1"/>
+          </p:cNvSpPr>
           <p:nvPr>
             <p:ph type="title"/>
           </p:nvPr>
@@ -6122,7 +6169,7 @@
           </a:prstGeom>
         </p:spPr>
         <p:txBody>
-          <a:bodyPr anchorCtr="0" anchor="t" bIns="91425" lIns="91425" spcFirstLastPara="1" rIns="91425" wrap="square" tIns="91425"/>
+          <a:bodyPr spcFirstLastPara="1" wrap="square" lIns="91425" tIns="91425" rIns="91425" bIns="91425" anchor="t" anchorCtr="0"/>
           <a:lstStyle>
             <a:lvl1pPr lvl="0">
               <a:spcBef>
@@ -6224,15 +6271,19 @@
               <a:defRPr sz="3000"/>
             </a:lvl9pPr>
           </a:lstStyle>
-          <a:p/>
+          <a:p>
+            <a:endParaRPr/>
+          </a:p>
         </p:txBody>
       </p:sp>
       <p:sp>
         <p:nvSpPr>
           <p:cNvPr id="75" name="Google Shape;75;p7"/>
-          <p:cNvSpPr txBox="1"/>
+          <p:cNvSpPr txBox="1">
+            <a:spLocks noGrp="1"/>
+          </p:cNvSpPr>
           <p:nvPr>
-            <p:ph idx="1" type="body"/>
+            <p:ph type="body" idx="1"/>
           </p:nvPr>
         </p:nvSpPr>
         <p:spPr>
@@ -6245,9 +6296,9 @@
           </a:prstGeom>
         </p:spPr>
         <p:txBody>
-          <a:bodyPr anchorCtr="0" anchor="t" bIns="91425" lIns="91425" spcFirstLastPara="1" rIns="91425" wrap="square" tIns="91425"/>
+          <a:bodyPr spcFirstLastPara="1" wrap="square" lIns="91425" tIns="91425" rIns="91425" bIns="91425" anchor="t" anchorCtr="0"/>
           <a:lstStyle>
-            <a:lvl1pPr indent="-311150" lvl="0" marL="457200">
+            <a:lvl1pPr marL="457200" lvl="0" indent="-311150">
               <a:spcBef>
                 <a:spcPts val="0"/>
               </a:spcBef>
@@ -6258,7 +6309,7 @@
               <a:buChar char="●"/>
               <a:defRPr/>
             </a:lvl1pPr>
-            <a:lvl2pPr indent="-298450" lvl="1" marL="914400">
+            <a:lvl2pPr marL="914400" lvl="1" indent="-298450">
               <a:spcBef>
                 <a:spcPts val="1600"/>
               </a:spcBef>
@@ -6269,7 +6320,7 @@
               <a:buChar char="○"/>
               <a:defRPr/>
             </a:lvl2pPr>
-            <a:lvl3pPr indent="-298450" lvl="2" marL="1371600">
+            <a:lvl3pPr marL="1371600" lvl="2" indent="-298450">
               <a:spcBef>
                 <a:spcPts val="1600"/>
               </a:spcBef>
@@ -6280,7 +6331,7 @@
               <a:buChar char="■"/>
               <a:defRPr/>
             </a:lvl3pPr>
-            <a:lvl4pPr indent="-298450" lvl="3" marL="1828800">
+            <a:lvl4pPr marL="1828800" lvl="3" indent="-298450">
               <a:spcBef>
                 <a:spcPts val="1600"/>
               </a:spcBef>
@@ -6291,7 +6342,7 @@
               <a:buChar char="●"/>
               <a:defRPr/>
             </a:lvl4pPr>
-            <a:lvl5pPr indent="-298450" lvl="4" marL="2286000">
+            <a:lvl5pPr marL="2286000" lvl="4" indent="-298450">
               <a:spcBef>
                 <a:spcPts val="1600"/>
               </a:spcBef>
@@ -6302,7 +6353,7 @@
               <a:buChar char="○"/>
               <a:defRPr/>
             </a:lvl5pPr>
-            <a:lvl6pPr indent="-298450" lvl="5" marL="2743200">
+            <a:lvl6pPr marL="2743200" lvl="5" indent="-298450">
               <a:spcBef>
                 <a:spcPts val="1600"/>
               </a:spcBef>
@@ -6313,7 +6364,7 @@
               <a:buChar char="■"/>
               <a:defRPr/>
             </a:lvl6pPr>
-            <a:lvl7pPr indent="-298450" lvl="6" marL="3200400">
+            <a:lvl7pPr marL="3200400" lvl="6" indent="-298450">
               <a:spcBef>
                 <a:spcPts val="1600"/>
               </a:spcBef>
@@ -6324,7 +6375,7 @@
               <a:buChar char="●"/>
               <a:defRPr/>
             </a:lvl7pPr>
-            <a:lvl8pPr indent="-298450" lvl="7" marL="3657600">
+            <a:lvl8pPr marL="3657600" lvl="7" indent="-298450">
               <a:spcBef>
                 <a:spcPts val="1600"/>
               </a:spcBef>
@@ -6335,7 +6386,7 @@
               <a:buChar char="○"/>
               <a:defRPr/>
             </a:lvl8pPr>
-            <a:lvl9pPr indent="-298450" lvl="8" marL="4114800">
+            <a:lvl9pPr marL="4114800" lvl="8" indent="-298450">
               <a:spcBef>
                 <a:spcPts val="1600"/>
               </a:spcBef>
@@ -6347,15 +6398,19 @@
               <a:defRPr/>
             </a:lvl9pPr>
           </a:lstStyle>
-          <a:p/>
+          <a:p>
+            <a:endParaRPr/>
+          </a:p>
         </p:txBody>
       </p:sp>
       <p:sp>
         <p:nvSpPr>
           <p:cNvPr id="76" name="Google Shape;76;p7"/>
-          <p:cNvSpPr txBox="1"/>
+          <p:cNvSpPr txBox="1">
+            <a:spLocks noGrp="1"/>
+          </p:cNvSpPr>
           <p:nvPr>
-            <p:ph idx="12" type="sldNum"/>
+            <p:ph type="sldNum" idx="12"/>
           </p:nvPr>
         </p:nvSpPr>
         <p:spPr>
@@ -6368,7 +6423,7 @@
           </a:prstGeom>
         </p:spPr>
         <p:txBody>
-          <a:bodyPr anchorCtr="0" anchor="ctr" bIns="91425" lIns="91425" spcFirstLastPara="1" rIns="91425" wrap="square" tIns="91425">
+          <a:bodyPr spcFirstLastPara="1" wrap="square" lIns="91425" tIns="91425" rIns="91425" bIns="91425" anchor="ctr" anchorCtr="0">
             <a:noAutofit/>
           </a:bodyPr>
           <a:lstStyle>
@@ -6410,7 +6465,7 @@
             </a:lvl9pPr>
           </a:lstStyle>
           <a:p>
-            <a:pPr indent="0" lvl="0" marL="0">
+            <a:pPr marL="0" lvl="0" indent="0">
               <a:spcBef>
                 <a:spcPts val="0"/>
               </a:spcBef>
@@ -6421,7 +6476,7 @@
             </a:pPr>
             <a:fld id="{00000000-1234-1234-1234-123412341234}" type="slidenum">
               <a:rPr lang="es"/>
-              <a:t>‹#›</a:t>
+              <a:t>‹Nº›</a:t>
             </a:fld>
             <a:endParaRPr/>
           </a:p>
@@ -6436,18 +6491,19 @@
 </file>
 
 <file path=ppt/slideLayouts/slideLayout7.xml><?xml version="1.0" encoding="utf-8"?>
-<p:sldLayout xmlns:a="http://schemas.openxmlformats.org/drawingml/2006/main" xmlns:r="http://schemas.openxmlformats.org/officeDocument/2006/relationships" xmlns:mc="http://schemas.openxmlformats.org/markup-compatibility/2006" xmlns:mv="urn:schemas-microsoft-com:mac:vml" xmlns:p="http://schemas.openxmlformats.org/presentationml/2006/main" xmlns:c="http://schemas.openxmlformats.org/drawingml/2006/chart" xmlns:dgm="http://schemas.openxmlformats.org/drawingml/2006/diagram" xmlns:o="urn:schemas-microsoft-com:office:office" xmlns:v="urn:schemas-microsoft-com:vml" xmlns:pvml="urn:schemas-microsoft-com:office:powerpoint" xmlns:com="http://schemas.openxmlformats.org/drawingml/2006/compatibility" xmlns:p14="http://schemas.microsoft.com/office/powerpoint/2010/main" xmlns:p15="http://schemas.microsoft.com/office/powerpoint/2012/main" matchingName="Main point">
+<p:sldLayout xmlns:a="http://schemas.openxmlformats.org/drawingml/2006/main" xmlns:r="http://schemas.openxmlformats.org/officeDocument/2006/relationships" xmlns:p="http://schemas.openxmlformats.org/presentationml/2006/main" matchingName="Main point">
   <p:cSld name="MAIN_POINT">
     <p:bg>
       <p:bgPr>
         <a:solidFill>
           <a:schemeClr val="accent1"/>
         </a:solidFill>
+        <a:effectLst/>
       </p:bgPr>
     </p:bg>
     <p:spTree>
       <p:nvGrpSpPr>
-        <p:cNvPr id="77" name="Shape 77"/>
+        <p:cNvPr id="1" name="Shape 77"/>
         <p:cNvGrpSpPr/>
         <p:nvPr/>
       </p:nvGrpSpPr>
@@ -6481,12 +6537,12 @@
           </a:ln>
         </p:spPr>
         <p:txBody>
-          <a:bodyPr anchorCtr="0" anchor="ctr" bIns="91425" lIns="91425" spcFirstLastPara="1" rIns="91425" wrap="square" tIns="91425">
+          <a:bodyPr spcFirstLastPara="1" wrap="square" lIns="91425" tIns="91425" rIns="91425" bIns="91425" anchor="ctr" anchorCtr="0">
             <a:noAutofit/>
           </a:bodyPr>
           <a:lstStyle/>
           <a:p>
-            <a:pPr indent="0" lvl="0" marL="0">
+            <a:pPr marL="0" lvl="0" indent="0">
               <a:spcBef>
                 <a:spcPts val="0"/>
               </a:spcBef>
@@ -6495,9 +6551,6 @@
               </a:spcAft>
               <a:buNone/>
             </a:pPr>
-            <a:r>
-              <a:t/>
-            </a:r>
             <a:endParaRPr/>
           </a:p>
         </p:txBody>
@@ -6524,12 +6577,12 @@
           </a:ln>
         </p:spPr>
         <p:txBody>
-          <a:bodyPr anchorCtr="0" anchor="ctr" bIns="91425" lIns="91425" spcFirstLastPara="1" rIns="91425" wrap="square" tIns="91425">
+          <a:bodyPr spcFirstLastPara="1" wrap="square" lIns="91425" tIns="91425" rIns="91425" bIns="91425" anchor="ctr" anchorCtr="0">
             <a:noAutofit/>
           </a:bodyPr>
           <a:lstStyle/>
           <a:p>
-            <a:pPr indent="0" lvl="0" marL="0">
+            <a:pPr marL="0" lvl="0" indent="0">
               <a:spcBef>
                 <a:spcPts val="0"/>
               </a:spcBef>
@@ -6538,9 +6591,6 @@
               </a:spcAft>
               <a:buNone/>
             </a:pPr>
-            <a:r>
-              <a:t/>
-            </a:r>
             <a:endParaRPr/>
           </a:p>
         </p:txBody>
@@ -6572,7 +6622,7 @@
             </a:xfrm>
             <a:prstGeom prst="parallelogram">
               <a:avLst>
-                <a:gd fmla="val 153193" name="adj"/>
+                <a:gd name="adj" fmla="val 153193"/>
               </a:avLst>
             </a:prstGeom>
             <a:solidFill>
@@ -6583,12 +6633,12 @@
             </a:ln>
           </p:spPr>
           <p:txBody>
-            <a:bodyPr anchorCtr="0" anchor="ctr" bIns="91425" lIns="91425" spcFirstLastPara="1" rIns="91425" wrap="square" tIns="91425">
+            <a:bodyPr spcFirstLastPara="1" wrap="square" lIns="91425" tIns="91425" rIns="91425" bIns="91425" anchor="ctr" anchorCtr="0">
               <a:noAutofit/>
             </a:bodyPr>
             <a:lstStyle/>
             <a:p>
-              <a:pPr indent="0" lvl="0" marL="0">
+              <a:pPr marL="0" lvl="0" indent="0">
                 <a:spcBef>
                   <a:spcPts val="0"/>
                 </a:spcBef>
@@ -6597,9 +6647,6 @@
                 </a:spcAft>
                 <a:buNone/>
               </a:pPr>
-              <a:r>
-                <a:t/>
-              </a:r>
               <a:endParaRPr/>
             </a:p>
           </p:txBody>
@@ -6617,7 +6664,7 @@
             </a:xfrm>
             <a:prstGeom prst="parallelogram">
               <a:avLst>
-                <a:gd fmla="val 153193" name="adj"/>
+                <a:gd name="adj" fmla="val 153193"/>
               </a:avLst>
             </a:prstGeom>
             <a:solidFill>
@@ -6628,12 +6675,12 @@
             </a:ln>
           </p:spPr>
           <p:txBody>
-            <a:bodyPr anchorCtr="0" anchor="ctr" bIns="91425" lIns="91425" spcFirstLastPara="1" rIns="91425" wrap="square" tIns="91425">
+            <a:bodyPr spcFirstLastPara="1" wrap="square" lIns="91425" tIns="91425" rIns="91425" bIns="91425" anchor="ctr" anchorCtr="0">
               <a:noAutofit/>
             </a:bodyPr>
             <a:lstStyle/>
             <a:p>
-              <a:pPr indent="0" lvl="0" marL="0">
+              <a:pPr marL="0" lvl="0" indent="0">
                 <a:spcBef>
                   <a:spcPts val="0"/>
                 </a:spcBef>
@@ -6642,9 +6689,6 @@
                 </a:spcAft>
                 <a:buNone/>
               </a:pPr>
-              <a:r>
-                <a:t/>
-              </a:r>
               <a:endParaRPr/>
             </a:p>
           </p:txBody>
@@ -6662,7 +6706,7 @@
             </a:xfrm>
             <a:prstGeom prst="parallelogram">
               <a:avLst>
-                <a:gd fmla="val 153193" name="adj"/>
+                <a:gd name="adj" fmla="val 153193"/>
               </a:avLst>
             </a:prstGeom>
             <a:solidFill>
@@ -6673,12 +6717,12 @@
             </a:ln>
           </p:spPr>
           <p:txBody>
-            <a:bodyPr anchorCtr="0" anchor="ctr" bIns="91425" lIns="91425" spcFirstLastPara="1" rIns="91425" wrap="square" tIns="91425">
+            <a:bodyPr spcFirstLastPara="1" wrap="square" lIns="91425" tIns="91425" rIns="91425" bIns="91425" anchor="ctr" anchorCtr="0">
               <a:noAutofit/>
             </a:bodyPr>
             <a:lstStyle/>
             <a:p>
-              <a:pPr indent="0" lvl="0" marL="0">
+              <a:pPr marL="0" lvl="0" indent="0">
                 <a:spcBef>
                   <a:spcPts val="0"/>
                 </a:spcBef>
@@ -6687,9 +6731,6 @@
                 </a:spcAft>
                 <a:buNone/>
               </a:pPr>
-              <a:r>
-                <a:t/>
-              </a:r>
               <a:endParaRPr/>
             </a:p>
           </p:txBody>
@@ -6716,7 +6757,7 @@
             <a:noFill/>
           </a:ln>
           <a:effectLst>
-            <a:outerShdw blurRad="228600" sx="101000" rotWithShape="0" algn="ctr" sy="101000">
+            <a:outerShdw blurRad="228600" sx="101000" sy="101000" algn="ctr" rotWithShape="0">
               <a:srgbClr val="000000">
                 <a:alpha val="40000"/>
               </a:srgbClr>
@@ -6724,12 +6765,12 @@
           </a:effectLst>
         </p:spPr>
         <p:txBody>
-          <a:bodyPr anchorCtr="0" anchor="ctr" bIns="91425" lIns="91425" spcFirstLastPara="1" rIns="91425" wrap="square" tIns="91425">
+          <a:bodyPr spcFirstLastPara="1" wrap="square" lIns="91425" tIns="91425" rIns="91425" bIns="91425" anchor="ctr" anchorCtr="0">
             <a:noAutofit/>
           </a:bodyPr>
           <a:lstStyle/>
           <a:p>
-            <a:pPr indent="0" lvl="0" marL="0">
+            <a:pPr marL="0" lvl="0" indent="0">
               <a:spcBef>
                 <a:spcPts val="0"/>
               </a:spcBef>
@@ -6738,9 +6779,6 @@
               </a:spcAft>
               <a:buNone/>
             </a:pPr>
-            <a:r>
-              <a:t/>
-            </a:r>
             <a:endParaRPr/>
           </a:p>
         </p:txBody>
@@ -6772,7 +6810,7 @@
             </a:xfrm>
             <a:prstGeom prst="parallelogram">
               <a:avLst>
-                <a:gd fmla="val 158024" name="adj"/>
+                <a:gd name="adj" fmla="val 158024"/>
               </a:avLst>
             </a:prstGeom>
             <a:solidFill>
@@ -6783,12 +6821,12 @@
             </a:ln>
           </p:spPr>
           <p:txBody>
-            <a:bodyPr anchorCtr="0" anchor="ctr" bIns="91425" lIns="91425" spcFirstLastPara="1" rIns="91425" wrap="square" tIns="91425">
+            <a:bodyPr spcFirstLastPara="1" wrap="square" lIns="91425" tIns="91425" rIns="91425" bIns="91425" anchor="ctr" anchorCtr="0">
               <a:noAutofit/>
             </a:bodyPr>
             <a:lstStyle/>
             <a:p>
-              <a:pPr indent="0" lvl="0" marL="0">
+              <a:pPr marL="0" lvl="0" indent="0">
                 <a:spcBef>
                   <a:spcPts val="0"/>
                 </a:spcBef>
@@ -6797,9 +6835,6 @@
                 </a:spcAft>
                 <a:buNone/>
               </a:pPr>
-              <a:r>
-                <a:t/>
-              </a:r>
               <a:endParaRPr/>
             </a:p>
           </p:txBody>
@@ -6817,7 +6852,7 @@
             </a:xfrm>
             <a:prstGeom prst="parallelogram">
               <a:avLst>
-                <a:gd fmla="val 158024" name="adj"/>
+                <a:gd name="adj" fmla="val 158024"/>
               </a:avLst>
             </a:prstGeom>
             <a:solidFill>
@@ -6828,12 +6863,12 @@
             </a:ln>
           </p:spPr>
           <p:txBody>
-            <a:bodyPr anchorCtr="0" anchor="ctr" bIns="91425" lIns="91425" spcFirstLastPara="1" rIns="91425" wrap="square" tIns="91425">
+            <a:bodyPr spcFirstLastPara="1" wrap="square" lIns="91425" tIns="91425" rIns="91425" bIns="91425" anchor="ctr" anchorCtr="0">
               <a:noAutofit/>
             </a:bodyPr>
             <a:lstStyle/>
             <a:p>
-              <a:pPr indent="0" lvl="0" marL="0">
+              <a:pPr marL="0" lvl="0" indent="0">
                 <a:spcBef>
                   <a:spcPts val="0"/>
                 </a:spcBef>
@@ -6842,9 +6877,6 @@
                 </a:spcAft>
                 <a:buNone/>
               </a:pPr>
-              <a:r>
-                <a:t/>
-              </a:r>
               <a:endParaRPr/>
             </a:p>
           </p:txBody>
@@ -6862,7 +6894,7 @@
             </a:xfrm>
             <a:prstGeom prst="parallelogram">
               <a:avLst>
-                <a:gd fmla="val 158024" name="adj"/>
+                <a:gd name="adj" fmla="val 158024"/>
               </a:avLst>
             </a:prstGeom>
             <a:solidFill>
@@ -6873,12 +6905,12 @@
             </a:ln>
           </p:spPr>
           <p:txBody>
-            <a:bodyPr anchorCtr="0" anchor="ctr" bIns="91425" lIns="91425" spcFirstLastPara="1" rIns="91425" wrap="square" tIns="91425">
+            <a:bodyPr spcFirstLastPara="1" wrap="square" lIns="91425" tIns="91425" rIns="91425" bIns="91425" anchor="ctr" anchorCtr="0">
               <a:noAutofit/>
             </a:bodyPr>
             <a:lstStyle/>
             <a:p>
-              <a:pPr indent="0" lvl="0" marL="0">
+              <a:pPr marL="0" lvl="0" indent="0">
                 <a:spcBef>
                   <a:spcPts val="0"/>
                 </a:spcBef>
@@ -6887,9 +6919,6 @@
                 </a:spcAft>
                 <a:buNone/>
               </a:pPr>
-              <a:r>
-                <a:t/>
-              </a:r>
               <a:endParaRPr/>
             </a:p>
           </p:txBody>
@@ -6922,7 +6951,7 @@
             </a:xfrm>
             <a:prstGeom prst="parallelogram">
               <a:avLst>
-                <a:gd fmla="val 158024" name="adj"/>
+                <a:gd name="adj" fmla="val 158024"/>
               </a:avLst>
             </a:prstGeom>
             <a:solidFill>
@@ -6933,12 +6962,12 @@
             </a:ln>
           </p:spPr>
           <p:txBody>
-            <a:bodyPr anchorCtr="0" anchor="ctr" bIns="91425" lIns="91425" spcFirstLastPara="1" rIns="91425" wrap="square" tIns="91425">
+            <a:bodyPr spcFirstLastPara="1" wrap="square" lIns="91425" tIns="91425" rIns="91425" bIns="91425" anchor="ctr" anchorCtr="0">
               <a:noAutofit/>
             </a:bodyPr>
             <a:lstStyle/>
             <a:p>
-              <a:pPr indent="0" lvl="0" marL="0">
+              <a:pPr marL="0" lvl="0" indent="0">
                 <a:spcBef>
                   <a:spcPts val="0"/>
                 </a:spcBef>
@@ -6947,9 +6976,6 @@
                 </a:spcAft>
                 <a:buNone/>
               </a:pPr>
-              <a:r>
-                <a:t/>
-              </a:r>
               <a:endParaRPr/>
             </a:p>
           </p:txBody>
@@ -6967,7 +6993,7 @@
             </a:xfrm>
             <a:prstGeom prst="parallelogram">
               <a:avLst>
-                <a:gd fmla="val 158024" name="adj"/>
+                <a:gd name="adj" fmla="val 158024"/>
               </a:avLst>
             </a:prstGeom>
             <a:solidFill>
@@ -6978,12 +7004,12 @@
             </a:ln>
           </p:spPr>
           <p:txBody>
-            <a:bodyPr anchorCtr="0" anchor="ctr" bIns="91425" lIns="91425" spcFirstLastPara="1" rIns="91425" wrap="square" tIns="91425">
+            <a:bodyPr spcFirstLastPara="1" wrap="square" lIns="91425" tIns="91425" rIns="91425" bIns="91425" anchor="ctr" anchorCtr="0">
               <a:noAutofit/>
             </a:bodyPr>
             <a:lstStyle/>
             <a:p>
-              <a:pPr indent="0" lvl="0" marL="0">
+              <a:pPr marL="0" lvl="0" indent="0">
                 <a:spcBef>
                   <a:spcPts val="0"/>
                 </a:spcBef>
@@ -6992,9 +7018,6 @@
                 </a:spcAft>
                 <a:buNone/>
               </a:pPr>
-              <a:r>
-                <a:t/>
-              </a:r>
               <a:endParaRPr/>
             </a:p>
           </p:txBody>
@@ -7012,7 +7035,7 @@
             </a:xfrm>
             <a:prstGeom prst="parallelogram">
               <a:avLst>
-                <a:gd fmla="val 158024" name="adj"/>
+                <a:gd name="adj" fmla="val 158024"/>
               </a:avLst>
             </a:prstGeom>
             <a:solidFill>
@@ -7023,12 +7046,12 @@
             </a:ln>
           </p:spPr>
           <p:txBody>
-            <a:bodyPr anchorCtr="0" anchor="ctr" bIns="91425" lIns="91425" spcFirstLastPara="1" rIns="91425" wrap="square" tIns="91425">
+            <a:bodyPr spcFirstLastPara="1" wrap="square" lIns="91425" tIns="91425" rIns="91425" bIns="91425" anchor="ctr" anchorCtr="0">
               <a:noAutofit/>
             </a:bodyPr>
             <a:lstStyle/>
             <a:p>
-              <a:pPr indent="0" lvl="0" marL="0">
+              <a:pPr marL="0" lvl="0" indent="0">
                 <a:spcBef>
                   <a:spcPts val="0"/>
                 </a:spcBef>
@@ -7037,9 +7060,6 @@
                 </a:spcAft>
                 <a:buNone/>
               </a:pPr>
-              <a:r>
-                <a:t/>
-              </a:r>
               <a:endParaRPr/>
             </a:p>
           </p:txBody>
@@ -7048,7 +7068,9 @@
       <p:sp>
         <p:nvSpPr>
           <p:cNvPr id="93" name="Google Shape;93;p8"/>
-          <p:cNvSpPr txBox="1"/>
+          <p:cNvSpPr txBox="1">
+            <a:spLocks noGrp="1"/>
+          </p:cNvSpPr>
           <p:nvPr>
             <p:ph type="title"/>
           </p:nvPr>
@@ -7063,7 +7085,7 @@
           </a:prstGeom>
         </p:spPr>
         <p:txBody>
-          <a:bodyPr anchorCtr="0" anchor="ctr" bIns="91425" lIns="91425" spcFirstLastPara="1" rIns="91425" wrap="square" tIns="91425"/>
+          <a:bodyPr spcFirstLastPara="1" wrap="square" lIns="91425" tIns="91425" rIns="91425" bIns="91425" anchor="ctr" anchorCtr="0"/>
           <a:lstStyle>
             <a:lvl1pPr lvl="0" algn="ctr">
               <a:spcBef>
@@ -7165,15 +7187,19 @@
               <a:defRPr sz="3200"/>
             </a:lvl9pPr>
           </a:lstStyle>
-          <a:p/>
+          <a:p>
+            <a:endParaRPr/>
+          </a:p>
         </p:txBody>
       </p:sp>
       <p:sp>
         <p:nvSpPr>
           <p:cNvPr id="94" name="Google Shape;94;p8"/>
-          <p:cNvSpPr txBox="1"/>
+          <p:cNvSpPr txBox="1">
+            <a:spLocks noGrp="1"/>
+          </p:cNvSpPr>
           <p:nvPr>
-            <p:ph idx="12" type="sldNum"/>
+            <p:ph type="sldNum" idx="12"/>
           </p:nvPr>
         </p:nvSpPr>
         <p:spPr>
@@ -7186,7 +7212,7 @@
           </a:prstGeom>
         </p:spPr>
         <p:txBody>
-          <a:bodyPr anchorCtr="0" anchor="ctr" bIns="91425" lIns="91425" spcFirstLastPara="1" rIns="91425" wrap="square" tIns="91425">
+          <a:bodyPr spcFirstLastPara="1" wrap="square" lIns="91425" tIns="91425" rIns="91425" bIns="91425" anchor="ctr" anchorCtr="0">
             <a:noAutofit/>
           </a:bodyPr>
           <a:lstStyle>
@@ -7228,7 +7254,7 @@
             </a:lvl9pPr>
           </a:lstStyle>
           <a:p>
-            <a:pPr indent="0" lvl="0" marL="0">
+            <a:pPr marL="0" lvl="0" indent="0">
               <a:spcBef>
                 <a:spcPts val="0"/>
               </a:spcBef>
@@ -7239,7 +7265,7 @@
             </a:pPr>
             <a:fld id="{00000000-1234-1234-1234-123412341234}" type="slidenum">
               <a:rPr lang="es"/>
-              <a:t>‹#›</a:t>
+              <a:t>‹Nº›</a:t>
             </a:fld>
             <a:endParaRPr/>
           </a:p>
@@ -7254,18 +7280,19 @@
 </file>
 
 <file path=ppt/slideLayouts/slideLayout8.xml><?xml version="1.0" encoding="utf-8"?>
-<p:sldLayout xmlns:a="http://schemas.openxmlformats.org/drawingml/2006/main" xmlns:r="http://schemas.openxmlformats.org/officeDocument/2006/relationships" xmlns:mc="http://schemas.openxmlformats.org/markup-compatibility/2006" xmlns:mv="urn:schemas-microsoft-com:mac:vml" xmlns:p="http://schemas.openxmlformats.org/presentationml/2006/main" xmlns:c="http://schemas.openxmlformats.org/drawingml/2006/chart" xmlns:dgm="http://schemas.openxmlformats.org/drawingml/2006/diagram" xmlns:o="urn:schemas-microsoft-com:office:office" xmlns:v="urn:schemas-microsoft-com:vml" xmlns:pvml="urn:schemas-microsoft-com:office:powerpoint" xmlns:com="http://schemas.openxmlformats.org/drawingml/2006/compatibility" xmlns:p14="http://schemas.microsoft.com/office/powerpoint/2010/main" xmlns:p15="http://schemas.microsoft.com/office/powerpoint/2012/main" matchingName="Section title and description">
+<p:sldLayout xmlns:a="http://schemas.openxmlformats.org/drawingml/2006/main" xmlns:r="http://schemas.openxmlformats.org/officeDocument/2006/relationships" xmlns:p="http://schemas.openxmlformats.org/presentationml/2006/main" matchingName="Section title and description">
   <p:cSld name="SECTION_TITLE_AND_DESCRIPTION">
     <p:bg>
       <p:bgPr>
         <a:solidFill>
           <a:schemeClr val="dk2"/>
         </a:solidFill>
+        <a:effectLst/>
       </p:bgPr>
     </p:bg>
     <p:spTree>
       <p:nvGrpSpPr>
-        <p:cNvPr id="95" name="Shape 95"/>
+        <p:cNvPr id="1" name="Shape 95"/>
         <p:cNvGrpSpPr/>
         <p:nvPr/>
       </p:nvGrpSpPr>
@@ -7299,12 +7326,12 @@
           </a:ln>
         </p:spPr>
         <p:txBody>
-          <a:bodyPr anchorCtr="0" anchor="ctr" bIns="91425" lIns="91425" spcFirstLastPara="1" rIns="91425" wrap="square" tIns="91425">
+          <a:bodyPr spcFirstLastPara="1" wrap="square" lIns="91425" tIns="91425" rIns="91425" bIns="91425" anchor="ctr" anchorCtr="0">
             <a:noAutofit/>
           </a:bodyPr>
           <a:lstStyle/>
           <a:p>
-            <a:pPr indent="0" lvl="0" marL="0">
+            <a:pPr marL="0" lvl="0" indent="0">
               <a:spcBef>
                 <a:spcPts val="0"/>
               </a:spcBef>
@@ -7313,9 +7340,6 @@
               </a:spcAft>
               <a:buNone/>
             </a:pPr>
-            <a:r>
-              <a:t/>
-            </a:r>
             <a:endParaRPr/>
           </a:p>
         </p:txBody>
@@ -7342,12 +7366,12 @@
           </a:ln>
         </p:spPr>
         <p:txBody>
-          <a:bodyPr anchorCtr="0" anchor="ctr" bIns="91425" lIns="91425" spcFirstLastPara="1" rIns="91425" wrap="square" tIns="91425">
+          <a:bodyPr spcFirstLastPara="1" wrap="square" lIns="91425" tIns="91425" rIns="91425" bIns="91425" anchor="ctr" anchorCtr="0">
             <a:noAutofit/>
           </a:bodyPr>
           <a:lstStyle/>
           <a:p>
-            <a:pPr indent="0" lvl="0" marL="0">
+            <a:pPr marL="0" lvl="0" indent="0">
               <a:spcBef>
                 <a:spcPts val="0"/>
               </a:spcBef>
@@ -7356,9 +7380,6 @@
               </a:spcAft>
               <a:buNone/>
             </a:pPr>
-            <a:r>
-              <a:t/>
-            </a:r>
             <a:endParaRPr/>
           </a:p>
         </p:txBody>
@@ -7384,7 +7405,7 @@
             <a:noFill/>
           </a:ln>
           <a:effectLst>
-            <a:outerShdw blurRad="228600" sx="101000" rotWithShape="0" algn="ctr" sy="101000">
+            <a:outerShdw blurRad="228600" sx="101000" sy="101000" algn="ctr" rotWithShape="0">
               <a:srgbClr val="000000">
                 <a:alpha val="40000"/>
               </a:srgbClr>
@@ -7392,12 +7413,12 @@
           </a:effectLst>
         </p:spPr>
         <p:txBody>
-          <a:bodyPr anchorCtr="0" anchor="ctr" bIns="91425" lIns="91425" spcFirstLastPara="1" rIns="91425" wrap="square" tIns="91425">
+          <a:bodyPr spcFirstLastPara="1" wrap="square" lIns="91425" tIns="91425" rIns="91425" bIns="91425" anchor="ctr" anchorCtr="0">
             <a:noAutofit/>
           </a:bodyPr>
           <a:lstStyle/>
           <a:p>
-            <a:pPr indent="0" lvl="0" marL="0">
+            <a:pPr marL="0" lvl="0" indent="0">
               <a:spcBef>
                 <a:spcPts val="0"/>
               </a:spcBef>
@@ -7406,9 +7427,6 @@
               </a:spcAft>
               <a:buNone/>
             </a:pPr>
-            <a:r>
-              <a:t/>
-            </a:r>
             <a:endParaRPr/>
           </a:p>
         </p:txBody>
@@ -7416,7 +7434,9 @@
       <p:sp>
         <p:nvSpPr>
           <p:cNvPr id="99" name="Google Shape;99;p9"/>
-          <p:cNvSpPr txBox="1"/>
+          <p:cNvSpPr txBox="1">
+            <a:spLocks noGrp="1"/>
+          </p:cNvSpPr>
           <p:nvPr>
             <p:ph type="title"/>
           </p:nvPr>
@@ -7431,7 +7451,7 @@
           </a:prstGeom>
         </p:spPr>
         <p:txBody>
-          <a:bodyPr anchorCtr="0" anchor="t" bIns="91425" lIns="91425" spcFirstLastPara="1" rIns="91425" wrap="square" tIns="91425"/>
+          <a:bodyPr spcFirstLastPara="1" wrap="square" lIns="91425" tIns="91425" rIns="91425" bIns="91425" anchor="t" anchorCtr="0"/>
           <a:lstStyle>
             <a:lvl1pPr lvl="0">
               <a:spcBef>
@@ -7533,15 +7553,19 @@
               <a:defRPr sz="3000"/>
             </a:lvl9pPr>
           </a:lstStyle>
-          <a:p/>
+          <a:p>
+            <a:endParaRPr/>
+          </a:p>
         </p:txBody>
       </p:sp>
       <p:sp>
         <p:nvSpPr>
           <p:cNvPr id="100" name="Google Shape;100;p9"/>
-          <p:cNvSpPr txBox="1"/>
+          <p:cNvSpPr txBox="1">
+            <a:spLocks noGrp="1"/>
+          </p:cNvSpPr>
           <p:nvPr>
-            <p:ph idx="1" type="subTitle"/>
+            <p:ph type="subTitle" idx="1"/>
           </p:nvPr>
         </p:nvSpPr>
         <p:spPr>
@@ -7554,7 +7578,7 @@
           </a:prstGeom>
         </p:spPr>
         <p:txBody>
-          <a:bodyPr anchorCtr="0" anchor="t" bIns="91425" lIns="91425" spcFirstLastPara="1" rIns="91425" wrap="square" tIns="91425"/>
+          <a:bodyPr spcFirstLastPara="1" wrap="square" lIns="91425" tIns="91425" rIns="91425" bIns="91425" anchor="t" anchorCtr="0"/>
           <a:lstStyle>
             <a:lvl1pPr lvl="0">
               <a:lnSpc>
@@ -7746,15 +7770,19 @@
               </a:defRPr>
             </a:lvl9pPr>
           </a:lstStyle>
-          <a:p/>
+          <a:p>
+            <a:endParaRPr/>
+          </a:p>
         </p:txBody>
       </p:sp>
       <p:sp>
         <p:nvSpPr>
           <p:cNvPr id="101" name="Google Shape;101;p9"/>
-          <p:cNvSpPr txBox="1"/>
+          <p:cNvSpPr txBox="1">
+            <a:spLocks noGrp="1"/>
+          </p:cNvSpPr>
           <p:nvPr>
-            <p:ph idx="2" type="body"/>
+            <p:ph type="body" idx="2"/>
           </p:nvPr>
         </p:nvSpPr>
         <p:spPr>
@@ -7767,9 +7795,9 @@
           </a:prstGeom>
         </p:spPr>
         <p:txBody>
-          <a:bodyPr anchorCtr="0" anchor="t" bIns="91425" lIns="91425" spcFirstLastPara="1" rIns="91425" wrap="square" tIns="91425"/>
+          <a:bodyPr spcFirstLastPara="1" wrap="square" lIns="91425" tIns="91425" rIns="91425" bIns="91425" anchor="t" anchorCtr="0"/>
           <a:lstStyle>
-            <a:lvl1pPr indent="-311150" lvl="0" marL="457200">
+            <a:lvl1pPr marL="457200" lvl="0" indent="-311150">
               <a:spcBef>
                 <a:spcPts val="0"/>
               </a:spcBef>
@@ -7780,7 +7808,7 @@
               <a:buChar char="●"/>
               <a:defRPr/>
             </a:lvl1pPr>
-            <a:lvl2pPr indent="-298450" lvl="1" marL="914400">
+            <a:lvl2pPr marL="914400" lvl="1" indent="-298450">
               <a:spcBef>
                 <a:spcPts val="1600"/>
               </a:spcBef>
@@ -7791,7 +7819,7 @@
               <a:buChar char="○"/>
               <a:defRPr/>
             </a:lvl2pPr>
-            <a:lvl3pPr indent="-298450" lvl="2" marL="1371600">
+            <a:lvl3pPr marL="1371600" lvl="2" indent="-298450">
               <a:spcBef>
                 <a:spcPts val="1600"/>
               </a:spcBef>
@@ -7802,7 +7830,7 @@
               <a:buChar char="■"/>
               <a:defRPr/>
             </a:lvl3pPr>
-            <a:lvl4pPr indent="-298450" lvl="3" marL="1828800">
+            <a:lvl4pPr marL="1828800" lvl="3" indent="-298450">
               <a:spcBef>
                 <a:spcPts val="1600"/>
               </a:spcBef>
@@ -7813,7 +7841,7 @@
               <a:buChar char="●"/>
               <a:defRPr/>
             </a:lvl4pPr>
-            <a:lvl5pPr indent="-298450" lvl="4" marL="2286000">
+            <a:lvl5pPr marL="2286000" lvl="4" indent="-298450">
               <a:spcBef>
                 <a:spcPts val="1600"/>
               </a:spcBef>
@@ -7824,7 +7852,7 @@
               <a:buChar char="○"/>
               <a:defRPr/>
             </a:lvl5pPr>
-            <a:lvl6pPr indent="-298450" lvl="5" marL="2743200">
+            <a:lvl6pPr marL="2743200" lvl="5" indent="-298450">
               <a:spcBef>
                 <a:spcPts val="1600"/>
               </a:spcBef>
@@ -7835,7 +7863,7 @@
               <a:buChar char="■"/>
               <a:defRPr/>
             </a:lvl6pPr>
-            <a:lvl7pPr indent="-298450" lvl="6" marL="3200400">
+            <a:lvl7pPr marL="3200400" lvl="6" indent="-298450">
               <a:spcBef>
                 <a:spcPts val="1600"/>
               </a:spcBef>
@@ -7846,7 +7874,7 @@
               <a:buChar char="●"/>
               <a:defRPr/>
             </a:lvl7pPr>
-            <a:lvl8pPr indent="-298450" lvl="7" marL="3657600">
+            <a:lvl8pPr marL="3657600" lvl="7" indent="-298450">
               <a:spcBef>
                 <a:spcPts val="1600"/>
               </a:spcBef>
@@ -7857,7 +7885,7 @@
               <a:buChar char="○"/>
               <a:defRPr/>
             </a:lvl8pPr>
-            <a:lvl9pPr indent="-298450" lvl="8" marL="4114800">
+            <a:lvl9pPr marL="4114800" lvl="8" indent="-298450">
               <a:spcBef>
                 <a:spcPts val="1600"/>
               </a:spcBef>
@@ -7869,15 +7897,19 @@
               <a:defRPr/>
             </a:lvl9pPr>
           </a:lstStyle>
-          <a:p/>
+          <a:p>
+            <a:endParaRPr/>
+          </a:p>
         </p:txBody>
       </p:sp>
       <p:sp>
         <p:nvSpPr>
           <p:cNvPr id="102" name="Google Shape;102;p9"/>
-          <p:cNvSpPr txBox="1"/>
+          <p:cNvSpPr txBox="1">
+            <a:spLocks noGrp="1"/>
+          </p:cNvSpPr>
           <p:nvPr>
-            <p:ph idx="12" type="sldNum"/>
+            <p:ph type="sldNum" idx="12"/>
           </p:nvPr>
         </p:nvSpPr>
         <p:spPr>
@@ -7890,7 +7922,7 @@
           </a:prstGeom>
         </p:spPr>
         <p:txBody>
-          <a:bodyPr anchorCtr="0" anchor="ctr" bIns="91425" lIns="91425" spcFirstLastPara="1" rIns="91425" wrap="square" tIns="91425">
+          <a:bodyPr spcFirstLastPara="1" wrap="square" lIns="91425" tIns="91425" rIns="91425" bIns="91425" anchor="ctr" anchorCtr="0">
             <a:noAutofit/>
           </a:bodyPr>
           <a:lstStyle>
@@ -7932,7 +7964,7 @@
             </a:lvl9pPr>
           </a:lstStyle>
           <a:p>
-            <a:pPr indent="0" lvl="0" marL="0">
+            <a:pPr marL="0" lvl="0" indent="0">
               <a:spcBef>
                 <a:spcPts val="0"/>
               </a:spcBef>
@@ -7943,7 +7975,7 @@
             </a:pPr>
             <a:fld id="{00000000-1234-1234-1234-123412341234}" type="slidenum">
               <a:rPr lang="es"/>
-              <a:t>‹#›</a:t>
+              <a:t>‹Nº›</a:t>
             </a:fld>
             <a:endParaRPr/>
           </a:p>
@@ -7958,18 +7990,19 @@
 </file>
 
 <file path=ppt/slideLayouts/slideLayout9.xml><?xml version="1.0" encoding="utf-8"?>
-<p:sldLayout xmlns:a="http://schemas.openxmlformats.org/drawingml/2006/main" xmlns:r="http://schemas.openxmlformats.org/officeDocument/2006/relationships" xmlns:mc="http://schemas.openxmlformats.org/markup-compatibility/2006" xmlns:mv="urn:schemas-microsoft-com:mac:vml" xmlns:p="http://schemas.openxmlformats.org/presentationml/2006/main" xmlns:c="http://schemas.openxmlformats.org/drawingml/2006/chart" xmlns:dgm="http://schemas.openxmlformats.org/drawingml/2006/diagram" xmlns:o="urn:schemas-microsoft-com:office:office" xmlns:v="urn:schemas-microsoft-com:vml" xmlns:pvml="urn:schemas-microsoft-com:office:powerpoint" xmlns:com="http://schemas.openxmlformats.org/drawingml/2006/compatibility" xmlns:p14="http://schemas.microsoft.com/office/powerpoint/2010/main" xmlns:p15="http://schemas.microsoft.com/office/powerpoint/2012/main" matchingName="Caption">
+<p:sldLayout xmlns:a="http://schemas.openxmlformats.org/drawingml/2006/main" xmlns:r="http://schemas.openxmlformats.org/officeDocument/2006/relationships" xmlns:p="http://schemas.openxmlformats.org/presentationml/2006/main" matchingName="Caption">
   <p:cSld name="CAPTION_ONLY">
     <p:bg>
       <p:bgPr>
         <a:solidFill>
           <a:schemeClr val="accent1"/>
         </a:solidFill>
+        <a:effectLst/>
       </p:bgPr>
     </p:bg>
     <p:spTree>
       <p:nvGrpSpPr>
-        <p:cNvPr id="103" name="Shape 103"/>
+        <p:cNvPr id="1" name="Shape 103"/>
         <p:cNvGrpSpPr/>
         <p:nvPr/>
       </p:nvGrpSpPr>
@@ -8003,12 +8036,12 @@
           </a:ln>
         </p:spPr>
         <p:txBody>
-          <a:bodyPr anchorCtr="0" anchor="ctr" bIns="91425" lIns="91425" spcFirstLastPara="1" rIns="91425" wrap="square" tIns="91425">
+          <a:bodyPr spcFirstLastPara="1" wrap="square" lIns="91425" tIns="91425" rIns="91425" bIns="91425" anchor="ctr" anchorCtr="0">
             <a:noAutofit/>
           </a:bodyPr>
           <a:lstStyle/>
           <a:p>
-            <a:pPr indent="0" lvl="0" marL="0">
+            <a:pPr marL="0" lvl="0" indent="0">
               <a:spcBef>
                 <a:spcPts val="0"/>
               </a:spcBef>
@@ -8017,9 +8050,6 @@
               </a:spcAft>
               <a:buNone/>
             </a:pPr>
-            <a:r>
-              <a:t/>
-            </a:r>
             <a:endParaRPr/>
           </a:p>
         </p:txBody>
@@ -8046,12 +8076,12 @@
           </a:ln>
         </p:spPr>
         <p:txBody>
-          <a:bodyPr anchorCtr="0" anchor="ctr" bIns="91425" lIns="91425" spcFirstLastPara="1" rIns="91425" wrap="square" tIns="91425">
+          <a:bodyPr spcFirstLastPara="1" wrap="square" lIns="91425" tIns="91425" rIns="91425" bIns="91425" anchor="ctr" anchorCtr="0">
             <a:noAutofit/>
           </a:bodyPr>
           <a:lstStyle/>
           <a:p>
-            <a:pPr indent="0" lvl="0" marL="0">
+            <a:pPr marL="0" lvl="0" indent="0">
               <a:spcBef>
                 <a:spcPts val="0"/>
               </a:spcBef>
@@ -8060,9 +8090,6 @@
               </a:spcAft>
               <a:buNone/>
             </a:pPr>
-            <a:r>
-              <a:t/>
-            </a:r>
             <a:endParaRPr/>
           </a:p>
         </p:txBody>
@@ -8088,7 +8115,7 @@
             <a:noFill/>
           </a:ln>
           <a:effectLst>
-            <a:outerShdw blurRad="228600" sx="101000" rotWithShape="0" algn="ctr" sy="101000">
+            <a:outerShdw blurRad="228600" sx="101000" sy="101000" algn="ctr" rotWithShape="0">
               <a:srgbClr val="000000">
                 <a:alpha val="40000"/>
               </a:srgbClr>
@@ -8096,12 +8123,12 @@
           </a:effectLst>
         </p:spPr>
         <p:txBody>
-          <a:bodyPr anchorCtr="0" anchor="ctr" bIns="91425" lIns="91425" spcFirstLastPara="1" rIns="91425" wrap="square" tIns="91425">
+          <a:bodyPr spcFirstLastPara="1" wrap="square" lIns="91425" tIns="91425" rIns="91425" bIns="91425" anchor="ctr" anchorCtr="0">
             <a:noAutofit/>
           </a:bodyPr>
           <a:lstStyle/>
           <a:p>
-            <a:pPr indent="0" lvl="0" marL="0">
+            <a:pPr marL="0" lvl="0" indent="0">
               <a:spcBef>
                 <a:spcPts val="0"/>
               </a:spcBef>
@@ -8110,9 +8137,6 @@
               </a:spcAft>
               <a:buNone/>
             </a:pPr>
-            <a:r>
-              <a:t/>
-            </a:r>
             <a:endParaRPr/>
           </a:p>
         </p:txBody>
@@ -8120,9 +8144,11 @@
       <p:sp>
         <p:nvSpPr>
           <p:cNvPr id="107" name="Google Shape;107;p10"/>
-          <p:cNvSpPr txBox="1"/>
+          <p:cNvSpPr txBox="1">
+            <a:spLocks noGrp="1"/>
+          </p:cNvSpPr>
           <p:nvPr>
-            <p:ph idx="1" type="body"/>
+            <p:ph type="body" idx="1"/>
           </p:nvPr>
         </p:nvSpPr>
         <p:spPr>
@@ -8135,9 +8161,9 @@
           </a:prstGeom>
         </p:spPr>
         <p:txBody>
-          <a:bodyPr anchorCtr="0" anchor="b" bIns="91425" lIns="91425" spcFirstLastPara="1" rIns="91425" wrap="square" tIns="91425"/>
+          <a:bodyPr spcFirstLastPara="1" wrap="square" lIns="91425" tIns="91425" rIns="91425" bIns="91425" anchor="b" anchorCtr="0"/>
           <a:lstStyle>
-            <a:lvl1pPr indent="-228600" lvl="0" marL="457200">
+            <a:lvl1pPr marL="457200" lvl="0" indent="-228600">
               <a:lnSpc>
                 <a:spcPct val="100000"/>
               </a:lnSpc>
@@ -8152,15 +8178,19 @@
               <a:defRPr/>
             </a:lvl1pPr>
           </a:lstStyle>
-          <a:p/>
+          <a:p>
+            <a:endParaRPr/>
+          </a:p>
         </p:txBody>
       </p:sp>
       <p:sp>
         <p:nvSpPr>
           <p:cNvPr id="108" name="Google Shape;108;p10"/>
-          <p:cNvSpPr txBox="1"/>
+          <p:cNvSpPr txBox="1">
+            <a:spLocks noGrp="1"/>
+          </p:cNvSpPr>
           <p:nvPr>
-            <p:ph idx="12" type="sldNum"/>
+            <p:ph type="sldNum" idx="12"/>
           </p:nvPr>
         </p:nvSpPr>
         <p:spPr>
@@ -8173,7 +8203,7 @@
           </a:prstGeom>
         </p:spPr>
         <p:txBody>
-          <a:bodyPr anchorCtr="0" anchor="ctr" bIns="91425" lIns="91425" spcFirstLastPara="1" rIns="91425" wrap="square" tIns="91425">
+          <a:bodyPr spcFirstLastPara="1" wrap="square" lIns="91425" tIns="91425" rIns="91425" bIns="91425" anchor="ctr" anchorCtr="0">
             <a:noAutofit/>
           </a:bodyPr>
           <a:lstStyle>
@@ -8215,7 +8245,7 @@
             </a:lvl9pPr>
           </a:lstStyle>
           <a:p>
-            <a:pPr indent="0" lvl="0" marL="0">
+            <a:pPr marL="0" lvl="0" indent="0">
               <a:spcBef>
                 <a:spcPts val="0"/>
               </a:spcBef>
@@ -8226,7 +8256,7 @@
             </a:pPr>
             <a:fld id="{00000000-1234-1234-1234-123412341234}" type="slidenum">
               <a:rPr lang="es"/>
-              <a:t>‹#›</a:t>
+              <a:t>‹Nº›</a:t>
             </a:fld>
             <a:endParaRPr/>
           </a:p>
@@ -8241,18 +8271,19 @@
 </file>
 
 <file path=ppt/slideMasters/slideMaster1.xml><?xml version="1.0" encoding="utf-8"?>
-<p:sldMaster xmlns:a="http://schemas.openxmlformats.org/drawingml/2006/main" xmlns:r="http://schemas.openxmlformats.org/officeDocument/2006/relationships" xmlns:mc="http://schemas.openxmlformats.org/markup-compatibility/2006" xmlns:mv="urn:schemas-microsoft-com:mac:vml" xmlns:p="http://schemas.openxmlformats.org/presentationml/2006/main" xmlns:c="http://schemas.openxmlformats.org/drawingml/2006/chart" xmlns:dgm="http://schemas.openxmlformats.org/drawingml/2006/diagram" xmlns:o="urn:schemas-microsoft-com:office:office" xmlns:v="urn:schemas-microsoft-com:vml" xmlns:pvml="urn:schemas-microsoft-com:office:powerpoint" xmlns:com="http://schemas.openxmlformats.org/drawingml/2006/compatibility" xmlns:p14="http://schemas.microsoft.com/office/powerpoint/2010/main" xmlns:p15="http://schemas.microsoft.com/office/powerpoint/2012/main">
+<p:sldMaster xmlns:a="http://schemas.openxmlformats.org/drawingml/2006/main" xmlns:r="http://schemas.openxmlformats.org/officeDocument/2006/relationships" xmlns:p="http://schemas.openxmlformats.org/presentationml/2006/main">
   <p:cSld name="shift">
     <p:bg>
       <p:bgPr>
         <a:solidFill>
           <a:schemeClr val="dk1"/>
         </a:solidFill>
+        <a:effectLst/>
       </p:bgPr>
     </p:bg>
     <p:spTree>
       <p:nvGrpSpPr>
-        <p:cNvPr id="5" name="Shape 5"/>
+        <p:cNvPr id="1" name="Shape 5"/>
         <p:cNvGrpSpPr/>
         <p:nvPr/>
       </p:nvGrpSpPr>
@@ -8267,7 +8298,9 @@
       <p:sp>
         <p:nvSpPr>
           <p:cNvPr id="6" name="Google Shape;6;p1"/>
-          <p:cNvSpPr txBox="1"/>
+          <p:cNvSpPr txBox="1">
+            <a:spLocks noGrp="1"/>
+          </p:cNvSpPr>
           <p:nvPr>
             <p:ph type="title"/>
           </p:nvPr>
@@ -8286,7 +8319,7 @@
           </a:ln>
         </p:spPr>
         <p:txBody>
-          <a:bodyPr anchorCtr="0" anchor="t" bIns="91425" lIns="91425" spcFirstLastPara="1" rIns="91425" wrap="square" tIns="91425"/>
+          <a:bodyPr spcFirstLastPara="1" wrap="square" lIns="91425" tIns="91425" rIns="91425" bIns="91425" anchor="t" anchorCtr="0"/>
           <a:lstStyle>
             <a:lvl1pPr lvl="0">
               <a:spcBef>
@@ -8496,15 +8529,19 @@
               </a:defRPr>
             </a:lvl9pPr>
           </a:lstStyle>
-          <a:p/>
+          <a:p>
+            <a:endParaRPr/>
+          </a:p>
         </p:txBody>
       </p:sp>
       <p:sp>
         <p:nvSpPr>
           <p:cNvPr id="7" name="Google Shape;7;p1"/>
-          <p:cNvSpPr txBox="1"/>
+          <p:cNvSpPr txBox="1">
+            <a:spLocks noGrp="1"/>
+          </p:cNvSpPr>
           <p:nvPr>
-            <p:ph idx="1" type="body"/>
+            <p:ph type="body" idx="1"/>
           </p:nvPr>
         </p:nvSpPr>
         <p:spPr>
@@ -8521,9 +8558,9 @@
           </a:ln>
         </p:spPr>
         <p:txBody>
-          <a:bodyPr anchorCtr="0" anchor="t" bIns="91425" lIns="91425" spcFirstLastPara="1" rIns="91425" wrap="square" tIns="91425"/>
+          <a:bodyPr spcFirstLastPara="1" wrap="square" lIns="91425" tIns="91425" rIns="91425" bIns="91425" anchor="t" anchorCtr="0"/>
           <a:lstStyle>
-            <a:lvl1pPr indent="-311150" lvl="0" marL="457200">
+            <a:lvl1pPr marL="457200" lvl="0" indent="-311150">
               <a:lnSpc>
                 <a:spcPct val="115000"/>
               </a:lnSpc>
@@ -8549,7 +8586,7 @@
                 <a:sym typeface="Calibri"/>
               </a:defRPr>
             </a:lvl1pPr>
-            <a:lvl2pPr indent="-298450" lvl="1" marL="914400">
+            <a:lvl2pPr marL="914400" lvl="1" indent="-298450">
               <a:lnSpc>
                 <a:spcPct val="115000"/>
               </a:lnSpc>
@@ -8575,7 +8612,7 @@
                 <a:sym typeface="Calibri"/>
               </a:defRPr>
             </a:lvl2pPr>
-            <a:lvl3pPr indent="-298450" lvl="2" marL="1371600">
+            <a:lvl3pPr marL="1371600" lvl="2" indent="-298450">
               <a:lnSpc>
                 <a:spcPct val="115000"/>
               </a:lnSpc>
@@ -8601,7 +8638,7 @@
                 <a:sym typeface="Calibri"/>
               </a:defRPr>
             </a:lvl3pPr>
-            <a:lvl4pPr indent="-298450" lvl="3" marL="1828800">
+            <a:lvl4pPr marL="1828800" lvl="3" indent="-298450">
               <a:lnSpc>
                 <a:spcPct val="115000"/>
               </a:lnSpc>
@@ -8627,7 +8664,7 @@
                 <a:sym typeface="Calibri"/>
               </a:defRPr>
             </a:lvl4pPr>
-            <a:lvl5pPr indent="-298450" lvl="4" marL="2286000">
+            <a:lvl5pPr marL="2286000" lvl="4" indent="-298450">
               <a:lnSpc>
                 <a:spcPct val="115000"/>
               </a:lnSpc>
@@ -8653,7 +8690,7 @@
                 <a:sym typeface="Calibri"/>
               </a:defRPr>
             </a:lvl5pPr>
-            <a:lvl6pPr indent="-298450" lvl="5" marL="2743200">
+            <a:lvl6pPr marL="2743200" lvl="5" indent="-298450">
               <a:lnSpc>
                 <a:spcPct val="115000"/>
               </a:lnSpc>
@@ -8679,7 +8716,7 @@
                 <a:sym typeface="Calibri"/>
               </a:defRPr>
             </a:lvl6pPr>
-            <a:lvl7pPr indent="-298450" lvl="6" marL="3200400">
+            <a:lvl7pPr marL="3200400" lvl="6" indent="-298450">
               <a:lnSpc>
                 <a:spcPct val="115000"/>
               </a:lnSpc>
@@ -8705,7 +8742,7 @@
                 <a:sym typeface="Calibri"/>
               </a:defRPr>
             </a:lvl7pPr>
-            <a:lvl8pPr indent="-298450" lvl="7" marL="3657600">
+            <a:lvl8pPr marL="3657600" lvl="7" indent="-298450">
               <a:lnSpc>
                 <a:spcPct val="115000"/>
               </a:lnSpc>
@@ -8731,7 +8768,7 @@
                 <a:sym typeface="Calibri"/>
               </a:defRPr>
             </a:lvl8pPr>
-            <a:lvl9pPr indent="-298450" lvl="8" marL="4114800">
+            <a:lvl9pPr marL="4114800" lvl="8" indent="-298450">
               <a:lnSpc>
                 <a:spcPct val="115000"/>
               </a:lnSpc>
@@ -8758,15 +8795,19 @@
               </a:defRPr>
             </a:lvl9pPr>
           </a:lstStyle>
-          <a:p/>
+          <a:p>
+            <a:endParaRPr/>
+          </a:p>
         </p:txBody>
       </p:sp>
       <p:sp>
         <p:nvSpPr>
           <p:cNvPr id="8" name="Google Shape;8;p1"/>
-          <p:cNvSpPr txBox="1"/>
+          <p:cNvSpPr txBox="1">
+            <a:spLocks noGrp="1"/>
+          </p:cNvSpPr>
           <p:nvPr>
-            <p:ph idx="12" type="sldNum"/>
+            <p:ph type="sldNum" idx="12"/>
           </p:nvPr>
         </p:nvSpPr>
         <p:spPr>
@@ -8783,7 +8824,7 @@
           </a:ln>
         </p:spPr>
         <p:txBody>
-          <a:bodyPr anchorCtr="0" anchor="ctr" bIns="91425" lIns="91425" spcFirstLastPara="1" rIns="91425" wrap="square" tIns="91425">
+          <a:bodyPr spcFirstLastPara="1" wrap="square" lIns="91425" tIns="91425" rIns="91425" bIns="91425" anchor="ctr" anchorCtr="0">
             <a:noAutofit/>
           </a:bodyPr>
           <a:lstStyle>
@@ -8897,7 +8938,7 @@
             </a:lvl9pPr>
           </a:lstStyle>
           <a:p>
-            <a:pPr indent="0" lvl="0" marL="0">
+            <a:pPr marL="0" lvl="0" indent="0">
               <a:spcBef>
                 <a:spcPts val="0"/>
               </a:spcBef>
@@ -8908,7 +8949,7 @@
             </a:pPr>
             <a:fld id="{00000000-1234-1234-1234-123412341234}" type="slidenum">
               <a:rPr lang="es"/>
-              <a:t>‹#›</a:t>
+              <a:t>‹Nº›</a:t>
             </a:fld>
             <a:endParaRPr/>
           </a:p>
@@ -8916,7 +8957,7 @@
       </p:sp>
     </p:spTree>
   </p:cSld>
-  <p:clrMap accent1="accent1" accent2="accent2" accent3="accent3" accent4="accent4" accent5="accent5" accent6="accent6" bg1="lt1" bg2="dk2" tx1="dk1" tx2="lt2" folHlink="folHlink" hlink="hlink"/>
+  <p:clrMap bg1="lt1" tx1="dk1" bg2="dk2" tx2="lt2" accent1="accent1" accent2="accent2" accent3="accent3" accent4="accent4" accent5="accent5" accent6="accent6" hlink="hlink" folHlink="folHlink"/>
   <p:sldLayoutIdLst>
     <p:sldLayoutId id="2147483648" r:id="rId1"/>
     <p:sldLayoutId id="2147483649" r:id="rId2"/>
@@ -8930,10 +8971,10 @@
     <p:sldLayoutId id="2147483657" r:id="rId10"/>
     <p:sldLayoutId id="2147483658" r:id="rId11"/>
   </p:sldLayoutIdLst>
-  <p:hf dt="0" ftr="0" hdr="0" sldNum="0"/>
+  <p:hf sldNum="0" hdr="0" ftr="0" dt="0"/>
   <p:txStyles>
     <p:titleStyle>
-      <a:defPPr lvl="0" marR="0" rtl="0" algn="l">
+      <a:defPPr marR="0" lvl="0" algn="l" rtl="0">
         <a:lnSpc>
           <a:spcPct val="100000"/>
         </a:lnSpc>
@@ -8944,7 +8985,7 @@
           <a:spcPts val="0"/>
         </a:spcAft>
       </a:defPPr>
-      <a:lvl1pPr lvl="0" marR="0" rtl="0" algn="l">
+      <a:lvl1pPr marR="0" lvl="0" algn="l" rtl="0">
         <a:lnSpc>
           <a:spcPct val="100000"/>
         </a:lnSpc>
@@ -8958,7 +8999,7 @@
           <a:srgbClr val="000000"/>
         </a:buClr>
         <a:buFont typeface="Arial"/>
-        <a:defRPr b="0" i="0" sz="1400" u="none" cap="none" strike="noStrike">
+        <a:defRPr sz="1400" b="0" i="0" u="none" strike="noStrike" cap="none">
           <a:solidFill>
             <a:srgbClr val="000000"/>
           </a:solidFill>
@@ -8968,7 +9009,7 @@
           <a:sym typeface="Arial"/>
         </a:defRPr>
       </a:lvl1pPr>
-      <a:lvl2pPr lvl="1" marR="0" rtl="0" algn="l">
+      <a:lvl2pPr marR="0" lvl="1" algn="l" rtl="0">
         <a:lnSpc>
           <a:spcPct val="100000"/>
         </a:lnSpc>
@@ -8982,7 +9023,7 @@
           <a:srgbClr val="000000"/>
         </a:buClr>
         <a:buFont typeface="Arial"/>
-        <a:defRPr b="0" i="0" sz="1400" u="none" cap="none" strike="noStrike">
+        <a:defRPr sz="1400" b="0" i="0" u="none" strike="noStrike" cap="none">
           <a:solidFill>
             <a:srgbClr val="000000"/>
           </a:solidFill>
@@ -8992,7 +9033,7 @@
           <a:sym typeface="Arial"/>
         </a:defRPr>
       </a:lvl2pPr>
-      <a:lvl3pPr lvl="2" marR="0" rtl="0" algn="l">
+      <a:lvl3pPr marR="0" lvl="2" algn="l" rtl="0">
         <a:lnSpc>
           <a:spcPct val="100000"/>
         </a:lnSpc>
@@ -9006,7 +9047,7 @@
           <a:srgbClr val="000000"/>
         </a:buClr>
         <a:buFont typeface="Arial"/>
-        <a:defRPr b="0" i="0" sz="1400" u="none" cap="none" strike="noStrike">
+        <a:defRPr sz="1400" b="0" i="0" u="none" strike="noStrike" cap="none">
           <a:solidFill>
             <a:srgbClr val="000000"/>
           </a:solidFill>
@@ -9016,7 +9057,7 @@
           <a:sym typeface="Arial"/>
         </a:defRPr>
       </a:lvl3pPr>
-      <a:lvl4pPr lvl="3" marR="0" rtl="0" algn="l">
+      <a:lvl4pPr marR="0" lvl="3" algn="l" rtl="0">
         <a:lnSpc>
           <a:spcPct val="100000"/>
         </a:lnSpc>
@@ -9030,7 +9071,7 @@
           <a:srgbClr val="000000"/>
         </a:buClr>
         <a:buFont typeface="Arial"/>
-        <a:defRPr b="0" i="0" sz="1400" u="none" cap="none" strike="noStrike">
+        <a:defRPr sz="1400" b="0" i="0" u="none" strike="noStrike" cap="none">
           <a:solidFill>
             <a:srgbClr val="000000"/>
           </a:solidFill>
@@ -9040,7 +9081,7 @@
           <a:sym typeface="Arial"/>
         </a:defRPr>
       </a:lvl4pPr>
-      <a:lvl5pPr lvl="4" marR="0" rtl="0" algn="l">
+      <a:lvl5pPr marR="0" lvl="4" algn="l" rtl="0">
         <a:lnSpc>
           <a:spcPct val="100000"/>
         </a:lnSpc>
@@ -9054,7 +9095,7 @@
           <a:srgbClr val="000000"/>
         </a:buClr>
         <a:buFont typeface="Arial"/>
-        <a:defRPr b="0" i="0" sz="1400" u="none" cap="none" strike="noStrike">
+        <a:defRPr sz="1400" b="0" i="0" u="none" strike="noStrike" cap="none">
           <a:solidFill>
             <a:srgbClr val="000000"/>
           </a:solidFill>
@@ -9064,7 +9105,7 @@
           <a:sym typeface="Arial"/>
         </a:defRPr>
       </a:lvl5pPr>
-      <a:lvl6pPr lvl="5" marR="0" rtl="0" algn="l">
+      <a:lvl6pPr marR="0" lvl="5" algn="l" rtl="0">
         <a:lnSpc>
           <a:spcPct val="100000"/>
         </a:lnSpc>
@@ -9078,7 +9119,7 @@
           <a:srgbClr val="000000"/>
         </a:buClr>
         <a:buFont typeface="Arial"/>
-        <a:defRPr b="0" i="0" sz="1400" u="none" cap="none" strike="noStrike">
+        <a:defRPr sz="1400" b="0" i="0" u="none" strike="noStrike" cap="none">
           <a:solidFill>
             <a:srgbClr val="000000"/>
           </a:solidFill>
@@ -9088,7 +9129,7 @@
           <a:sym typeface="Arial"/>
         </a:defRPr>
       </a:lvl6pPr>
-      <a:lvl7pPr lvl="6" marR="0" rtl="0" algn="l">
+      <a:lvl7pPr marR="0" lvl="6" algn="l" rtl="0">
         <a:lnSpc>
           <a:spcPct val="100000"/>
         </a:lnSpc>
@@ -9102,7 +9143,7 @@
           <a:srgbClr val="000000"/>
         </a:buClr>
         <a:buFont typeface="Arial"/>
-        <a:defRPr b="0" i="0" sz="1400" u="none" cap="none" strike="noStrike">
+        <a:defRPr sz="1400" b="0" i="0" u="none" strike="noStrike" cap="none">
           <a:solidFill>
             <a:srgbClr val="000000"/>
           </a:solidFill>
@@ -9112,7 +9153,7 @@
           <a:sym typeface="Arial"/>
         </a:defRPr>
       </a:lvl7pPr>
-      <a:lvl8pPr lvl="7" marR="0" rtl="0" algn="l">
+      <a:lvl8pPr marR="0" lvl="7" algn="l" rtl="0">
         <a:lnSpc>
           <a:spcPct val="100000"/>
         </a:lnSpc>
@@ -9126,7 +9167,7 @@
           <a:srgbClr val="000000"/>
         </a:buClr>
         <a:buFont typeface="Arial"/>
-        <a:defRPr b="0" i="0" sz="1400" u="none" cap="none" strike="noStrike">
+        <a:defRPr sz="1400" b="0" i="0" u="none" strike="noStrike" cap="none">
           <a:solidFill>
             <a:srgbClr val="000000"/>
           </a:solidFill>
@@ -9136,7 +9177,7 @@
           <a:sym typeface="Arial"/>
         </a:defRPr>
       </a:lvl8pPr>
-      <a:lvl9pPr lvl="8" marR="0" rtl="0" algn="l">
+      <a:lvl9pPr marR="0" lvl="8" algn="l" rtl="0">
         <a:lnSpc>
           <a:spcPct val="100000"/>
         </a:lnSpc>
@@ -9150,7 +9191,7 @@
           <a:srgbClr val="000000"/>
         </a:buClr>
         <a:buFont typeface="Arial"/>
-        <a:defRPr b="0" i="0" sz="1400" u="none" cap="none" strike="noStrike">
+        <a:defRPr sz="1400" b="0" i="0" u="none" strike="noStrike" cap="none">
           <a:solidFill>
             <a:srgbClr val="000000"/>
           </a:solidFill>
@@ -9162,7 +9203,7 @@
       </a:lvl9pPr>
     </p:titleStyle>
     <p:bodyStyle>
-      <a:defPPr lvl="0" marR="0" rtl="0" algn="l">
+      <a:defPPr marR="0" lvl="0" algn="l" rtl="0">
         <a:lnSpc>
           <a:spcPct val="100000"/>
         </a:lnSpc>
@@ -9173,7 +9214,7 @@
           <a:spcPts val="0"/>
         </a:spcAft>
       </a:defPPr>
-      <a:lvl1pPr lvl="0" marR="0" rtl="0" algn="l">
+      <a:lvl1pPr marR="0" lvl="0" algn="l" rtl="0">
         <a:lnSpc>
           <a:spcPct val="100000"/>
         </a:lnSpc>
@@ -9187,7 +9228,7 @@
           <a:srgbClr val="000000"/>
         </a:buClr>
         <a:buFont typeface="Arial"/>
-        <a:defRPr b="0" i="0" sz="1400" u="none" cap="none" strike="noStrike">
+        <a:defRPr sz="1400" b="0" i="0" u="none" strike="noStrike" cap="none">
           <a:solidFill>
             <a:srgbClr val="000000"/>
           </a:solidFill>
@@ -9197,7 +9238,7 @@
           <a:sym typeface="Arial"/>
         </a:defRPr>
       </a:lvl1pPr>
-      <a:lvl2pPr lvl="1" marR="0" rtl="0" algn="l">
+      <a:lvl2pPr marR="0" lvl="1" algn="l" rtl="0">
         <a:lnSpc>
           <a:spcPct val="100000"/>
         </a:lnSpc>
@@ -9211,7 +9252,7 @@
           <a:srgbClr val="000000"/>
         </a:buClr>
         <a:buFont typeface="Arial"/>
-        <a:defRPr b="0" i="0" sz="1400" u="none" cap="none" strike="noStrike">
+        <a:defRPr sz="1400" b="0" i="0" u="none" strike="noStrike" cap="none">
           <a:solidFill>
             <a:srgbClr val="000000"/>
           </a:solidFill>
@@ -9221,7 +9262,7 @@
           <a:sym typeface="Arial"/>
         </a:defRPr>
       </a:lvl2pPr>
-      <a:lvl3pPr lvl="2" marR="0" rtl="0" algn="l">
+      <a:lvl3pPr marR="0" lvl="2" algn="l" rtl="0">
         <a:lnSpc>
           <a:spcPct val="100000"/>
         </a:lnSpc>
@@ -9235,7 +9276,7 @@
           <a:srgbClr val="000000"/>
         </a:buClr>
         <a:buFont typeface="Arial"/>
-        <a:defRPr b="0" i="0" sz="1400" u="none" cap="none" strike="noStrike">
+        <a:defRPr sz="1400" b="0" i="0" u="none" strike="noStrike" cap="none">
           <a:solidFill>
             <a:srgbClr val="000000"/>
           </a:solidFill>
@@ -9245,7 +9286,7 @@
           <a:sym typeface="Arial"/>
         </a:defRPr>
       </a:lvl3pPr>
-      <a:lvl4pPr lvl="3" marR="0" rtl="0" algn="l">
+      <a:lvl4pPr marR="0" lvl="3" algn="l" rtl="0">
         <a:lnSpc>
           <a:spcPct val="100000"/>
         </a:lnSpc>
@@ -9259,7 +9300,7 @@
           <a:srgbClr val="000000"/>
         </a:buClr>
         <a:buFont typeface="Arial"/>
-        <a:defRPr b="0" i="0" sz="1400" u="none" cap="none" strike="noStrike">
+        <a:defRPr sz="1400" b="0" i="0" u="none" strike="noStrike" cap="none">
           <a:solidFill>
             <a:srgbClr val="000000"/>
           </a:solidFill>
@@ -9269,7 +9310,7 @@
           <a:sym typeface="Arial"/>
         </a:defRPr>
       </a:lvl4pPr>
-      <a:lvl5pPr lvl="4" marR="0" rtl="0" algn="l">
+      <a:lvl5pPr marR="0" lvl="4" algn="l" rtl="0">
         <a:lnSpc>
           <a:spcPct val="100000"/>
         </a:lnSpc>
@@ -9283,7 +9324,7 @@
           <a:srgbClr val="000000"/>
         </a:buClr>
         <a:buFont typeface="Arial"/>
-        <a:defRPr b="0" i="0" sz="1400" u="none" cap="none" strike="noStrike">
+        <a:defRPr sz="1400" b="0" i="0" u="none" strike="noStrike" cap="none">
           <a:solidFill>
             <a:srgbClr val="000000"/>
           </a:solidFill>
@@ -9293,7 +9334,7 @@
           <a:sym typeface="Arial"/>
         </a:defRPr>
       </a:lvl5pPr>
-      <a:lvl6pPr lvl="5" marR="0" rtl="0" algn="l">
+      <a:lvl6pPr marR="0" lvl="5" algn="l" rtl="0">
         <a:lnSpc>
           <a:spcPct val="100000"/>
         </a:lnSpc>
@@ -9307,7 +9348,7 @@
           <a:srgbClr val="000000"/>
         </a:buClr>
         <a:buFont typeface="Arial"/>
-        <a:defRPr b="0" i="0" sz="1400" u="none" cap="none" strike="noStrike">
+        <a:defRPr sz="1400" b="0" i="0" u="none" strike="noStrike" cap="none">
           <a:solidFill>
             <a:srgbClr val="000000"/>
           </a:solidFill>
@@ -9317,7 +9358,7 @@
           <a:sym typeface="Arial"/>
         </a:defRPr>
       </a:lvl6pPr>
-      <a:lvl7pPr lvl="6" marR="0" rtl="0" algn="l">
+      <a:lvl7pPr marR="0" lvl="6" algn="l" rtl="0">
         <a:lnSpc>
           <a:spcPct val="100000"/>
         </a:lnSpc>
@@ -9331,7 +9372,7 @@
           <a:srgbClr val="000000"/>
         </a:buClr>
         <a:buFont typeface="Arial"/>
-        <a:defRPr b="0" i="0" sz="1400" u="none" cap="none" strike="noStrike">
+        <a:defRPr sz="1400" b="0" i="0" u="none" strike="noStrike" cap="none">
           <a:solidFill>
             <a:srgbClr val="000000"/>
           </a:solidFill>
@@ -9341,7 +9382,7 @@
           <a:sym typeface="Arial"/>
         </a:defRPr>
       </a:lvl7pPr>
-      <a:lvl8pPr lvl="7" marR="0" rtl="0" algn="l">
+      <a:lvl8pPr marR="0" lvl="7" algn="l" rtl="0">
         <a:lnSpc>
           <a:spcPct val="100000"/>
         </a:lnSpc>
@@ -9355,7 +9396,7 @@
           <a:srgbClr val="000000"/>
         </a:buClr>
         <a:buFont typeface="Arial"/>
-        <a:defRPr b="0" i="0" sz="1400" u="none" cap="none" strike="noStrike">
+        <a:defRPr sz="1400" b="0" i="0" u="none" strike="noStrike" cap="none">
           <a:solidFill>
             <a:srgbClr val="000000"/>
           </a:solidFill>
@@ -9365,7 +9406,7 @@
           <a:sym typeface="Arial"/>
         </a:defRPr>
       </a:lvl8pPr>
-      <a:lvl9pPr lvl="8" marR="0" rtl="0" algn="l">
+      <a:lvl9pPr marR="0" lvl="8" algn="l" rtl="0">
         <a:lnSpc>
           <a:spcPct val="100000"/>
         </a:lnSpc>
@@ -9379,7 +9420,7 @@
           <a:srgbClr val="000000"/>
         </a:buClr>
         <a:buFont typeface="Arial"/>
-        <a:defRPr b="0" i="0" sz="1400" u="none" cap="none" strike="noStrike">
+        <a:defRPr sz="1400" b="0" i="0" u="none" strike="noStrike" cap="none">
           <a:solidFill>
             <a:srgbClr val="000000"/>
           </a:solidFill>
@@ -9391,7 +9432,7 @@
       </a:lvl9pPr>
     </p:bodyStyle>
     <p:otherStyle>
-      <a:defPPr lvl="0" marR="0" rtl="0" algn="l">
+      <a:defPPr marR="0" lvl="0" algn="l" rtl="0">
         <a:lnSpc>
           <a:spcPct val="100000"/>
         </a:lnSpc>
@@ -9402,7 +9443,7 @@
           <a:spcPts val="0"/>
         </a:spcAft>
       </a:defPPr>
-      <a:lvl1pPr lvl="0" marR="0" rtl="0" algn="l">
+      <a:lvl1pPr marR="0" lvl="0" algn="l" rtl="0">
         <a:lnSpc>
           <a:spcPct val="100000"/>
         </a:lnSpc>
@@ -9416,7 +9457,7 @@
           <a:srgbClr val="000000"/>
         </a:buClr>
         <a:buFont typeface="Arial"/>
-        <a:defRPr b="0" i="0" sz="1400" u="none" cap="none" strike="noStrike">
+        <a:defRPr sz="1400" b="0" i="0" u="none" strike="noStrike" cap="none">
           <a:solidFill>
             <a:srgbClr val="000000"/>
           </a:solidFill>
@@ -9426,7 +9467,7 @@
           <a:sym typeface="Arial"/>
         </a:defRPr>
       </a:lvl1pPr>
-      <a:lvl2pPr lvl="1" marR="0" rtl="0" algn="l">
+      <a:lvl2pPr marR="0" lvl="1" algn="l" rtl="0">
         <a:lnSpc>
           <a:spcPct val="100000"/>
         </a:lnSpc>
@@ -9440,7 +9481,7 @@
           <a:srgbClr val="000000"/>
         </a:buClr>
         <a:buFont typeface="Arial"/>
-        <a:defRPr b="0" i="0" sz="1400" u="none" cap="none" strike="noStrike">
+        <a:defRPr sz="1400" b="0" i="0" u="none" strike="noStrike" cap="none">
           <a:solidFill>
             <a:srgbClr val="000000"/>
           </a:solidFill>
@@ -9450,7 +9491,7 @@
           <a:sym typeface="Arial"/>
         </a:defRPr>
       </a:lvl2pPr>
-      <a:lvl3pPr lvl="2" marR="0" rtl="0" algn="l">
+      <a:lvl3pPr marR="0" lvl="2" algn="l" rtl="0">
         <a:lnSpc>
           <a:spcPct val="100000"/>
         </a:lnSpc>
@@ -9464,7 +9505,7 @@
           <a:srgbClr val="000000"/>
         </a:buClr>
         <a:buFont typeface="Arial"/>
-        <a:defRPr b="0" i="0" sz="1400" u="none" cap="none" strike="noStrike">
+        <a:defRPr sz="1400" b="0" i="0" u="none" strike="noStrike" cap="none">
           <a:solidFill>
             <a:srgbClr val="000000"/>
           </a:solidFill>
@@ -9474,7 +9515,7 @@
           <a:sym typeface="Arial"/>
         </a:defRPr>
       </a:lvl3pPr>
-      <a:lvl4pPr lvl="3" marR="0" rtl="0" algn="l">
+      <a:lvl4pPr marR="0" lvl="3" algn="l" rtl="0">
         <a:lnSpc>
           <a:spcPct val="100000"/>
         </a:lnSpc>
@@ -9488,7 +9529,7 @@
           <a:srgbClr val="000000"/>
         </a:buClr>
         <a:buFont typeface="Arial"/>
-        <a:defRPr b="0" i="0" sz="1400" u="none" cap="none" strike="noStrike">
+        <a:defRPr sz="1400" b="0" i="0" u="none" strike="noStrike" cap="none">
           <a:solidFill>
             <a:srgbClr val="000000"/>
           </a:solidFill>
@@ -9498,7 +9539,7 @@
           <a:sym typeface="Arial"/>
         </a:defRPr>
       </a:lvl4pPr>
-      <a:lvl5pPr lvl="4" marR="0" rtl="0" algn="l">
+      <a:lvl5pPr marR="0" lvl="4" algn="l" rtl="0">
         <a:lnSpc>
           <a:spcPct val="100000"/>
         </a:lnSpc>
@@ -9512,7 +9553,7 @@
           <a:srgbClr val="000000"/>
         </a:buClr>
         <a:buFont typeface="Arial"/>
-        <a:defRPr b="0" i="0" sz="1400" u="none" cap="none" strike="noStrike">
+        <a:defRPr sz="1400" b="0" i="0" u="none" strike="noStrike" cap="none">
           <a:solidFill>
             <a:srgbClr val="000000"/>
           </a:solidFill>
@@ -9522,7 +9563,7 @@
           <a:sym typeface="Arial"/>
         </a:defRPr>
       </a:lvl5pPr>
-      <a:lvl6pPr lvl="5" marR="0" rtl="0" algn="l">
+      <a:lvl6pPr marR="0" lvl="5" algn="l" rtl="0">
         <a:lnSpc>
           <a:spcPct val="100000"/>
         </a:lnSpc>
@@ -9536,7 +9577,7 @@
           <a:srgbClr val="000000"/>
         </a:buClr>
         <a:buFont typeface="Arial"/>
-        <a:defRPr b="0" i="0" sz="1400" u="none" cap="none" strike="noStrike">
+        <a:defRPr sz="1400" b="0" i="0" u="none" strike="noStrike" cap="none">
           <a:solidFill>
             <a:srgbClr val="000000"/>
           </a:solidFill>
@@ -9546,7 +9587,7 @@
           <a:sym typeface="Arial"/>
         </a:defRPr>
       </a:lvl6pPr>
-      <a:lvl7pPr lvl="6" marR="0" rtl="0" algn="l">
+      <a:lvl7pPr marR="0" lvl="6" algn="l" rtl="0">
         <a:lnSpc>
           <a:spcPct val="100000"/>
         </a:lnSpc>
@@ -9560,7 +9601,7 @@
           <a:srgbClr val="000000"/>
         </a:buClr>
         <a:buFont typeface="Arial"/>
-        <a:defRPr b="0" i="0" sz="1400" u="none" cap="none" strike="noStrike">
+        <a:defRPr sz="1400" b="0" i="0" u="none" strike="noStrike" cap="none">
           <a:solidFill>
             <a:srgbClr val="000000"/>
           </a:solidFill>
@@ -9570,7 +9611,7 @@
           <a:sym typeface="Arial"/>
         </a:defRPr>
       </a:lvl7pPr>
-      <a:lvl8pPr lvl="7" marR="0" rtl="0" algn="l">
+      <a:lvl8pPr marR="0" lvl="7" algn="l" rtl="0">
         <a:lnSpc>
           <a:spcPct val="100000"/>
         </a:lnSpc>
@@ -9584,7 +9625,7 @@
           <a:srgbClr val="000000"/>
         </a:buClr>
         <a:buFont typeface="Arial"/>
-        <a:defRPr b="0" i="0" sz="1400" u="none" cap="none" strike="noStrike">
+        <a:defRPr sz="1400" b="0" i="0" u="none" strike="noStrike" cap="none">
           <a:solidFill>
             <a:srgbClr val="000000"/>
           </a:solidFill>
@@ -9594,7 +9635,7 @@
           <a:sym typeface="Arial"/>
         </a:defRPr>
       </a:lvl8pPr>
-      <a:lvl9pPr lvl="8" marR="0" rtl="0" algn="l">
+      <a:lvl9pPr marR="0" lvl="8" algn="l" rtl="0">
         <a:lnSpc>
           <a:spcPct val="100000"/>
         </a:lnSpc>
@@ -9608,7 +9649,7 @@
           <a:srgbClr val="000000"/>
         </a:buClr>
         <a:buFont typeface="Arial"/>
-        <a:defRPr b="0" i="0" sz="1400" u="none" cap="none" strike="noStrike">
+        <a:defRPr sz="1400" b="0" i="0" u="none" strike="noStrike" cap="none">
           <a:solidFill>
             <a:srgbClr val="000000"/>
           </a:solidFill>
@@ -9624,11 +9665,11 @@
 </file>
 
 <file path=ppt/slides/slide1.xml><?xml version="1.0" encoding="utf-8"?>
-<p:sld xmlns:a="http://schemas.openxmlformats.org/drawingml/2006/main" xmlns:r="http://schemas.openxmlformats.org/officeDocument/2006/relationships" xmlns:mc="http://schemas.openxmlformats.org/markup-compatibility/2006" xmlns:mv="urn:schemas-microsoft-com:mac:vml" xmlns:p="http://schemas.openxmlformats.org/presentationml/2006/main" xmlns:c="http://schemas.openxmlformats.org/drawingml/2006/chart" xmlns:dgm="http://schemas.openxmlformats.org/drawingml/2006/diagram" xmlns:o="urn:schemas-microsoft-com:office:office" xmlns:v="urn:schemas-microsoft-com:vml" xmlns:pvml="urn:schemas-microsoft-com:office:powerpoint" xmlns:com="http://schemas.openxmlformats.org/drawingml/2006/compatibility" xmlns:p14="http://schemas.microsoft.com/office/powerpoint/2010/main" xmlns:p15="http://schemas.microsoft.com/office/powerpoint/2012/main">
+<p:sld xmlns:a="http://schemas.openxmlformats.org/drawingml/2006/main" xmlns:r="http://schemas.openxmlformats.org/officeDocument/2006/relationships" xmlns:p="http://schemas.openxmlformats.org/presentationml/2006/main">
   <p:cSld>
     <p:spTree>
       <p:nvGrpSpPr>
-        <p:cNvPr id="127" name="Shape 127"/>
+        <p:cNvPr id="1" name="Shape 127"/>
         <p:cNvGrpSpPr/>
         <p:nvPr/>
       </p:nvGrpSpPr>
@@ -9643,7 +9684,9 @@
       <p:sp>
         <p:nvSpPr>
           <p:cNvPr id="128" name="Google Shape;128;p13"/>
-          <p:cNvSpPr txBox="1"/>
+          <p:cNvSpPr txBox="1">
+            <a:spLocks noGrp="1"/>
+          </p:cNvSpPr>
           <p:nvPr>
             <p:ph type="ctrTitle"/>
           </p:nvPr>
@@ -9658,12 +9701,12 @@
           </a:prstGeom>
         </p:spPr>
         <p:txBody>
-          <a:bodyPr anchorCtr="0" anchor="ctr" bIns="91425" lIns="91425" spcFirstLastPara="1" rIns="91425" wrap="square" tIns="91425">
+          <a:bodyPr spcFirstLastPara="1" wrap="square" lIns="91425" tIns="91425" rIns="91425" bIns="91425" anchor="ctr" anchorCtr="0">
             <a:noAutofit/>
           </a:bodyPr>
           <a:lstStyle/>
           <a:p>
-            <a:pPr indent="0" lvl="0" marL="0">
+            <a:pPr marL="0" lvl="0" indent="0">
               <a:spcBef>
                 <a:spcPts val="0"/>
               </a:spcBef>
@@ -9674,15 +9717,7 @@
             </a:pPr>
             <a:r>
               <a:rPr lang="es"/>
-              <a:t>Taller 3. Gmap y </a:t>
-            </a:r>
-            <a:r>
-              <a:rPr lang="es"/>
-              <a:t>minería</a:t>
-            </a:r>
-            <a:r>
-              <a:rPr lang="es"/>
-              <a:t> de datos</a:t>
+              <a:t>Taller 3. Gmap y minería de datos</a:t>
             </a:r>
             <a:endParaRPr/>
           </a:p>
@@ -9691,9 +9726,11 @@
       <p:sp>
         <p:nvSpPr>
           <p:cNvPr id="129" name="Google Shape;129;p13"/>
-          <p:cNvSpPr txBox="1"/>
+          <p:cNvSpPr txBox="1">
+            <a:spLocks noGrp="1"/>
+          </p:cNvSpPr>
           <p:nvPr>
-            <p:ph idx="1" type="subTitle"/>
+            <p:ph type="subTitle" idx="1"/>
           </p:nvPr>
         </p:nvSpPr>
         <p:spPr>
@@ -9706,12 +9743,12 @@
           </a:prstGeom>
         </p:spPr>
         <p:txBody>
-          <a:bodyPr anchorCtr="0" anchor="t" bIns="91425" lIns="91425" spcFirstLastPara="1" rIns="91425" wrap="square" tIns="91425">
+          <a:bodyPr spcFirstLastPara="1" wrap="square" lIns="91425" tIns="91425" rIns="91425" bIns="91425" anchor="t" anchorCtr="0">
             <a:noAutofit/>
           </a:bodyPr>
           <a:lstStyle/>
           <a:p>
-            <a:pPr indent="0" lvl="0" marL="0">
+            <a:pPr marL="0" lvl="0" indent="0">
               <a:spcBef>
                 <a:spcPts val="0"/>
               </a:spcBef>
@@ -9743,7 +9780,7 @@
             </a:endParaRPr>
           </a:p>
           <a:p>
-            <a:pPr indent="0" lvl="0" marL="0">
+            <a:pPr marL="0" lvl="0" indent="0">
               <a:spcBef>
                 <a:spcPts val="0"/>
               </a:spcBef>
@@ -9775,7 +9812,7 @@
             </a:endParaRPr>
           </a:p>
           <a:p>
-            <a:pPr indent="0" lvl="0" marL="0">
+            <a:pPr marL="0" lvl="0" indent="0">
               <a:spcBef>
                 <a:spcPts val="0"/>
               </a:spcBef>
@@ -9807,7 +9844,7 @@
             </a:endParaRPr>
           </a:p>
           <a:p>
-            <a:pPr indent="0" lvl="0" marL="0" rtl="0">
+            <a:pPr marL="0" lvl="0" indent="0" rtl="0">
               <a:spcBef>
                 <a:spcPts val="0"/>
               </a:spcBef>
@@ -9849,11 +9886,11 @@
 </file>
 
 <file path=ppt/slides/slide2.xml><?xml version="1.0" encoding="utf-8"?>
-<p:sld xmlns:a="http://schemas.openxmlformats.org/drawingml/2006/main" xmlns:r="http://schemas.openxmlformats.org/officeDocument/2006/relationships" xmlns:mc="http://schemas.openxmlformats.org/markup-compatibility/2006" xmlns:mv="urn:schemas-microsoft-com:mac:vml" xmlns:p="http://schemas.openxmlformats.org/presentationml/2006/main" xmlns:c="http://schemas.openxmlformats.org/drawingml/2006/chart" xmlns:dgm="http://schemas.openxmlformats.org/drawingml/2006/diagram" xmlns:o="urn:schemas-microsoft-com:office:office" xmlns:v="urn:schemas-microsoft-com:vml" xmlns:pvml="urn:schemas-microsoft-com:office:powerpoint" xmlns:com="http://schemas.openxmlformats.org/drawingml/2006/compatibility" xmlns:p14="http://schemas.microsoft.com/office/powerpoint/2010/main" xmlns:p15="http://schemas.microsoft.com/office/powerpoint/2012/main">
+<p:sld xmlns:a="http://schemas.openxmlformats.org/drawingml/2006/main" xmlns:r="http://schemas.openxmlformats.org/officeDocument/2006/relationships" xmlns:p="http://schemas.openxmlformats.org/presentationml/2006/main">
   <p:cSld>
     <p:spTree>
       <p:nvGrpSpPr>
-        <p:cNvPr id="133" name="Shape 133"/>
+        <p:cNvPr id="1" name="Shape 133"/>
         <p:cNvGrpSpPr/>
         <p:nvPr/>
       </p:nvGrpSpPr>
@@ -9868,7 +9905,9 @@
       <p:sp>
         <p:nvSpPr>
           <p:cNvPr id="134" name="Google Shape;134;p14"/>
-          <p:cNvSpPr txBox="1"/>
+          <p:cNvSpPr txBox="1">
+            <a:spLocks noGrp="1"/>
+          </p:cNvSpPr>
           <p:nvPr>
             <p:ph type="title"/>
           </p:nvPr>
@@ -9883,12 +9922,12 @@
           </a:prstGeom>
         </p:spPr>
         <p:txBody>
-          <a:bodyPr anchorCtr="0" anchor="t" bIns="91425" lIns="91425" spcFirstLastPara="1" rIns="91425" wrap="square" tIns="91425">
+          <a:bodyPr spcFirstLastPara="1" wrap="square" lIns="91425" tIns="91425" rIns="91425" bIns="91425" anchor="t" anchorCtr="0">
             <a:noAutofit/>
           </a:bodyPr>
           <a:lstStyle/>
           <a:p>
-            <a:pPr indent="0" lvl="0" marL="0">
+            <a:pPr marL="0" lvl="0" indent="0">
               <a:spcBef>
                 <a:spcPts val="0"/>
               </a:spcBef>
@@ -9908,9 +9947,11 @@
       <p:sp>
         <p:nvSpPr>
           <p:cNvPr id="135" name="Google Shape;135;p14"/>
-          <p:cNvSpPr txBox="1"/>
+          <p:cNvSpPr txBox="1">
+            <a:spLocks noGrp="1"/>
+          </p:cNvSpPr>
           <p:nvPr>
-            <p:ph idx="1" type="body"/>
+            <p:ph type="body" idx="1"/>
           </p:nvPr>
         </p:nvSpPr>
         <p:spPr>
@@ -9923,12 +9964,12 @@
           </a:prstGeom>
         </p:spPr>
         <p:txBody>
-          <a:bodyPr anchorCtr="0" anchor="t" bIns="91425" lIns="91425" spcFirstLastPara="1" rIns="91425" wrap="square" tIns="91425">
+          <a:bodyPr spcFirstLastPara="1" wrap="square" lIns="91425" tIns="91425" rIns="91425" bIns="91425" anchor="t" anchorCtr="0">
             <a:noAutofit/>
           </a:bodyPr>
           <a:lstStyle/>
           <a:p>
-            <a:pPr indent="0" lvl="0" marL="0" rtl="0">
+            <a:pPr marL="0" lvl="0" indent="0" rtl="0">
               <a:spcBef>
                 <a:spcPts val="0"/>
               </a:spcBef>
@@ -9938,29 +9979,21 @@
               <a:buNone/>
             </a:pPr>
             <a:r>
-              <a:rPr b="1" lang="es" sz="1800">
+              <a:rPr lang="es" sz="1800" b="1">
                 <a:solidFill>
                   <a:srgbClr val="000000"/>
                 </a:solidFill>
               </a:rPr>
-              <a:t>Definición</a:t>
+              <a:t>Definición del problema:</a:t>
             </a:r>
-            <a:r>
-              <a:rPr b="1" lang="es" sz="1800">
-                <a:solidFill>
-                  <a:srgbClr val="000000"/>
-                </a:solidFill>
-              </a:rPr>
-              <a:t> del problema:</a:t>
-            </a:r>
-            <a:endParaRPr b="1" sz="1800">
+            <a:endParaRPr sz="1800" b="1">
               <a:solidFill>
                 <a:srgbClr val="000000"/>
               </a:solidFill>
             </a:endParaRPr>
           </a:p>
           <a:p>
-            <a:pPr indent="0" lvl="0" marL="0" rtl="0" algn="just">
+            <a:pPr marL="0" lvl="0" indent="0" algn="just" rtl="0">
               <a:spcBef>
                 <a:spcPts val="1600"/>
               </a:spcBef>
@@ -9992,7 +10025,7 @@
             </a:endParaRPr>
           </a:p>
           <a:p>
-            <a:pPr indent="0" lvl="0" marL="0" rtl="0">
+            <a:pPr marL="0" lvl="0" indent="0" rtl="0">
               <a:spcBef>
                 <a:spcPts val="1600"/>
               </a:spcBef>
@@ -10001,13 +10034,10 @@
               </a:spcAft>
               <a:buNone/>
             </a:pPr>
-            <a:r>
-              <a:t/>
-            </a:r>
             <a:endParaRPr/>
           </a:p>
           <a:p>
-            <a:pPr indent="0" lvl="0" marL="0">
+            <a:pPr marL="0" lvl="0" indent="0">
               <a:spcBef>
                 <a:spcPts val="1600"/>
               </a:spcBef>
@@ -10016,9 +10046,6 @@
               </a:spcAft>
               <a:buNone/>
             </a:pPr>
-            <a:r>
-              <a:t/>
-            </a:r>
             <a:endParaRPr/>
           </a:p>
         </p:txBody>
@@ -10032,11 +10059,11 @@
 </file>
 
 <file path=ppt/slides/slide3.xml><?xml version="1.0" encoding="utf-8"?>
-<p:sld xmlns:a="http://schemas.openxmlformats.org/drawingml/2006/main" xmlns:r="http://schemas.openxmlformats.org/officeDocument/2006/relationships" xmlns:mc="http://schemas.openxmlformats.org/markup-compatibility/2006" xmlns:mv="urn:schemas-microsoft-com:mac:vml" xmlns:p="http://schemas.openxmlformats.org/presentationml/2006/main" xmlns:c="http://schemas.openxmlformats.org/drawingml/2006/chart" xmlns:dgm="http://schemas.openxmlformats.org/drawingml/2006/diagram" xmlns:o="urn:schemas-microsoft-com:office:office" xmlns:v="urn:schemas-microsoft-com:vml" xmlns:pvml="urn:schemas-microsoft-com:office:powerpoint" xmlns:com="http://schemas.openxmlformats.org/drawingml/2006/compatibility" xmlns:p14="http://schemas.microsoft.com/office/powerpoint/2010/main" xmlns:p15="http://schemas.microsoft.com/office/powerpoint/2012/main">
+<p:sld xmlns:a="http://schemas.openxmlformats.org/drawingml/2006/main" xmlns:r="http://schemas.openxmlformats.org/officeDocument/2006/relationships" xmlns:p="http://schemas.openxmlformats.org/presentationml/2006/main">
   <p:cSld>
     <p:spTree>
       <p:nvGrpSpPr>
-        <p:cNvPr id="139" name="Shape 139"/>
+        <p:cNvPr id="1" name="Shape 139"/>
         <p:cNvGrpSpPr/>
         <p:nvPr/>
       </p:nvGrpSpPr>
@@ -10051,9 +10078,11 @@
       <p:sp>
         <p:nvSpPr>
           <p:cNvPr id="140" name="Google Shape;140;p15"/>
-          <p:cNvSpPr txBox="1"/>
+          <p:cNvSpPr txBox="1">
+            <a:spLocks noGrp="1"/>
+          </p:cNvSpPr>
           <p:nvPr>
-            <p:ph idx="1" type="body"/>
+            <p:ph type="body" idx="1"/>
           </p:nvPr>
         </p:nvSpPr>
         <p:spPr>
@@ -10066,12 +10095,12 @@
           </a:prstGeom>
         </p:spPr>
         <p:txBody>
-          <a:bodyPr anchorCtr="0" anchor="t" bIns="91425" lIns="91425" spcFirstLastPara="1" rIns="91425" wrap="square" tIns="91425">
+          <a:bodyPr spcFirstLastPara="1" wrap="square" lIns="91425" tIns="91425" rIns="91425" bIns="91425" anchor="t" anchorCtr="0">
             <a:noAutofit/>
           </a:bodyPr>
           <a:lstStyle/>
           <a:p>
-            <a:pPr indent="0" lvl="0" marL="0" rtl="0">
+            <a:pPr marL="0" lvl="0" indent="0" rtl="0">
               <a:spcBef>
                 <a:spcPts val="0"/>
               </a:spcBef>
@@ -10081,13 +10110,13 @@
               <a:buNone/>
             </a:pPr>
             <a:r>
-              <a:rPr b="1" lang="es" sz="1800"/>
+              <a:rPr lang="es" sz="1800" b="1"/>
               <a:t>Identificación de las necesidades:</a:t>
             </a:r>
-            <a:endParaRPr b="1" sz="1800"/>
+            <a:endParaRPr sz="1800" b="1"/>
           </a:p>
           <a:p>
-            <a:pPr indent="0" lvl="0" marL="457200" rtl="0" algn="just">
+            <a:pPr marL="457200" lvl="0" indent="0" algn="just" rtl="0">
               <a:spcBef>
                 <a:spcPts val="1600"/>
               </a:spcBef>
@@ -10096,9 +10125,6 @@
               </a:spcAft>
               <a:buNone/>
             </a:pPr>
-            <a:r>
-              <a:t/>
-            </a:r>
             <a:endParaRPr sz="1400">
               <a:solidFill>
                 <a:srgbClr val="000000"/>
@@ -10110,7 +10136,7 @@
             </a:endParaRPr>
           </a:p>
           <a:p>
-            <a:pPr indent="-317500" lvl="0" marL="457200" rtl="0" algn="just">
+            <a:pPr marL="457200" lvl="0" indent="-317500" algn="just" rtl="0">
               <a:spcBef>
                 <a:spcPts val="1600"/>
               </a:spcBef>
@@ -10147,7 +10173,7 @@
             </a:endParaRPr>
           </a:p>
           <a:p>
-            <a:pPr indent="-317500" lvl="0" marL="457200" rtl="0" algn="just">
+            <a:pPr marL="457200" lvl="0" indent="-317500" algn="just" rtl="0">
               <a:spcBef>
                 <a:spcPts val="0"/>
               </a:spcBef>
@@ -10184,7 +10210,7 @@
             </a:endParaRPr>
           </a:p>
           <a:p>
-            <a:pPr indent="-317500" lvl="0" marL="457200" rtl="0" algn="just">
+            <a:pPr marL="457200" lvl="0" indent="-317500" algn="just" rtl="0">
               <a:spcBef>
                 <a:spcPts val="0"/>
               </a:spcBef>
@@ -10221,7 +10247,7 @@
             </a:endParaRPr>
           </a:p>
           <a:p>
-            <a:pPr indent="-317500" lvl="0" marL="457200" rtl="0" algn="just">
+            <a:pPr marL="457200" lvl="0" indent="-317500" algn="just" rtl="0">
               <a:spcBef>
                 <a:spcPts val="0"/>
               </a:spcBef>
@@ -10247,7 +10273,7 @@
               </a:rPr>
               <a:t>Se necesita tener la ubicación en un mapa de en qué parte se localizan los distintos grupos de investigación.</a:t>
             </a:r>
-            <a:endParaRPr b="1" sz="1400"/>
+            <a:endParaRPr sz="1400" b="1"/>
           </a:p>
         </p:txBody>
       </p:sp>
@@ -10260,11 +10286,11 @@
 </file>
 
 <file path=ppt/slides/slide4.xml><?xml version="1.0" encoding="utf-8"?>
-<p:sld xmlns:a="http://schemas.openxmlformats.org/drawingml/2006/main" xmlns:r="http://schemas.openxmlformats.org/officeDocument/2006/relationships" xmlns:mc="http://schemas.openxmlformats.org/markup-compatibility/2006" xmlns:mv="urn:schemas-microsoft-com:mac:vml" xmlns:p="http://schemas.openxmlformats.org/presentationml/2006/main" xmlns:c="http://schemas.openxmlformats.org/drawingml/2006/chart" xmlns:dgm="http://schemas.openxmlformats.org/drawingml/2006/diagram" xmlns:o="urn:schemas-microsoft-com:office:office" xmlns:v="urn:schemas-microsoft-com:vml" xmlns:pvml="urn:schemas-microsoft-com:office:powerpoint" xmlns:com="http://schemas.openxmlformats.org/drawingml/2006/compatibility" xmlns:p14="http://schemas.microsoft.com/office/powerpoint/2010/main" xmlns:p15="http://schemas.microsoft.com/office/powerpoint/2012/main">
+<p:sld xmlns:a="http://schemas.openxmlformats.org/drawingml/2006/main" xmlns:r="http://schemas.openxmlformats.org/officeDocument/2006/relationships" xmlns:p="http://schemas.openxmlformats.org/presentationml/2006/main">
   <p:cSld>
     <p:spTree>
       <p:nvGrpSpPr>
-        <p:cNvPr id="144" name="Shape 144"/>
+        <p:cNvPr id="1" name="Shape 144"/>
         <p:cNvGrpSpPr/>
         <p:nvPr/>
       </p:nvGrpSpPr>
@@ -10279,7 +10305,9 @@
       <p:sp>
         <p:nvSpPr>
           <p:cNvPr id="145" name="Google Shape;145;p16"/>
-          <p:cNvSpPr txBox="1"/>
+          <p:cNvSpPr txBox="1">
+            <a:spLocks noGrp="1"/>
+          </p:cNvSpPr>
           <p:nvPr>
             <p:ph type="title"/>
           </p:nvPr>
@@ -10294,12 +10322,12 @@
           </a:prstGeom>
         </p:spPr>
         <p:txBody>
-          <a:bodyPr anchorCtr="0" anchor="t" bIns="91425" lIns="91425" spcFirstLastPara="1" rIns="91425" wrap="square" tIns="91425">
+          <a:bodyPr spcFirstLastPara="1" wrap="square" lIns="91425" tIns="91425" rIns="91425" bIns="91425" anchor="t" anchorCtr="0">
             <a:noAutofit/>
           </a:bodyPr>
           <a:lstStyle/>
           <a:p>
-            <a:pPr indent="0" lvl="0" marL="0">
+            <a:pPr marL="0" lvl="0" indent="0">
               <a:spcBef>
                 <a:spcPts val="0"/>
               </a:spcBef>
@@ -10310,15 +10338,7 @@
             </a:pPr>
             <a:r>
               <a:rPr lang="es"/>
-              <a:t>Fase 2: </a:t>
-            </a:r>
-            <a:r>
-              <a:rPr lang="es"/>
-              <a:t>recopilación</a:t>
-            </a:r>
-            <a:r>
-              <a:rPr lang="es"/>
-              <a:t> de la información </a:t>
+              <a:t>Fase 2: recopilación de la información </a:t>
             </a:r>
             <a:endParaRPr/>
           </a:p>
@@ -10327,9 +10347,11 @@
       <p:sp>
         <p:nvSpPr>
           <p:cNvPr id="146" name="Google Shape;146;p16"/>
-          <p:cNvSpPr txBox="1"/>
+          <p:cNvSpPr txBox="1">
+            <a:spLocks noGrp="1"/>
+          </p:cNvSpPr>
           <p:nvPr>
-            <p:ph idx="1" type="body"/>
+            <p:ph type="body" idx="1"/>
           </p:nvPr>
         </p:nvSpPr>
         <p:spPr>
@@ -10342,12 +10364,12 @@
           </a:prstGeom>
         </p:spPr>
         <p:txBody>
-          <a:bodyPr anchorCtr="0" anchor="t" bIns="91425" lIns="91425" spcFirstLastPara="1" rIns="91425" wrap="square" tIns="91425">
+          <a:bodyPr spcFirstLastPara="1" wrap="square" lIns="91425" tIns="91425" rIns="91425" bIns="91425" anchor="t" anchorCtr="0">
             <a:noAutofit/>
           </a:bodyPr>
           <a:lstStyle/>
           <a:p>
-            <a:pPr indent="0" lvl="0" marL="0" rtl="0" algn="just">
+            <a:pPr marL="0" lvl="0" indent="0" algn="just" rtl="0">
               <a:spcBef>
                 <a:spcPts val="0"/>
               </a:spcBef>
@@ -10357,7 +10379,7 @@
               <a:buNone/>
             </a:pPr>
             <a:r>
-              <a:rPr b="1" lang="es" sz="1200">
+              <a:rPr lang="es" sz="1200" b="1">
                 <a:solidFill>
                   <a:srgbClr val="000000"/>
                 </a:solidFill>
@@ -10394,7 +10416,7 @@
             </a:endParaRPr>
           </a:p>
           <a:p>
-            <a:pPr indent="0" lvl="0" marL="0" rtl="0" algn="just">
+            <a:pPr marL="0" lvl="0" indent="0" algn="just" rtl="0">
               <a:spcBef>
                 <a:spcPts val="0"/>
               </a:spcBef>
@@ -10404,7 +10426,7 @@
               <a:buNone/>
             </a:pPr>
             <a:r>
-              <a:rPr b="1" lang="es" sz="1200">
+              <a:rPr lang="es" sz="1200" b="1">
                 <a:solidFill>
                   <a:srgbClr val="000000"/>
                 </a:solidFill>
@@ -10438,7 +10460,7 @@
             </a:endParaRPr>
           </a:p>
           <a:p>
-            <a:pPr indent="0" lvl="0" marL="0" rtl="0" algn="just">
+            <a:pPr marL="0" lvl="0" indent="0" algn="just" rtl="0">
               <a:spcBef>
                 <a:spcPts val="0"/>
               </a:spcBef>
@@ -10448,7 +10470,7 @@
               <a:buNone/>
             </a:pPr>
             <a:r>
-              <a:rPr b="1" lang="es" sz="1200">
+              <a:rPr lang="es" sz="1200" b="1">
                 <a:solidFill>
                   <a:srgbClr val="000000"/>
                 </a:solidFill>
@@ -10482,7 +10504,7 @@
             </a:endParaRPr>
           </a:p>
           <a:p>
-            <a:pPr indent="0" lvl="0" marL="0" rtl="0" algn="just">
+            <a:pPr marL="0" lvl="0" indent="0" algn="just" rtl="0">
               <a:spcBef>
                 <a:spcPts val="0"/>
               </a:spcBef>
@@ -10492,7 +10514,7 @@
               <a:buNone/>
             </a:pPr>
             <a:r>
-              <a:rPr b="1" lang="es" sz="1200">
+              <a:rPr lang="es" sz="1200" b="1">
                 <a:solidFill>
                   <a:srgbClr val="000000"/>
                 </a:solidFill>
@@ -10526,7 +10548,7 @@
             </a:endParaRPr>
           </a:p>
           <a:p>
-            <a:pPr indent="0" lvl="0" marL="0">
+            <a:pPr marL="0" lvl="0" indent="0">
               <a:spcBef>
                 <a:spcPts val="0"/>
               </a:spcBef>
@@ -10535,9 +10557,6 @@
               </a:spcAft>
               <a:buNone/>
             </a:pPr>
-            <a:r>
-              <a:t/>
-            </a:r>
             <a:endParaRPr/>
           </a:p>
         </p:txBody>
@@ -10551,11 +10570,11 @@
 </file>
 
 <file path=ppt/slides/slide5.xml><?xml version="1.0" encoding="utf-8"?>
-<p:sld xmlns:a="http://schemas.openxmlformats.org/drawingml/2006/main" xmlns:r="http://schemas.openxmlformats.org/officeDocument/2006/relationships" xmlns:mc="http://schemas.openxmlformats.org/markup-compatibility/2006" xmlns:mv="urn:schemas-microsoft-com:mac:vml" xmlns:p="http://schemas.openxmlformats.org/presentationml/2006/main" xmlns:c="http://schemas.openxmlformats.org/drawingml/2006/chart" xmlns:dgm="http://schemas.openxmlformats.org/drawingml/2006/diagram" xmlns:o="urn:schemas-microsoft-com:office:office" xmlns:v="urn:schemas-microsoft-com:vml" xmlns:pvml="urn:schemas-microsoft-com:office:powerpoint" xmlns:com="http://schemas.openxmlformats.org/drawingml/2006/compatibility" xmlns:p14="http://schemas.microsoft.com/office/powerpoint/2010/main" xmlns:p15="http://schemas.microsoft.com/office/powerpoint/2012/main">
+<p:sld xmlns:a="http://schemas.openxmlformats.org/drawingml/2006/main" xmlns:r="http://schemas.openxmlformats.org/officeDocument/2006/relationships" xmlns:p="http://schemas.openxmlformats.org/presentationml/2006/main">
   <p:cSld>
     <p:spTree>
       <p:nvGrpSpPr>
-        <p:cNvPr id="150" name="Shape 150"/>
+        <p:cNvPr id="1" name="Shape 150"/>
         <p:cNvGrpSpPr/>
         <p:nvPr/>
       </p:nvGrpSpPr>
@@ -10570,7 +10589,9 @@
       <p:sp>
         <p:nvSpPr>
           <p:cNvPr id="151" name="Google Shape;151;p17"/>
-          <p:cNvSpPr txBox="1"/>
+          <p:cNvSpPr txBox="1">
+            <a:spLocks noGrp="1"/>
+          </p:cNvSpPr>
           <p:nvPr>
             <p:ph type="title"/>
           </p:nvPr>
@@ -10585,12 +10606,12 @@
           </a:prstGeom>
         </p:spPr>
         <p:txBody>
-          <a:bodyPr anchorCtr="0" anchor="t" bIns="91425" lIns="91425" spcFirstLastPara="1" rIns="91425" wrap="square" tIns="91425">
+          <a:bodyPr spcFirstLastPara="1" wrap="square" lIns="91425" tIns="91425" rIns="91425" bIns="91425" anchor="t" anchorCtr="0">
             <a:noAutofit/>
           </a:bodyPr>
           <a:lstStyle/>
           <a:p>
-            <a:pPr indent="0" lvl="0" marL="0">
+            <a:pPr marL="0" lvl="0" indent="0">
               <a:spcBef>
                 <a:spcPts val="0"/>
               </a:spcBef>
@@ -10601,15 +10622,7 @@
             </a:pPr>
             <a:r>
               <a:rPr lang="es"/>
-              <a:t>Fase 3: </a:t>
-            </a:r>
-            <a:r>
-              <a:rPr lang="es"/>
-              <a:t>Recopilación</a:t>
-            </a:r>
-            <a:r>
-              <a:rPr lang="es"/>
-              <a:t> de la información </a:t>
+              <a:t>Fase 3: Recopilación de la información </a:t>
             </a:r>
             <a:endParaRPr/>
           </a:p>
@@ -10618,9 +10631,11 @@
       <p:sp>
         <p:nvSpPr>
           <p:cNvPr id="152" name="Google Shape;152;p17"/>
-          <p:cNvSpPr txBox="1"/>
+          <p:cNvSpPr txBox="1">
+            <a:spLocks noGrp="1"/>
+          </p:cNvSpPr>
           <p:nvPr>
-            <p:ph idx="1" type="body"/>
+            <p:ph type="body" idx="1"/>
           </p:nvPr>
         </p:nvSpPr>
         <p:spPr>
@@ -10633,12 +10648,12 @@
           </a:prstGeom>
         </p:spPr>
         <p:txBody>
-          <a:bodyPr anchorCtr="0" anchor="t" bIns="91425" lIns="91425" spcFirstLastPara="1" rIns="91425" wrap="square" tIns="91425">
+          <a:bodyPr spcFirstLastPara="1" wrap="square" lIns="91425" tIns="91425" rIns="91425" bIns="91425" anchor="t" anchorCtr="0">
             <a:noAutofit/>
           </a:bodyPr>
           <a:lstStyle/>
           <a:p>
-            <a:pPr indent="0" lvl="0" marL="0" rtl="0">
+            <a:pPr marL="0" lvl="0" indent="0" rtl="0">
               <a:spcBef>
                 <a:spcPts val="0"/>
               </a:spcBef>
@@ -10649,20 +10664,12 @@
             </a:pPr>
             <a:r>
               <a:rPr lang="es"/>
-              <a:t>El </a:t>
-            </a:r>
-            <a:r>
-              <a:rPr lang="es"/>
-              <a:t>método</a:t>
-            </a:r>
-            <a:r>
-              <a:rPr lang="es"/>
-              <a:t> utilizado para crear las siguientes ideas fue la lluvia de ideas:</a:t>
+              <a:t>El método utilizado para crear las siguientes ideas fue la lluvia de ideas:</a:t>
             </a:r>
             <a:endParaRPr/>
           </a:p>
           <a:p>
-            <a:pPr indent="-317500" lvl="0" marL="457200" rtl="0" algn="just">
+            <a:pPr marL="457200" lvl="0" indent="-317500" algn="just" rtl="0">
               <a:spcBef>
                 <a:spcPts val="1600"/>
               </a:spcBef>
@@ -10673,7 +10680,7 @@
               <a:buChar char="●"/>
             </a:pPr>
             <a:r>
-              <a:rPr i="1" lang="es" sz="1400">
+              <a:rPr lang="es" sz="1400" i="1">
                 <a:solidFill>
                   <a:srgbClr val="000000"/>
                 </a:solidFill>
@@ -10684,7 +10691,7 @@
               </a:rPr>
               <a:t>Alternativa 1; Grupo con imagen asociada.</a:t>
             </a:r>
-            <a:endParaRPr i="1" sz="1400">
+            <a:endParaRPr sz="1400" i="1">
               <a:solidFill>
                 <a:srgbClr val="000000"/>
               </a:solidFill>
@@ -10695,7 +10702,7 @@
             </a:endParaRPr>
           </a:p>
           <a:p>
-            <a:pPr indent="0" lvl="0" marL="0" rtl="0" algn="just">
+            <a:pPr marL="0" lvl="0" indent="0" algn="just" rtl="0">
               <a:spcBef>
                 <a:spcPts val="1600"/>
               </a:spcBef>
@@ -10704,10 +10711,7 @@
               </a:spcAft>
               <a:buNone/>
             </a:pPr>
-            <a:r>
-              <a:t/>
-            </a:r>
-            <a:endParaRPr i="1" sz="1200">
+            <a:endParaRPr sz="1200" i="1">
               <a:solidFill>
                 <a:srgbClr val="000000"/>
               </a:solidFill>
@@ -10718,7 +10722,7 @@
             </a:endParaRPr>
           </a:p>
           <a:p>
-            <a:pPr indent="-317500" lvl="0" marL="457200" rtl="0" algn="just">
+            <a:pPr marL="457200" lvl="0" indent="-317500" algn="just" rtl="0">
               <a:spcBef>
                 <a:spcPts val="1600"/>
               </a:spcBef>
@@ -10729,7 +10733,7 @@
               <a:buChar char="●"/>
             </a:pPr>
             <a:r>
-              <a:rPr i="1" lang="es" sz="1400">
+              <a:rPr lang="es" sz="1400" i="1">
                 <a:solidFill>
                   <a:srgbClr val="000000"/>
                 </a:solidFill>
@@ -10740,7 +10744,7 @@
               </a:rPr>
               <a:t>Alternativa 2: Imagen del mapa de Colombia con la ubicación de todos los grupos.</a:t>
             </a:r>
-            <a:endParaRPr i="1" sz="1400">
+            <a:endParaRPr sz="1400" i="1">
               <a:solidFill>
                 <a:srgbClr val="000000"/>
               </a:solidFill>
@@ -10751,7 +10755,7 @@
             </a:endParaRPr>
           </a:p>
           <a:p>
-            <a:pPr indent="0" lvl="0" marL="0" rtl="0" algn="just">
+            <a:pPr marL="0" lvl="0" indent="0" algn="just" rtl="0">
               <a:spcBef>
                 <a:spcPts val="1600"/>
               </a:spcBef>
@@ -10760,10 +10764,7 @@
               </a:spcAft>
               <a:buNone/>
             </a:pPr>
-            <a:r>
-              <a:t/>
-            </a:r>
-            <a:endParaRPr i="1" sz="1200">
+            <a:endParaRPr sz="1200" i="1">
               <a:solidFill>
                 <a:srgbClr val="000000"/>
               </a:solidFill>
@@ -10774,7 +10775,7 @@
             </a:endParaRPr>
           </a:p>
           <a:p>
-            <a:pPr indent="-317500" lvl="0" marL="457200" rtl="0" algn="just">
+            <a:pPr marL="457200" lvl="0" indent="-317500" algn="just" rtl="0">
               <a:spcBef>
                 <a:spcPts val="1600"/>
               </a:spcBef>
@@ -10785,7 +10786,7 @@
               <a:buChar char="●"/>
             </a:pPr>
             <a:r>
-              <a:rPr i="1" lang="es" sz="1400">
+              <a:rPr lang="es" sz="1400" i="1">
                 <a:solidFill>
                   <a:srgbClr val="000000"/>
                 </a:solidFill>
@@ -10809,11 +10810,11 @@
 </file>
 
 <file path=ppt/slides/slide6.xml><?xml version="1.0" encoding="utf-8"?>
-<p:sld xmlns:a="http://schemas.openxmlformats.org/drawingml/2006/main" xmlns:r="http://schemas.openxmlformats.org/officeDocument/2006/relationships" xmlns:mc="http://schemas.openxmlformats.org/markup-compatibility/2006" xmlns:mv="urn:schemas-microsoft-com:mac:vml" xmlns:p="http://schemas.openxmlformats.org/presentationml/2006/main" xmlns:c="http://schemas.openxmlformats.org/drawingml/2006/chart" xmlns:dgm="http://schemas.openxmlformats.org/drawingml/2006/diagram" xmlns:o="urn:schemas-microsoft-com:office:office" xmlns:v="urn:schemas-microsoft-com:vml" xmlns:pvml="urn:schemas-microsoft-com:office:powerpoint" xmlns:com="http://schemas.openxmlformats.org/drawingml/2006/compatibility" xmlns:p14="http://schemas.microsoft.com/office/powerpoint/2010/main" xmlns:p15="http://schemas.microsoft.com/office/powerpoint/2012/main">
+<p:sld xmlns:a="http://schemas.openxmlformats.org/drawingml/2006/main" xmlns:r="http://schemas.openxmlformats.org/officeDocument/2006/relationships" xmlns:p="http://schemas.openxmlformats.org/presentationml/2006/main">
   <p:cSld>
     <p:spTree>
       <p:nvGrpSpPr>
-        <p:cNvPr id="156" name="Shape 156"/>
+        <p:cNvPr id="1" name="Shape 156"/>
         <p:cNvGrpSpPr/>
         <p:nvPr/>
       </p:nvGrpSpPr>
@@ -10828,7 +10829,9 @@
       <p:sp>
         <p:nvSpPr>
           <p:cNvPr id="157" name="Google Shape;157;p18"/>
-          <p:cNvSpPr txBox="1"/>
+          <p:cNvSpPr txBox="1">
+            <a:spLocks noGrp="1"/>
+          </p:cNvSpPr>
           <p:nvPr>
             <p:ph type="title"/>
           </p:nvPr>
@@ -10843,12 +10846,12 @@
           </a:prstGeom>
         </p:spPr>
         <p:txBody>
-          <a:bodyPr anchorCtr="0" anchor="t" bIns="91425" lIns="91425" spcFirstLastPara="1" rIns="91425" wrap="square" tIns="91425">
+          <a:bodyPr spcFirstLastPara="1" wrap="square" lIns="91425" tIns="91425" rIns="91425" bIns="91425" anchor="t" anchorCtr="0">
             <a:noAutofit/>
           </a:bodyPr>
           <a:lstStyle/>
           <a:p>
-            <a:pPr indent="0" lvl="0" marL="0">
+            <a:pPr marL="0" lvl="0" indent="0">
               <a:spcBef>
                 <a:spcPts val="0"/>
               </a:spcBef>
@@ -10868,9 +10871,11 @@
       <p:sp>
         <p:nvSpPr>
           <p:cNvPr id="158" name="Google Shape;158;p18"/>
-          <p:cNvSpPr txBox="1"/>
+          <p:cNvSpPr txBox="1">
+            <a:spLocks noGrp="1"/>
+          </p:cNvSpPr>
           <p:nvPr>
-            <p:ph idx="1" type="body"/>
+            <p:ph type="body" idx="1"/>
           </p:nvPr>
         </p:nvSpPr>
         <p:spPr>
@@ -10883,12 +10888,12 @@
           </a:prstGeom>
         </p:spPr>
         <p:txBody>
-          <a:bodyPr anchorCtr="0" anchor="t" bIns="91425" lIns="91425" spcFirstLastPara="1" rIns="91425" wrap="square" tIns="91425">
+          <a:bodyPr spcFirstLastPara="1" wrap="square" lIns="91425" tIns="91425" rIns="91425" bIns="91425" anchor="t" anchorCtr="0">
             <a:noAutofit/>
           </a:bodyPr>
           <a:lstStyle/>
           <a:p>
-            <a:pPr indent="0" lvl="0" marL="0" rtl="0">
+            <a:pPr marL="0" lvl="0" indent="0" rtl="0">
               <a:spcBef>
                 <a:spcPts val="0"/>
               </a:spcBef>
@@ -10898,29 +10903,13 @@
               <a:buNone/>
             </a:pPr>
             <a:r>
-              <a:rPr b="1" lang="es" sz="1500"/>
-              <a:t>Se </a:t>
+              <a:rPr lang="es" sz="1500" b="1"/>
+              <a:t>Se descartó la Alternativa 2, Imagen del mapa de colombia con la ubicación de los grupos:</a:t>
             </a:r>
-            <a:r>
-              <a:rPr b="1" lang="es" sz="1500"/>
-              <a:t>descartó</a:t>
-            </a:r>
-            <a:r>
-              <a:rPr b="1" lang="es" sz="1500"/>
-              <a:t> la Alternativa 2, Imagen del mapa de colombia con la </a:t>
-            </a:r>
-            <a:r>
-              <a:rPr b="1" lang="es" sz="1500"/>
-              <a:t>ubicación</a:t>
-            </a:r>
-            <a:r>
-              <a:rPr b="1" lang="es" sz="1500"/>
-              <a:t> de los grupos:</a:t>
-            </a:r>
-            <a:endParaRPr b="1" sz="1500"/>
+            <a:endParaRPr sz="1500" b="1"/>
           </a:p>
           <a:p>
-            <a:pPr indent="457200" lvl="0" marL="0" rtl="0" algn="just">
+            <a:pPr marL="0" lvl="0" indent="457200" algn="just" rtl="0">
               <a:spcBef>
                 <a:spcPts val="1600"/>
               </a:spcBef>
@@ -10952,7 +10941,7 @@
             </a:endParaRPr>
           </a:p>
           <a:p>
-            <a:pPr indent="0" lvl="0" marL="0" marR="0" rtl="0" algn="l">
+            <a:pPr marL="0" marR="0" lvl="0" indent="0" algn="l" rtl="0">
               <a:lnSpc>
                 <a:spcPct val="115000"/>
               </a:lnSpc>
@@ -10965,26 +10954,10 @@
               <a:buNone/>
             </a:pPr>
             <a:r>
-              <a:rPr b="1" lang="es" sz="1500"/>
-              <a:t>Las Alternativas 1 y 3,grupo con imagen asociada, y utilizar la </a:t>
+              <a:rPr lang="es" sz="1500" b="1"/>
+              <a:t>Las Alternativas 1 y 3,grupo con imagen asociada, y utilizar la librería gmaps fueron consideradas opciones viables</a:t>
             </a:r>
-            <a:r>
-              <a:rPr b="1" lang="es" sz="1500"/>
-              <a:t>librería</a:t>
-            </a:r>
-            <a:r>
-              <a:rPr b="1" lang="es" sz="1500"/>
-              <a:t> gmaps fueron </a:t>
-            </a:r>
-            <a:r>
-              <a:rPr b="1" lang="es" sz="1500"/>
-              <a:t>consideradas</a:t>
-            </a:r>
-            <a:r>
-              <a:rPr b="1" lang="es" sz="1500"/>
-              <a:t> opciones viables</a:t>
-            </a:r>
-            <a:endParaRPr b="1" sz="1500"/>
+            <a:endParaRPr sz="1500" b="1"/>
           </a:p>
         </p:txBody>
       </p:sp>
@@ -11025,11 +10998,11 @@
 </file>
 
 <file path=ppt/slides/slide7.xml><?xml version="1.0" encoding="utf-8"?>
-<p:sld xmlns:a="http://schemas.openxmlformats.org/drawingml/2006/main" xmlns:r="http://schemas.openxmlformats.org/officeDocument/2006/relationships" xmlns:mc="http://schemas.openxmlformats.org/markup-compatibility/2006" xmlns:mv="urn:schemas-microsoft-com:mac:vml" xmlns:p="http://schemas.openxmlformats.org/presentationml/2006/main" xmlns:c="http://schemas.openxmlformats.org/drawingml/2006/chart" xmlns:dgm="http://schemas.openxmlformats.org/drawingml/2006/diagram" xmlns:o="urn:schemas-microsoft-com:office:office" xmlns:v="urn:schemas-microsoft-com:vml" xmlns:pvml="urn:schemas-microsoft-com:office:powerpoint" xmlns:com="http://schemas.openxmlformats.org/drawingml/2006/compatibility" xmlns:p14="http://schemas.microsoft.com/office/powerpoint/2010/main" xmlns:p15="http://schemas.microsoft.com/office/powerpoint/2012/main">
+<p:sld xmlns:a="http://schemas.openxmlformats.org/drawingml/2006/main" xmlns:r="http://schemas.openxmlformats.org/officeDocument/2006/relationships" xmlns:p="http://schemas.openxmlformats.org/presentationml/2006/main">
   <p:cSld>
     <p:spTree>
       <p:nvGrpSpPr>
-        <p:cNvPr id="163" name="Shape 163"/>
+        <p:cNvPr id="1" name="Shape 163"/>
         <p:cNvGrpSpPr/>
         <p:nvPr/>
       </p:nvGrpSpPr>
@@ -11044,7 +11017,9 @@
       <p:sp>
         <p:nvSpPr>
           <p:cNvPr id="164" name="Google Shape;164;p19"/>
-          <p:cNvSpPr txBox="1"/>
+          <p:cNvSpPr txBox="1">
+            <a:spLocks noGrp="1"/>
+          </p:cNvSpPr>
           <p:nvPr>
             <p:ph type="title"/>
           </p:nvPr>
@@ -11059,12 +11034,12 @@
           </a:prstGeom>
         </p:spPr>
         <p:txBody>
-          <a:bodyPr anchorCtr="0" anchor="t" bIns="91425" lIns="91425" spcFirstLastPara="1" rIns="91425" wrap="square" tIns="91425">
+          <a:bodyPr spcFirstLastPara="1" wrap="square" lIns="91425" tIns="91425" rIns="91425" bIns="91425" anchor="t" anchorCtr="0">
             <a:noAutofit/>
           </a:bodyPr>
           <a:lstStyle/>
           <a:p>
-            <a:pPr indent="0" lvl="0" marL="0">
+            <a:pPr marL="0" lvl="0" indent="0">
               <a:spcBef>
                 <a:spcPts val="0"/>
               </a:spcBef>
@@ -11075,31 +11050,7 @@
             </a:pPr>
             <a:r>
               <a:rPr lang="es"/>
-              <a:t>Fase 5. </a:t>
-            </a:r>
-            <a:r>
-              <a:rPr lang="es"/>
-              <a:t>Evaluación</a:t>
-            </a:r>
-            <a:r>
-              <a:rPr lang="es"/>
-              <a:t> y </a:t>
-            </a:r>
-            <a:r>
-              <a:rPr lang="es"/>
-              <a:t>selección</a:t>
-            </a:r>
-            <a:r>
-              <a:rPr lang="es"/>
-              <a:t> de la mejor </a:t>
-            </a:r>
-            <a:r>
-              <a:rPr lang="es"/>
-              <a:t>solución</a:t>
-            </a:r>
-            <a:r>
-              <a:rPr lang="es"/>
-              <a:t>.</a:t>
+              <a:t>Fase 5. Evaluación y selección de la mejor solución.</a:t>
             </a:r>
             <a:endParaRPr/>
           </a:p>
@@ -11108,9 +11059,11 @@
       <p:sp>
         <p:nvSpPr>
           <p:cNvPr id="165" name="Google Shape;165;p19"/>
-          <p:cNvSpPr txBox="1"/>
+          <p:cNvSpPr txBox="1">
+            <a:spLocks noGrp="1"/>
+          </p:cNvSpPr>
           <p:nvPr>
-            <p:ph idx="1" type="body"/>
+            <p:ph type="body" idx="1"/>
           </p:nvPr>
         </p:nvSpPr>
         <p:spPr>
@@ -11123,12 +11076,12 @@
           </a:prstGeom>
         </p:spPr>
         <p:txBody>
-          <a:bodyPr anchorCtr="0" anchor="t" bIns="91425" lIns="91425" spcFirstLastPara="1" rIns="91425" wrap="square" tIns="91425">
+          <a:bodyPr spcFirstLastPara="1" wrap="square" lIns="91425" tIns="91425" rIns="91425" bIns="91425" anchor="t" anchorCtr="0">
             <a:noAutofit/>
           </a:bodyPr>
           <a:lstStyle/>
           <a:p>
-            <a:pPr indent="0" lvl="0" marL="0" rtl="0" algn="just">
+            <a:pPr marL="0" lvl="0" indent="0" algn="just" rtl="0">
               <a:spcBef>
                 <a:spcPts val="0"/>
               </a:spcBef>
@@ -11138,7 +11091,7 @@
               <a:buNone/>
             </a:pPr>
             <a:r>
-              <a:rPr b="1" lang="es" sz="1200">
+              <a:rPr lang="es" sz="1200" b="1">
                 <a:solidFill>
                   <a:srgbClr val="000000"/>
                 </a:solidFill>
@@ -11149,7 +11102,7 @@
               </a:rPr>
               <a:t>Criterio 1. Administración de los recursos: </a:t>
             </a:r>
-            <a:endParaRPr b="1" sz="1200">
+            <a:endParaRPr sz="1200" b="1">
               <a:solidFill>
                 <a:srgbClr val="000000"/>
               </a:solidFill>
@@ -11160,7 +11113,7 @@
             </a:endParaRPr>
           </a:p>
           <a:p>
-            <a:pPr indent="0" lvl="0" marL="0" rtl="0" algn="just">
+            <a:pPr marL="0" lvl="0" indent="0" algn="just" rtl="0">
               <a:spcBef>
                 <a:spcPts val="1600"/>
               </a:spcBef>
@@ -11169,10 +11122,7 @@
               </a:spcAft>
               <a:buNone/>
             </a:pPr>
-            <a:r>
-              <a:t/>
-            </a:r>
-            <a:endParaRPr b="1" sz="1200">
+            <a:endParaRPr sz="1200" b="1">
               <a:solidFill>
                 <a:srgbClr val="000000"/>
               </a:solidFill>
@@ -11183,7 +11133,7 @@
             </a:endParaRPr>
           </a:p>
           <a:p>
-            <a:pPr indent="0" lvl="0" marL="0" rtl="0" algn="just">
+            <a:pPr marL="0" lvl="0" indent="0" algn="just" rtl="0">
               <a:spcBef>
                 <a:spcPts val="1600"/>
               </a:spcBef>
@@ -11192,10 +11142,7 @@
               </a:spcAft>
               <a:buNone/>
             </a:pPr>
-            <a:r>
-              <a:t/>
-            </a:r>
-            <a:endParaRPr b="1" sz="1200">
+            <a:endParaRPr sz="1200" b="1">
               <a:solidFill>
                 <a:srgbClr val="000000"/>
               </a:solidFill>
@@ -11206,7 +11153,7 @@
             </a:endParaRPr>
           </a:p>
           <a:p>
-            <a:pPr indent="0" lvl="0" marL="0" rtl="0" algn="just">
+            <a:pPr marL="0" lvl="0" indent="0" algn="just" rtl="0">
               <a:spcBef>
                 <a:spcPts val="1600"/>
               </a:spcBef>
@@ -11216,7 +11163,7 @@
               <a:buNone/>
             </a:pPr>
             <a:r>
-              <a:rPr b="1" lang="es" sz="1200">
+              <a:rPr lang="es" sz="1200" b="1">
                 <a:solidFill>
                   <a:srgbClr val="000000"/>
                 </a:solidFill>
@@ -11250,7 +11197,7 @@
             </a:endParaRPr>
           </a:p>
           <a:p>
-            <a:pPr indent="0" lvl="0" marL="0" rtl="0" algn="just">
+            <a:pPr marL="0" lvl="0" indent="0" algn="just" rtl="0">
               <a:spcBef>
                 <a:spcPts val="1600"/>
               </a:spcBef>
@@ -11259,10 +11206,7 @@
               </a:spcAft>
               <a:buNone/>
             </a:pPr>
-            <a:r>
-              <a:t/>
-            </a:r>
-            <a:endParaRPr b="1" sz="1200">
+            <a:endParaRPr sz="1200" b="1">
               <a:solidFill>
                 <a:srgbClr val="000000"/>
               </a:solidFill>
@@ -11273,7 +11217,7 @@
             </a:endParaRPr>
           </a:p>
           <a:p>
-            <a:pPr indent="0" lvl="0" marL="0" rtl="0" algn="just">
+            <a:pPr marL="0" lvl="0" indent="0" algn="just" rtl="0">
               <a:spcBef>
                 <a:spcPts val="1600"/>
               </a:spcBef>
@@ -11282,10 +11226,7 @@
               </a:spcAft>
               <a:buNone/>
             </a:pPr>
-            <a:r>
-              <a:t/>
-            </a:r>
-            <a:endParaRPr b="1" sz="1200">
+            <a:endParaRPr sz="1200" b="1">
               <a:solidFill>
                 <a:srgbClr val="000000"/>
               </a:solidFill>
@@ -11296,7 +11237,7 @@
             </a:endParaRPr>
           </a:p>
           <a:p>
-            <a:pPr indent="0" lvl="0" marL="0" rtl="0" algn="just">
+            <a:pPr marL="0" lvl="0" indent="0" algn="just" rtl="0">
               <a:spcBef>
                 <a:spcPts val="1600"/>
               </a:spcBef>
@@ -11305,10 +11246,7 @@
               </a:spcAft>
               <a:buNone/>
             </a:pPr>
-            <a:r>
-              <a:t/>
-            </a:r>
-            <a:endParaRPr b="1" sz="1200">
+            <a:endParaRPr sz="1200" b="1">
               <a:solidFill>
                 <a:srgbClr val="000000"/>
               </a:solidFill>
@@ -11319,7 +11257,7 @@
             </a:endParaRPr>
           </a:p>
           <a:p>
-            <a:pPr indent="0" lvl="0" marL="0" rtl="0" algn="just">
+            <a:pPr marL="0" lvl="0" indent="0" algn="just" rtl="0">
               <a:spcBef>
                 <a:spcPts val="1600"/>
               </a:spcBef>
@@ -11329,7 +11267,7 @@
               <a:buNone/>
             </a:pPr>
             <a:r>
-              <a:rPr b="1" lang="es" sz="1200">
+              <a:rPr lang="es" sz="1200" b="1">
                 <a:solidFill>
                   <a:srgbClr val="000000"/>
                 </a:solidFill>
@@ -11340,7 +11278,7 @@
               </a:rPr>
               <a:t>Criterio 3 Facilidad de visualización:</a:t>
             </a:r>
-            <a:endParaRPr b="1" sz="1200">
+            <a:endParaRPr sz="1200" b="1">
               <a:solidFill>
                 <a:srgbClr val="000000"/>
               </a:solidFill>
@@ -11351,7 +11289,7 @@
             </a:endParaRPr>
           </a:p>
           <a:p>
-            <a:pPr indent="0" lvl="0" marL="0">
+            <a:pPr marL="0" lvl="0" indent="0">
               <a:spcBef>
                 <a:spcPts val="1600"/>
               </a:spcBef>
@@ -11360,9 +11298,6 @@
               </a:spcAft>
               <a:buNone/>
             </a:pPr>
-            <a:r>
-              <a:t/>
-            </a:r>
             <a:endParaRPr/>
           </a:p>
         </p:txBody>
@@ -11404,11 +11339,11 @@
 </file>
 
 <file path=ppt/slides/slide8.xml><?xml version="1.0" encoding="utf-8"?>
-<p:sld xmlns:a="http://schemas.openxmlformats.org/drawingml/2006/main" xmlns:r="http://schemas.openxmlformats.org/officeDocument/2006/relationships" xmlns:mc="http://schemas.openxmlformats.org/markup-compatibility/2006" xmlns:mv="urn:schemas-microsoft-com:mac:vml" xmlns:p="http://schemas.openxmlformats.org/presentationml/2006/main" xmlns:c="http://schemas.openxmlformats.org/drawingml/2006/chart" xmlns:dgm="http://schemas.openxmlformats.org/drawingml/2006/diagram" xmlns:o="urn:schemas-microsoft-com:office:office" xmlns:v="urn:schemas-microsoft-com:vml" xmlns:pvml="urn:schemas-microsoft-com:office:powerpoint" xmlns:com="http://schemas.openxmlformats.org/drawingml/2006/compatibility" xmlns:p14="http://schemas.microsoft.com/office/powerpoint/2010/main" xmlns:p15="http://schemas.microsoft.com/office/powerpoint/2012/main">
+<p:sld xmlns:a="http://schemas.openxmlformats.org/drawingml/2006/main" xmlns:r="http://schemas.openxmlformats.org/officeDocument/2006/relationships" xmlns:p="http://schemas.openxmlformats.org/presentationml/2006/main">
   <p:cSld>
     <p:spTree>
       <p:nvGrpSpPr>
-        <p:cNvPr id="170" name="Shape 170"/>
+        <p:cNvPr id="1" name="Shape 170"/>
         <p:cNvGrpSpPr/>
         <p:nvPr/>
       </p:nvGrpSpPr>
@@ -11423,7 +11358,9 @@
       <p:sp>
         <p:nvSpPr>
           <p:cNvPr id="171" name="Google Shape;171;p20"/>
-          <p:cNvSpPr txBox="1"/>
+          <p:cNvSpPr txBox="1">
+            <a:spLocks noGrp="1"/>
+          </p:cNvSpPr>
           <p:nvPr>
             <p:ph type="title"/>
           </p:nvPr>
@@ -11438,12 +11375,12 @@
           </a:prstGeom>
         </p:spPr>
         <p:txBody>
-          <a:bodyPr anchorCtr="0" anchor="t" bIns="91425" lIns="91425" spcFirstLastPara="1" rIns="91425" wrap="square" tIns="91425">
+          <a:bodyPr spcFirstLastPara="1" wrap="square" lIns="91425" tIns="91425" rIns="91425" bIns="91425" anchor="t" anchorCtr="0">
             <a:noAutofit/>
           </a:bodyPr>
           <a:lstStyle/>
           <a:p>
-            <a:pPr indent="0" lvl="0" marL="0">
+            <a:pPr marL="0" lvl="0" indent="0">
               <a:spcBef>
                 <a:spcPts val="0"/>
               </a:spcBef>
@@ -11454,15 +11391,7 @@
             </a:pPr>
             <a:r>
               <a:rPr lang="es"/>
-              <a:t>Fase 6. </a:t>
-            </a:r>
-            <a:r>
-              <a:rPr lang="es"/>
-              <a:t>Preparación</a:t>
-            </a:r>
-            <a:r>
-              <a:rPr lang="es"/>
-              <a:t> de informes</a:t>
+              <a:t>Fase 6. Preparación de informes</a:t>
             </a:r>
             <a:endParaRPr/>
           </a:p>
@@ -11505,11 +11434,11 @@
 </file>
 
 <file path=ppt/slides/slide9.xml><?xml version="1.0" encoding="utf-8"?>
-<p:sld xmlns:a="http://schemas.openxmlformats.org/drawingml/2006/main" xmlns:r="http://schemas.openxmlformats.org/officeDocument/2006/relationships" xmlns:mc="http://schemas.openxmlformats.org/markup-compatibility/2006" xmlns:mv="urn:schemas-microsoft-com:mac:vml" xmlns:p="http://schemas.openxmlformats.org/presentationml/2006/main" xmlns:c="http://schemas.openxmlformats.org/drawingml/2006/chart" xmlns:dgm="http://schemas.openxmlformats.org/drawingml/2006/diagram" xmlns:o="urn:schemas-microsoft-com:office:office" xmlns:v="urn:schemas-microsoft-com:vml" xmlns:pvml="urn:schemas-microsoft-com:office:powerpoint" xmlns:com="http://schemas.openxmlformats.org/drawingml/2006/compatibility" xmlns:p14="http://schemas.microsoft.com/office/powerpoint/2010/main" xmlns:p15="http://schemas.microsoft.com/office/powerpoint/2012/main">
+<p:sld xmlns:a="http://schemas.openxmlformats.org/drawingml/2006/main" xmlns:r="http://schemas.openxmlformats.org/officeDocument/2006/relationships" xmlns:p="http://schemas.openxmlformats.org/presentationml/2006/main">
   <p:cSld>
     <p:spTree>
       <p:nvGrpSpPr>
-        <p:cNvPr id="176" name="Shape 176"/>
+        <p:cNvPr id="1" name="Shape 176"/>
         <p:cNvGrpSpPr/>
         <p:nvPr/>
       </p:nvGrpSpPr>
@@ -11524,7 +11453,9 @@
       <p:sp>
         <p:nvSpPr>
           <p:cNvPr id="177" name="Google Shape;177;p21"/>
-          <p:cNvSpPr txBox="1"/>
+          <p:cNvSpPr txBox="1">
+            <a:spLocks noGrp="1"/>
+          </p:cNvSpPr>
           <p:nvPr>
             <p:ph type="title"/>
           </p:nvPr>
@@ -11539,12 +11470,12 @@
           </a:prstGeom>
         </p:spPr>
         <p:txBody>
-          <a:bodyPr anchorCtr="0" anchor="t" bIns="91425" lIns="91425" spcFirstLastPara="1" rIns="91425" wrap="square" tIns="91425">
+          <a:bodyPr spcFirstLastPara="1" wrap="square" lIns="91425" tIns="91425" rIns="91425" bIns="91425" anchor="t" anchorCtr="0">
             <a:noAutofit/>
           </a:bodyPr>
           <a:lstStyle/>
           <a:p>
-            <a:pPr indent="0" lvl="0" marL="0">
+            <a:pPr marL="0" lvl="0" indent="0">
               <a:spcBef>
                 <a:spcPts val="0"/>
               </a:spcBef>
@@ -11563,56 +11494,84 @@
       </p:sp>
       <p:pic>
         <p:nvPicPr>
-          <p:cNvPr id="178" name="Google Shape;178;p21"/>
-          <p:cNvPicPr preferRelativeResize="0"/>
+          <p:cNvPr id="1026" name="Picture 2" descr="https://lh6.googleusercontent.com/u_gy6seplu4KoaL5J-VDGKoVL7ARecqq3LKwzDLfc8jFS38Ptg2MWN5IYPR6lYggZjLomZZKMqPZoYtoMCGQ20LmVu3_WfBEszbEp13_ZX-1iceASXrh5vvhEY73cYUMwFC6brl3"/>
+          <p:cNvPicPr>
+            <a:picLocks noChangeAspect="1" noChangeArrowheads="1"/>
+          </p:cNvPicPr>
           <p:nvPr/>
         </p:nvPicPr>
-        <p:blipFill rotWithShape="1">
+        <p:blipFill>
           <a:blip r:embed="rId3">
-            <a:alphaModFix/>
+            <a:extLst>
+              <a:ext uri="{28A0092B-C50C-407E-A947-70E740481C1C}">
+                <a14:useLocalDpi xmlns:a14="http://schemas.microsoft.com/office/drawing/2010/main" val="0"/>
+              </a:ext>
+            </a:extLst>
           </a:blip>
-          <a:srcRect b="14236" l="9300" r="14711" t="5014"/>
-          <a:stretch/>
+          <a:srcRect/>
+          <a:stretch>
+            <a:fillRect/>
+          </a:stretch>
         </p:blipFill>
-        <p:spPr>
+        <p:spPr bwMode="auto">
           <a:xfrm>
-            <a:off x="488000" y="1910150"/>
-            <a:ext cx="4275625" cy="2555300"/>
+            <a:off x="4728665" y="236306"/>
+            <a:ext cx="4209985" cy="2496620"/>
           </a:xfrm>
           <a:prstGeom prst="rect">
             <a:avLst/>
           </a:prstGeom>
           <a:noFill/>
-          <a:ln>
-            <a:noFill/>
-          </a:ln>
+          <a:extLst>
+            <a:ext uri="{909E8E84-426E-40DD-AFC4-6F175D3DCCD1}">
+              <a14:hiddenFill xmlns:a14="http://schemas.microsoft.com/office/drawing/2010/main">
+                <a:solidFill>
+                  <a:srgbClr val="FFFFFF"/>
+                </a:solidFill>
+              </a14:hiddenFill>
+            </a:ext>
+          </a:extLst>
         </p:spPr>
       </p:pic>
       <p:pic>
         <p:nvPicPr>
-          <p:cNvPr id="179" name="Google Shape;179;p21"/>
-          <p:cNvPicPr preferRelativeResize="0"/>
+          <p:cNvPr id="1028" name="Picture 4" descr="https://lh5.googleusercontent.com/EAO88rwKMSvhMynOZNi1g39Twz_lUM2AIuATMABKRVN-e6Meo6S6xryLPYoV8a0MMvHPiDWTN9yG1hg8gFDUaVmKiFE7AV6tO3UIpOCz0yxsu3OksfX3vSFzZeAQgnLcT2K_nh4P"/>
+          <p:cNvPicPr>
+            <a:picLocks noChangeAspect="1" noChangeArrowheads="1"/>
+          </p:cNvPicPr>
           <p:nvPr/>
         </p:nvPicPr>
-        <p:blipFill rotWithShape="1">
+        <p:blipFill>
           <a:blip r:embed="rId4">
-            <a:alphaModFix/>
+            <a:extLst>
+              <a:ext uri="{28A0092B-C50C-407E-A947-70E740481C1C}">
+                <a14:useLocalDpi xmlns:a14="http://schemas.microsoft.com/office/drawing/2010/main" val="0"/>
+              </a:ext>
+            </a:extLst>
           </a:blip>
-          <a:srcRect b="9141" l="3488" r="49501" t="15929"/>
-          <a:stretch/>
+          <a:srcRect/>
+          <a:stretch>
+            <a:fillRect/>
+          </a:stretch>
         </p:blipFill>
-        <p:spPr>
+        <p:spPr bwMode="auto">
           <a:xfrm>
-            <a:off x="5253100" y="466425"/>
-            <a:ext cx="3119700" cy="2799725"/>
+            <a:off x="292225" y="2041926"/>
+            <a:ext cx="4403065" cy="2815914"/>
           </a:xfrm>
           <a:prstGeom prst="rect">
             <a:avLst/>
           </a:prstGeom>
           <a:noFill/>
-          <a:ln>
-            <a:noFill/>
-          </a:ln>
+          <a:extLst>
+            <a:ext uri="{909E8E84-426E-40DD-AFC4-6F175D3DCCD1}">
+              <a14:hiddenFill xmlns:a14="http://schemas.microsoft.com/office/drawing/2010/main">
+                <a:solidFill>
+                  <a:srgbClr val="FFFFFF"/>
+                </a:solidFill>
+              </a14:hiddenFill>
+            </a:ext>
+          </a:extLst>
         </p:spPr>
       </p:pic>
     </p:spTree>
@@ -11624,7 +11583,7 @@
 </file>
 
 <file path=ppt/theme/theme1.xml><?xml version="1.0" encoding="utf-8"?>
-<a:theme xmlns:a="http://schemas.openxmlformats.org/drawingml/2006/main" xmlns:r="http://schemas.openxmlformats.org/officeDocument/2006/relationships" name="Shift">
+<a:theme xmlns:a="http://schemas.openxmlformats.org/drawingml/2006/main" name="Shift">
   <a:themeElements>
     <a:clrScheme name="Shift">
       <a:dk1>
@@ -11899,11 +11858,13 @@
       </a:bgFillStyleLst>
     </a:fmtScheme>
   </a:themeElements>
+  <a:objectDefaults/>
+  <a:extraClrSchemeLst/>
 </a:theme>
 </file>
 
 <file path=ppt/theme/theme2.xml><?xml version="1.0" encoding="utf-8"?>
-<a:theme xmlns:a="http://schemas.openxmlformats.org/drawingml/2006/main" xmlns:r="http://schemas.openxmlformats.org/officeDocument/2006/relationships">
+<a:theme xmlns:a="http://schemas.openxmlformats.org/drawingml/2006/main">
   <a:themeElements>
     <a:clrScheme name="Default">
       <a:dk1>
@@ -12178,5 +12139,7 @@
       </a:bgFillStyleLst>
     </a:fmtScheme>
   </a:themeElements>
+  <a:objectDefaults/>
+  <a:extraClrSchemeLst/>
 </a:theme>
 </file>